--- a/doc/export/readme-slides-plus.pptx
+++ b/doc/export/readme-slides-plus.pptx
@@ -4,6 +4,9 @@
   <p:sldMasterIdLst>
     <p:sldMasterId id="2147483648" r:id="rId1"/>
   </p:sldMasterIdLst>
+  <p:notesMasterIdLst>
+    <p:NotesMasterId r:id="rId50"/>
+  </p:notesMasterIdLst>
   <p:sldIdLst>
     <p:sldId id="256" r:id="rId2"/>
     <p:sldId id="257" r:id="rId3"/>
@@ -52,6 +55,7 @@
     <p:sldId id="300" r:id="rId46"/>
     <p:sldId id="301" r:id="rId47"/>
     <p:sldId id="302" r:id="rId48"/>
+    <p:sldId id="303" r:id="rId49"/>
   </p:sldIdLst>
   <p:sldSz cx="9144000" cy="6858000" type="screen4x3"/>
   <p:notesSz cx="6858000" cy="9144000"/>
@@ -167,6 +171,558 @@
     </p:ext>
   </p:extLst>
 </p:presentation>
+</file>
+
+<file path=ppt/notesMasters/notesMaster1.xml><?xml version="1.0" encoding="utf-8"?>
+<p:notesMaster xmlns:a="http://schemas.openxmlformats.org/drawingml/2006/main" xmlns:r="http://schemas.openxmlformats.org/officeDocument/2006/relationships" xmlns:p="http://schemas.openxmlformats.org/presentationml/2006/main">
+  <p:cSld>
+    <p:bg>
+      <p:bgRef idx="1001">
+        <a:schemeClr val="bg1"/>
+      </p:bgRef>
+    </p:bg>
+    <p:spTree>
+      <p:nvGrpSpPr>
+        <p:cNvPr id="1" name=""/>
+        <p:cNvGrpSpPr/>
+        <p:nvPr/>
+      </p:nvGrpSpPr>
+      <p:grpSpPr>
+        <a:xfrm>
+          <a:off x="0" y="0"/>
+          <a:ext cx="0" cy="0"/>
+          <a:chOff x="0" y="0"/>
+          <a:chExt cx="0" cy="0"/>
+        </a:xfrm>
+      </p:grpSpPr>
+      <p:sp>
+        <p:nvSpPr>
+          <p:cNvPr id="2" name="Header Placeholder 1"/>
+          <p:cNvSpPr>
+            <a:spLocks noGrp="1"/>
+          </p:cNvSpPr>
+          <p:nvPr>
+            <p:ph type="hdr" sz="quarter"/>
+          </p:nvPr>
+        </p:nvSpPr>
+        <p:spPr>
+          <a:xfrm>
+            <a:off x="0" y="0"/>
+            <a:ext cx="2971800" cy="458788"/>
+          </a:xfrm>
+          <a:prstGeom prst="rect">
+            <a:avLst/>
+          </a:prstGeom>
+        </p:spPr>
+        <p:txBody>
+          <a:bodyPr vert="horz" lIns="91440" tIns="45720" rIns="91440" bIns="45720" rtlCol="0"/>
+          <a:lstStyle>
+            <a:lvl1pPr algn="l">
+              <a:defRPr sz="1200"/>
+            </a:lvl1pPr>
+          </a:lstStyle>
+          <a:p>
+            <a:endParaRPr lang="en-US"/>
+          </a:p>
+        </p:txBody>
+      </p:sp>
+      <p:sp>
+        <p:nvSpPr>
+          <p:cNvPr id="3" name="Date Placeholder 2"/>
+          <p:cNvSpPr>
+            <a:spLocks noGrp="1"/>
+          </p:cNvSpPr>
+          <p:nvPr>
+            <p:ph type="dt" idx="1"/>
+          </p:nvPr>
+        </p:nvSpPr>
+        <p:spPr>
+          <a:xfrm>
+            <a:off x="3884613" y="0"/>
+            <a:ext cx="2971800" cy="458788"/>
+          </a:xfrm>
+          <a:prstGeom prst="rect">
+            <a:avLst/>
+          </a:prstGeom>
+        </p:spPr>
+        <p:txBody>
+          <a:bodyPr vert="horz" lIns="91440" tIns="45720" rIns="91440" bIns="45720" rtlCol="0"/>
+          <a:lstStyle>
+            <a:lvl1pPr algn="r">
+              <a:defRPr sz="1200"/>
+            </a:lvl1pPr>
+          </a:lstStyle>
+          <a:p>
+            <a:fld id="{0F9C1CCF-B725-44A7-AA57-5E433BD85C9F}" type="datetimeFigureOut">
+              <a:rPr lang="en-US" smtClean="0"/>
+              <a:t>4/5/2019</a:t>
+            </a:fld>
+            <a:endParaRPr lang="en-US"/>
+          </a:p>
+        </p:txBody>
+      </p:sp>
+      <p:sp>
+        <p:nvSpPr>
+          <p:cNvPr id="4" name="Slide Image Placeholder 3"/>
+          <p:cNvSpPr>
+            <a:spLocks noGrp="1" noRot="1" noChangeAspect="1"/>
+          </p:cNvSpPr>
+          <p:nvPr>
+            <p:ph type="sldImg" idx="2"/>
+          </p:nvPr>
+        </p:nvSpPr>
+        <p:spPr>
+          <a:xfrm>
+            <a:off x="1371600" y="1143000"/>
+            <a:ext cx="4114800" cy="3086100"/>
+          </a:xfrm>
+          <a:prstGeom prst="rect">
+            <a:avLst/>
+          </a:prstGeom>
+          <a:noFill/>
+          <a:ln w="12700">
+            <a:solidFill>
+              <a:prstClr val="black"/>
+            </a:solidFill>
+          </a:ln>
+        </p:spPr>
+        <p:txBody>
+          <a:bodyPr vert="horz" lIns="91440" tIns="45720" rIns="91440" bIns="45720" rtlCol="0" anchor="ctr"/>
+          <a:lstStyle/>
+          <a:p>
+            <a:endParaRPr lang="en-US"/>
+          </a:p>
+        </p:txBody>
+      </p:sp>
+      <p:sp>
+        <p:nvSpPr>
+          <p:cNvPr id="5" name="Notes Placeholder 4"/>
+          <p:cNvSpPr>
+            <a:spLocks noGrp="1"/>
+          </p:cNvSpPr>
+          <p:nvPr>
+            <p:ph type="body" sz="quarter" idx="3"/>
+          </p:nvPr>
+        </p:nvSpPr>
+        <p:spPr>
+          <a:xfrm>
+            <a:off x="685800" y="4400550"/>
+            <a:ext cx="5486400" cy="3600450"/>
+          </a:xfrm>
+          <a:prstGeom prst="rect">
+            <a:avLst/>
+          </a:prstGeom>
+        </p:spPr>
+        <p:txBody>
+          <a:bodyPr vert="horz" lIns="91440" tIns="45720" rIns="91440" bIns="45720" rtlCol="0"/>
+          <a:lstStyle/>
+          <a:p>
+            <a:pPr lvl="0"/>
+            <a:r>
+              <a:rPr lang="en-US" smtClean="0"/>
+              <a:t>Click to edit Master text styles</a:t>
+            </a:r>
+          </a:p>
+          <a:p>
+            <a:pPr lvl="1"/>
+            <a:r>
+              <a:rPr lang="en-US" smtClean="0"/>
+              <a:t>Second level</a:t>
+            </a:r>
+          </a:p>
+          <a:p>
+            <a:pPr lvl="2"/>
+            <a:r>
+              <a:rPr lang="en-US" smtClean="0"/>
+              <a:t>Third level</a:t>
+            </a:r>
+          </a:p>
+          <a:p>
+            <a:pPr lvl="3"/>
+            <a:r>
+              <a:rPr lang="en-US" smtClean="0"/>
+              <a:t>Fourth level</a:t>
+            </a:r>
+          </a:p>
+          <a:p>
+            <a:pPr lvl="4"/>
+            <a:r>
+              <a:rPr lang="en-US" smtClean="0"/>
+              <a:t>Fifth level</a:t>
+            </a:r>
+            <a:endParaRPr lang="en-US"/>
+          </a:p>
+        </p:txBody>
+      </p:sp>
+      <p:sp>
+        <p:nvSpPr>
+          <p:cNvPr id="6" name="Footer Placeholder 5"/>
+          <p:cNvSpPr>
+            <a:spLocks noGrp="1"/>
+          </p:cNvSpPr>
+          <p:nvPr>
+            <p:ph type="ftr" sz="quarter" idx="4"/>
+          </p:nvPr>
+        </p:nvSpPr>
+        <p:spPr>
+          <a:xfrm>
+            <a:off x="0" y="8685213"/>
+            <a:ext cx="2971800" cy="458787"/>
+          </a:xfrm>
+          <a:prstGeom prst="rect">
+            <a:avLst/>
+          </a:prstGeom>
+        </p:spPr>
+        <p:txBody>
+          <a:bodyPr vert="horz" lIns="91440" tIns="45720" rIns="91440" bIns="45720" rtlCol="0" anchor="b"/>
+          <a:lstStyle>
+            <a:lvl1pPr algn="l">
+              <a:defRPr sz="1200"/>
+            </a:lvl1pPr>
+          </a:lstStyle>
+          <a:p>
+            <a:endParaRPr lang="en-US"/>
+          </a:p>
+        </p:txBody>
+      </p:sp>
+      <p:sp>
+        <p:nvSpPr>
+          <p:cNvPr id="7" name="Slide Number Placeholder 6"/>
+          <p:cNvSpPr>
+            <a:spLocks noGrp="1"/>
+          </p:cNvSpPr>
+          <p:nvPr>
+            <p:ph type="sldNum" sz="quarter" idx="5"/>
+          </p:nvPr>
+        </p:nvSpPr>
+        <p:spPr>
+          <a:xfrm>
+            <a:off x="3884613" y="8685213"/>
+            <a:ext cx="2971800" cy="458787"/>
+          </a:xfrm>
+          <a:prstGeom prst="rect">
+            <a:avLst/>
+          </a:prstGeom>
+        </p:spPr>
+        <p:txBody>
+          <a:bodyPr vert="horz" lIns="91440" tIns="45720" rIns="91440" bIns="45720" rtlCol="0" anchor="b"/>
+          <a:lstStyle>
+            <a:lvl1pPr algn="r">
+              <a:defRPr sz="1200"/>
+            </a:lvl1pPr>
+          </a:lstStyle>
+          <a:p>
+            <a:fld id="{18BDFEC3-8487-43E8-A154-7C12CBC1FFF2}" type="slidenum">
+              <a:rPr lang="en-US" smtClean="0"/>
+              <a:t>‹#›</a:t>
+            </a:fld>
+            <a:endParaRPr lang="en-US"/>
+          </a:p>
+        </p:txBody>
+      </p:sp>
+    </p:spTree>
+    <p:extLst>
+      <p:ext uri="{BB962C8B-B14F-4D97-AF65-F5344CB8AC3E}">
+        <p14:creationId xmlns:p14="http://schemas.microsoft.com/office/powerpoint/2010/main" val="3782709779"/>
+      </p:ext>
+    </p:extLst>
+  </p:cSld>
+  <p:clrMap bg1="lt1" tx1="dk1" bg2="lt2" tx2="dk2" accent1="accent1" accent2="accent2" accent3="accent3" accent4="accent4" accent5="accent5" accent6="accent6" hlink="hlink" folHlink="folHlink"/>
+  <p:notesStyle>
+    <a:lvl1pPr marL="0" algn="l" defTabSz="914400" rtl="0" eaLnBrk="1" latinLnBrk="0" hangingPunct="1">
+      <a:defRPr sz="1200" kern="1200">
+        <a:solidFill>
+          <a:schemeClr val="tx1"/>
+        </a:solidFill>
+        <a:latin typeface="+mn-lt"/>
+        <a:ea typeface="+mn-ea"/>
+        <a:cs typeface="+mn-cs"/>
+      </a:defRPr>
+    </a:lvl1pPr>
+    <a:lvl2pPr marL="457200" algn="l" defTabSz="914400" rtl="0" eaLnBrk="1" latinLnBrk="0" hangingPunct="1">
+      <a:defRPr sz="1200" kern="1200">
+        <a:solidFill>
+          <a:schemeClr val="tx1"/>
+        </a:solidFill>
+        <a:latin typeface="+mn-lt"/>
+        <a:ea typeface="+mn-ea"/>
+        <a:cs typeface="+mn-cs"/>
+      </a:defRPr>
+    </a:lvl2pPr>
+    <a:lvl3pPr marL="914400" algn="l" defTabSz="914400" rtl="0" eaLnBrk="1" latinLnBrk="0" hangingPunct="1">
+      <a:defRPr sz="1200" kern="1200">
+        <a:solidFill>
+          <a:schemeClr val="tx1"/>
+        </a:solidFill>
+        <a:latin typeface="+mn-lt"/>
+        <a:ea typeface="+mn-ea"/>
+        <a:cs typeface="+mn-cs"/>
+      </a:defRPr>
+    </a:lvl3pPr>
+    <a:lvl4pPr marL="1371600" algn="l" defTabSz="914400" rtl="0" eaLnBrk="1" latinLnBrk="0" hangingPunct="1">
+      <a:defRPr sz="1200" kern="1200">
+        <a:solidFill>
+          <a:schemeClr val="tx1"/>
+        </a:solidFill>
+        <a:latin typeface="+mn-lt"/>
+        <a:ea typeface="+mn-ea"/>
+        <a:cs typeface="+mn-cs"/>
+      </a:defRPr>
+    </a:lvl4pPr>
+    <a:lvl5pPr marL="1828800" algn="l" defTabSz="914400" rtl="0" eaLnBrk="1" latinLnBrk="0" hangingPunct="1">
+      <a:defRPr sz="1200" kern="1200">
+        <a:solidFill>
+          <a:schemeClr val="tx1"/>
+        </a:solidFill>
+        <a:latin typeface="+mn-lt"/>
+        <a:ea typeface="+mn-ea"/>
+        <a:cs typeface="+mn-cs"/>
+      </a:defRPr>
+    </a:lvl5pPr>
+    <a:lvl6pPr marL="2286000" algn="l" defTabSz="914400" rtl="0" eaLnBrk="1" latinLnBrk="0" hangingPunct="1">
+      <a:defRPr sz="1200" kern="1200">
+        <a:solidFill>
+          <a:schemeClr val="tx1"/>
+        </a:solidFill>
+        <a:latin typeface="+mn-lt"/>
+        <a:ea typeface="+mn-ea"/>
+        <a:cs typeface="+mn-cs"/>
+      </a:defRPr>
+    </a:lvl6pPr>
+    <a:lvl7pPr marL="2743200" algn="l" defTabSz="914400" rtl="0" eaLnBrk="1" latinLnBrk="0" hangingPunct="1">
+      <a:defRPr sz="1200" kern="1200">
+        <a:solidFill>
+          <a:schemeClr val="tx1"/>
+        </a:solidFill>
+        <a:latin typeface="+mn-lt"/>
+        <a:ea typeface="+mn-ea"/>
+        <a:cs typeface="+mn-cs"/>
+      </a:defRPr>
+    </a:lvl7pPr>
+    <a:lvl8pPr marL="3200400" algn="l" defTabSz="914400" rtl="0" eaLnBrk="1" latinLnBrk="0" hangingPunct="1">
+      <a:defRPr sz="1200" kern="1200">
+        <a:solidFill>
+          <a:schemeClr val="tx1"/>
+        </a:solidFill>
+        <a:latin typeface="+mn-lt"/>
+        <a:ea typeface="+mn-ea"/>
+        <a:cs typeface="+mn-cs"/>
+      </a:defRPr>
+    </a:lvl8pPr>
+    <a:lvl9pPr marL="3657600" algn="l" defTabSz="914400" rtl="0" eaLnBrk="1" latinLnBrk="0" hangingPunct="1">
+      <a:defRPr sz="1200" kern="1200">
+        <a:solidFill>
+          <a:schemeClr val="tx1"/>
+        </a:solidFill>
+        <a:latin typeface="+mn-lt"/>
+        <a:ea typeface="+mn-ea"/>
+        <a:cs typeface="+mn-cs"/>
+      </a:defRPr>
+    </a:lvl9pPr>
+  </p:notesStyle>
+</p:notesMaster>
+</file>
+
+<file path=ppt/notesSlides/notesSlide1.xml><?xml version="1.0" encoding="utf-8"?>
+<p:notes xmlns:a="http://schemas.openxmlformats.org/drawingml/2006/main" xmlns:r="http://schemas.openxmlformats.org/officeDocument/2006/relationships" xmlns:p="http://schemas.openxmlformats.org/presentationml/2006/main">
+  <p:cSld>
+    <p:spTree>
+      <p:nvGrpSpPr>
+        <p:cNvPr id="1" name=""/>
+        <p:cNvGrpSpPr/>
+        <p:nvPr/>
+      </p:nvGrpSpPr>
+      <p:grpSpPr>
+        <a:xfrm>
+          <a:off x="0" y="0"/>
+          <a:ext cx="0" cy="0"/>
+          <a:chOff x="0" y="0"/>
+          <a:chExt cx="0" cy="0"/>
+        </a:xfrm>
+      </p:grpSpPr>
+      <p:sp>
+        <p:nvSpPr>
+          <p:cNvPr id="2" name="Slide Image Placeholder 1"/>
+          <p:cNvSpPr>
+            <a:spLocks noGrp="1" noRot="1" noChangeAspect="1"/>
+          </p:cNvSpPr>
+          <p:nvPr>
+            <p:ph type="sldImg"/>
+          </p:nvPr>
+        </p:nvSpPr>
+        <p:spPr/>
+      </p:sp>
+      <p:sp>
+        <p:nvSpPr>
+          <p:cNvPr id="3" name="Notes Placeholder 2"/>
+          <p:cNvSpPr>
+            <a:spLocks noGrp="1"/>
+          </p:cNvSpPr>
+          <p:nvPr>
+            <p:ph type="body" idx="1"/>
+          </p:nvPr>
+        </p:nvSpPr>
+        <p:spPr/>
+        <p:txBody>
+          <a:bodyPr/>
+          <a:lstStyle/>
+          <a:p>
+            <a:pPr lvl="0" marL="0" indent="0">
+              <a:buNone/>
+            </a:pPr>
+            <a:r>
+              <a:rPr/>
+              <a:t>This</a:t>
+            </a:r>
+            <a:r>
+              <a:rPr/>
+              <a:t> </a:t>
+            </a:r>
+            <a:r>
+              <a:rPr/>
+              <a:t>is</a:t>
+            </a:r>
+            <a:r>
+              <a:rPr/>
+              <a:t> </a:t>
+            </a:r>
+            <a:r>
+              <a:rPr/>
+              <a:t>only</a:t>
+            </a:r>
+            <a:r>
+              <a:rPr/>
+              <a:t> </a:t>
+            </a:r>
+            <a:r>
+              <a:rPr/>
+              <a:t>visible</a:t>
+            </a:r>
+            <a:r>
+              <a:rPr/>
+              <a:t> </a:t>
+            </a:r>
+            <a:r>
+              <a:rPr/>
+              <a:t>in</a:t>
+            </a:r>
+            <a:r>
+              <a:rPr/>
+              <a:t> </a:t>
+            </a:r>
+            <a:r>
+              <a:rPr/>
+              <a:t>book</a:t>
+            </a:r>
+            <a:r>
+              <a:rPr/>
+              <a:t> </a:t>
+            </a:r>
+            <a:r>
+              <a:rPr/>
+              <a:t>mode</a:t>
+            </a:r>
+            <a:r>
+              <a:rPr/>
+              <a:t> </a:t>
+            </a:r>
+            <a:r>
+              <a:rPr/>
+              <a:t>or</a:t>
+            </a:r>
+            <a:r>
+              <a:rPr/>
+              <a:t> </a:t>
+            </a:r>
+            <a:r>
+              <a:rPr/>
+              <a:t>if</a:t>
+            </a:r>
+            <a:r>
+              <a:rPr/>
+              <a:t> </a:t>
+            </a:r>
+            <a:r>
+              <a:rPr/>
+              <a:t>you</a:t>
+            </a:r>
+            <a:r>
+              <a:rPr/>
+              <a:t> </a:t>
+            </a:r>
+            <a:r>
+              <a:rPr/>
+              <a:t>press</a:t>
+            </a:r>
+            <a:r>
+              <a:rPr/>
+              <a:t> </a:t>
+            </a:r>
+            <a:r>
+              <a:rPr/>
+              <a:t>‘</a:t>
+            </a:r>
+            <a:r>
+              <a:rPr/>
+              <a:t>s</a:t>
+            </a:r>
+            <a:r>
+              <a:rPr/>
+              <a:t>’</a:t>
+            </a:r>
+            <a:r>
+              <a:rPr/>
+              <a:t> </a:t>
+            </a:r>
+            <a:r>
+              <a:rPr/>
+              <a:t>on</a:t>
+            </a:r>
+            <a:r>
+              <a:rPr/>
+              <a:t> </a:t>
+            </a:r>
+            <a:r>
+              <a:rPr/>
+              <a:t>the</a:t>
+            </a:r>
+            <a:r>
+              <a:rPr/>
+              <a:t> </a:t>
+            </a:r>
+            <a:r>
+              <a:rPr/>
+              <a:t>slides.</a:t>
+            </a:r>
+          </a:p>
+        </p:txBody>
+      </p:sp>
+      <p:sp>
+        <p:nvSpPr>
+          <p:cNvPr id="4" name="Slide Number Placeholder 3"/>
+          <p:cNvSpPr>
+            <a:spLocks noGrp="1"/>
+          </p:cNvSpPr>
+          <p:nvPr>
+            <p:ph type="sldNum" sz="quarter" idx="10"/>
+          </p:nvPr>
+        </p:nvSpPr>
+        <p:spPr/>
+        <p:txBody>
+          <a:bodyPr/>
+          <a:lstStyle/>
+          <a:p>
+            <a:fld id="{18BDFEC3-8487-43E8-A154-7C12CBC1FFF2}" type="slidenum">
+              <a:rPr lang="en-US"/>
+              <a:t>22</a:t>
+            </a:fld>
+            <a:endParaRPr lang="en-US"/>
+          </a:p>
+        </p:txBody>
+      </p:sp>
+    </p:spTree>
+  </p:cSld>
+</p:notes>
 </file>
 
 <file path=ppt/slideLayouts/slideLayout1.xml><?xml version="1.0" encoding="utf-8"?>
@@ -4495,16 +5051,7 @@
               <a:rPr>
                 <a:latin typeface="Courier"/>
               </a:rPr>
-              <a:t/>
-            </a:r>
-          </a:p>
-          <a:p>
-            <a:pPr lvl="0" marL="0" indent="0">
-              <a:buNone/>
-            </a:pPr>
-            <a:r>
-              <a:rPr/>
-              <a:t>@import import/import-1.md startLine=2 endLine=3 showNumberLines ~~~ ~~~</a:t>
+              <a:t> @import import/import-1.md startLine=2 endLine=3 showNumberLines</a:t>
             </a:r>
           </a:p>
           <a:p>
@@ -4621,18 +5168,9 @@
               <a:rPr>
                 <a:latin typeface="Courier"/>
               </a:rPr>
-              <a:t>&lt;aside class="notes"&gt;
-This is only visible in book mode or if you press 's' on the slides.
-&lt;/aside&gt;</a:t>
-            </a:r>
-          </a:p>
-          <a:p>
-            <a:pPr lvl="0" marL="0" indent="0">
-              <a:buNone/>
-            </a:pPr>
-            <a:r>
-              <a:rPr/>
-              <a:t>This is only visible in book mode or if you press ‘s’ on the slides.</a:t>
+              <a:t> @start-notes
+ This is only visible in book mode or if you press 's' on the slides.
+ @end-notes</a:t>
             </a:r>
           </a:p>
         </p:txBody>
@@ -7750,12 +8288,7 @@
             <p:ph type="title"/>
           </p:nvPr>
         </p:nvSpPr>
-        <p:spPr>
-          <a:xfrm>
-            <a:off x="722313" y="4406900"/>
-            <a:ext cx="7772400" cy="1362075"/>
-          </a:xfrm>
-        </p:spPr>
+        <p:spPr/>
         <p:txBody>
           <a:bodyPr/>
           <a:lstStyle/>
@@ -7765,7 +8298,7 @@
             </a:pPr>
             <a:r>
               <a:rPr/>
-              <a:t>Adolfo</a:t>
+              <a:t>Version</a:t>
             </a:r>
             <a:r>
               <a:rPr/>
@@ -7773,31 +8306,51 @@
             </a:r>
             <a:r>
               <a:rPr/>
-              <a:t>Sanz</a:t>
-            </a:r>
-            <a:r>
-              <a:rPr/>
-              <a:t> </a:t>
-            </a:r>
-            <a:r>
-              <a:rPr/>
-              <a:t>De</a:t>
-            </a:r>
-            <a:r>
-              <a:rPr/>
-              <a:t> </a:t>
-            </a:r>
-            <a:r>
-              <a:rPr/>
-              <a:t>Diego</a:t>
-            </a:r>
-            <a:r>
-              <a:rPr/>
-              <a:t> </a:t>
-            </a:r>
-            <a:r>
-              <a:rPr/>
-              <a:t>Author</a:t>
+              <a:t>6.0</a:t>
+            </a:r>
+          </a:p>
+        </p:txBody>
+      </p:sp>
+      <p:sp>
+        <p:nvSpPr>
+          <p:cNvPr id="3" name="Content Placeholder 2"/>
+          <p:cNvSpPr>
+            <a:spLocks noGrp="1"/>
+          </p:cNvSpPr>
+          <p:nvPr>
+            <p:ph idx="1"/>
+          </p:nvPr>
+        </p:nvSpPr>
+        <p:spPr/>
+        <p:txBody>
+          <a:bodyPr/>
+          <a:lstStyle/>
+          <a:p>
+            <a:pPr lvl="1"/>
+            <a:r>
+              <a:rPr/>
+              <a:t>Added the possibility to export to PowerPoint.</a:t>
+            </a:r>
+          </a:p>
+          <a:p>
+            <a:pPr lvl="1"/>
+            <a:r>
+              <a:rPr/>
+              <a:t>Updated all the libraries to the latest version.</a:t>
+            </a:r>
+          </a:p>
+          <a:p>
+            <a:pPr lvl="1"/>
+            <a:r>
+              <a:rPr/>
+              <a:t>Updated the templates.</a:t>
+            </a:r>
+          </a:p>
+          <a:p>
+            <a:pPr lvl="1"/>
+            <a:r>
+              <a:rPr/>
+              <a:t>Updated the Dockerfile.</a:t>
             </a:r>
           </a:p>
         </p:txBody>
@@ -7834,7 +8387,12 @@
             <p:ph type="title"/>
           </p:nvPr>
         </p:nvSpPr>
-        <p:spPr/>
+        <p:spPr>
+          <a:xfrm>
+            <a:off x="722313" y="4406900"/>
+            <a:ext cx="7772400" cy="1362075"/>
+          </a:xfrm>
+        </p:spPr>
         <p:txBody>
           <a:bodyPr/>
           <a:lstStyle/>
@@ -7870,62 +8428,13 @@
               <a:rPr/>
               <a:t>Diego</a:t>
             </a:r>
-          </a:p>
-        </p:txBody>
-      </p:sp>
-      <p:sp>
-        <p:nvSpPr>
-          <p:cNvPr id="3" name="Content Placeholder 2"/>
-          <p:cNvSpPr>
-            <a:spLocks noGrp="1"/>
-          </p:cNvSpPr>
-          <p:nvPr>
-            <p:ph idx="1"/>
-          </p:nvPr>
-        </p:nvSpPr>
-        <p:spPr/>
-        <p:txBody>
-          <a:bodyPr/>
-          <a:lstStyle/>
-          <a:p>
-            <a:pPr lvl="1"/>
-            <a:r>
-              <a:rPr b="1"/>
-              <a:t>Old JEE web developer</a:t>
-            </a:r>
-            <a:r>
-              <a:rPr/>
-              <a:t>.</a:t>
-            </a:r>
-          </a:p>
-          <a:p>
-            <a:pPr lvl="1"/>
-            <a:r>
-              <a:rPr/>
-              <a:t>Now I’m </a:t>
-            </a:r>
-            <a:r>
-              <a:rPr b="1"/>
-              <a:t>Tecnical Teacher Advaisor</a:t>
-            </a:r>
-            <a:r>
-              <a:rPr/>
-              <a:t> in the TIC service of the General Direction of Infrastructure and Services of the Ministry of Education and Youth of the Community of Madrid.</a:t>
-            </a:r>
-          </a:p>
-          <a:p>
-            <a:pPr lvl="1"/>
-            <a:r>
-              <a:rPr/>
-              <a:t>In addition I work as </a:t>
-            </a:r>
-            <a:r>
-              <a:rPr b="1"/>
-              <a:t>trainer specialized in development technologies</a:t>
-            </a:r>
-            <a:r>
-              <a:rPr/>
-              <a:t>.</a:t>
+            <a:r>
+              <a:rPr/>
+              <a:t> </a:t>
+            </a:r>
+            <a:r>
+              <a:rPr/>
+              <a:t>Author</a:t>
             </a:r>
           </a:p>
         </p:txBody>
@@ -7972,7 +8481,7 @@
             </a:pPr>
             <a:r>
               <a:rPr/>
-              <a:t>Some</a:t>
+              <a:t>Adolfo</a:t>
             </a:r>
             <a:r>
               <a:rPr/>
@@ -7980,7 +8489,23 @@
             </a:r>
             <a:r>
               <a:rPr/>
-              <a:t>projects</a:t>
+              <a:t>Sanz</a:t>
+            </a:r>
+            <a:r>
+              <a:rPr/>
+              <a:t> </a:t>
+            </a:r>
+            <a:r>
+              <a:rPr/>
+              <a:t>De</a:t>
+            </a:r>
+            <a:r>
+              <a:rPr/>
+              <a:t> </a:t>
+            </a:r>
+            <a:r>
+              <a:rPr/>
+              <a:t>Diego</a:t>
             </a:r>
           </a:p>
         </p:txBody>
@@ -8002,44 +8527,42 @@
           <a:p>
             <a:pPr lvl="1"/>
             <a:r>
-              <a:rPr/>
-              <a:t>Hackathon Lovers </a:t>
-            </a:r>
-            <a:r>
-              <a:rPr>
-                <a:hlinkClick r:id="rId2"/>
-              </a:rPr>
-              <a:t>Hackathon Lovers</a:t>
-            </a:r>
-            <a:r>
-              <a:rPr/>
-              <a:t>: a group created for entrepreneurs and developers who loves hackathons.</a:t>
-            </a:r>
-          </a:p>
-          <a:p>
-            <a:pPr lvl="1"/>
-            <a:r>
-              <a:rPr>
-                <a:hlinkClick r:id="rId3"/>
-              </a:rPr>
-              <a:t>Password Manager Generator</a:t>
-            </a:r>
-            <a:r>
-              <a:rPr/>
-              <a:t>: an online password manager.</a:t>
-            </a:r>
-          </a:p>
-          <a:p>
-            <a:pPr lvl="1"/>
-            <a:r>
-              <a:rPr>
-                <a:hlinkClick r:id="rId4"/>
-              </a:rPr>
-              <a:t>MarkdownSlides</a:t>
-            </a:r>
-            <a:r>
-              <a:rPr/>
-              <a:t>: a script to create slides from MD files.</a:t>
+              <a:rPr b="1"/>
+              <a:t>Old JEE web developer</a:t>
+            </a:r>
+            <a:r>
+              <a:rPr/>
+              <a:t>.</a:t>
+            </a:r>
+          </a:p>
+          <a:p>
+            <a:pPr lvl="1"/>
+            <a:r>
+              <a:rPr/>
+              <a:t>Now I’m </a:t>
+            </a:r>
+            <a:r>
+              <a:rPr b="1"/>
+              <a:t>Tecnical Teacher Advaisor</a:t>
+            </a:r>
+            <a:r>
+              <a:rPr/>
+              <a:t> in the TIC service of the General Direction of Infrastructure and Services of the Ministry of Education and Youth of the Community of Madrid.</a:t>
+            </a:r>
+          </a:p>
+          <a:p>
+            <a:pPr lvl="1"/>
+            <a:r>
+              <a:rPr/>
+              <a:t>In addition I work as </a:t>
+            </a:r>
+            <a:r>
+              <a:rPr b="1"/>
+              <a:t>trainer specialized in development technologies</a:t>
+            </a:r>
+            <a:r>
+              <a:rPr/>
+              <a:t>.</a:t>
             </a:r>
           </a:p>
         </p:txBody>
@@ -8086,6 +8609,120 @@
             </a:pPr>
             <a:r>
               <a:rPr/>
+              <a:t>Some</a:t>
+            </a:r>
+            <a:r>
+              <a:rPr/>
+              <a:t> </a:t>
+            </a:r>
+            <a:r>
+              <a:rPr/>
+              <a:t>projects</a:t>
+            </a:r>
+          </a:p>
+        </p:txBody>
+      </p:sp>
+      <p:sp>
+        <p:nvSpPr>
+          <p:cNvPr id="3" name="Content Placeholder 2"/>
+          <p:cNvSpPr>
+            <a:spLocks noGrp="1"/>
+          </p:cNvSpPr>
+          <p:nvPr>
+            <p:ph idx="1"/>
+          </p:nvPr>
+        </p:nvSpPr>
+        <p:spPr/>
+        <p:txBody>
+          <a:bodyPr/>
+          <a:lstStyle/>
+          <a:p>
+            <a:pPr lvl="1"/>
+            <a:r>
+              <a:rPr/>
+              <a:t>Hackathon Lovers </a:t>
+            </a:r>
+            <a:r>
+              <a:rPr>
+                <a:hlinkClick r:id="rId2"/>
+              </a:rPr>
+              <a:t>Hackathon Lovers</a:t>
+            </a:r>
+            <a:r>
+              <a:rPr/>
+              <a:t>: a group created for entrepreneurs and developers who loves hackathons.</a:t>
+            </a:r>
+          </a:p>
+          <a:p>
+            <a:pPr lvl="1"/>
+            <a:r>
+              <a:rPr>
+                <a:hlinkClick r:id="rId3"/>
+              </a:rPr>
+              <a:t>Password Manager Generator</a:t>
+            </a:r>
+            <a:r>
+              <a:rPr/>
+              <a:t>: an online password manager.</a:t>
+            </a:r>
+          </a:p>
+          <a:p>
+            <a:pPr lvl="1"/>
+            <a:r>
+              <a:rPr>
+                <a:hlinkClick r:id="rId4"/>
+              </a:rPr>
+              <a:t>MarkdownSlides</a:t>
+            </a:r>
+            <a:r>
+              <a:rPr/>
+              <a:t>: a script to create slides from MD files.</a:t>
+            </a:r>
+          </a:p>
+        </p:txBody>
+      </p:sp>
+    </p:spTree>
+  </p:cSld>
+</p:sld>
+</file>
+
+<file path=ppt/slides/slide48.xml><?xml version="1.0" encoding="utf-8"?>
+<p:sld xmlns:a="http://schemas.openxmlformats.org/drawingml/2006/main" xmlns:r="http://schemas.openxmlformats.org/officeDocument/2006/relationships" xmlns:p="http://schemas.openxmlformats.org/presentationml/2006/main">
+  <p:cSld>
+    <p:spTree>
+      <p:nvGrpSpPr>
+        <p:cNvPr id="1" name=""/>
+        <p:cNvGrpSpPr/>
+        <p:nvPr/>
+      </p:nvGrpSpPr>
+      <p:grpSpPr>
+        <a:xfrm>
+          <a:off x="0" y="0"/>
+          <a:ext cx="0" cy="0"/>
+          <a:chOff x="0" y="0"/>
+          <a:chExt cx="0" cy="0"/>
+        </a:xfrm>
+      </p:grpSpPr>
+      <p:sp>
+        <p:nvSpPr>
+          <p:cNvPr id="2" name="Title 1"/>
+          <p:cNvSpPr>
+            <a:spLocks noGrp="1"/>
+          </p:cNvSpPr>
+          <p:nvPr>
+            <p:ph type="title"/>
+          </p:nvPr>
+        </p:nvSpPr>
+        <p:spPr/>
+        <p:txBody>
+          <a:bodyPr/>
+          <a:lstStyle/>
+          <a:p>
+            <a:pPr lvl="0" marL="0" indent="0">
+              <a:buNone/>
+            </a:pPr>
+            <a:r>
+              <a:rPr/>
               <a:t>Where</a:t>
             </a:r>
             <a:r>
@@ -8694,10 +9331,9 @@
               <a:rPr b="1"/>
               <a:t>This work is licensed under a:</a:t>
             </a:r>
-            <a:r>
-              <a:rPr/>
-              <a:t> - </a:t>
-            </a:r>
+          </a:p>
+          <a:p>
+            <a:pPr lvl="2"/>
             <a:r>
               <a:rPr>
                 <a:hlinkClick r:id="rId2"/>
@@ -8711,10 +9347,9 @@
               <a:rPr b="1"/>
               <a:t>The program source code are licensed under a:</a:t>
             </a:r>
-            <a:r>
-              <a:rPr/>
-              <a:t> - </a:t>
-            </a:r>
+          </a:p>
+          <a:p>
+            <a:pPr lvl="2"/>
             <a:r>
               <a:rPr>
                 <a:hlinkClick r:id="rId3"/>
@@ -9099,4 +9734,265 @@
   </a:objectDefaults>
   <a:extraClrSchemeLst/>
 </a:theme>
+</file>
+
+<file path=ppt/theme/theme2.xml><?xml version="1.0" encoding="utf-8"?>
+<a:theme xmlns:a="http://schemas.openxmlformats.org/drawingml/2006/main" name="Office Theme">
+  <a:themeElements>
+    <a:clrScheme name="Office">
+      <a:dk1>
+        <a:sysClr val="windowText" lastClr="000000"/>
+      </a:dk1>
+      <a:lt1>
+        <a:sysClr val="window" lastClr="FFFFFF"/>
+      </a:lt1>
+      <a:dk2>
+        <a:srgbClr val="44546A"/>
+      </a:dk2>
+      <a:lt2>
+        <a:srgbClr val="E7E6E6"/>
+      </a:lt2>
+      <a:accent1>
+        <a:srgbClr val="5B9BD5"/>
+      </a:accent1>
+      <a:accent2>
+        <a:srgbClr val="ED7D31"/>
+      </a:accent2>
+      <a:accent3>
+        <a:srgbClr val="A5A5A5"/>
+      </a:accent3>
+      <a:accent4>
+        <a:srgbClr val="FFC000"/>
+      </a:accent4>
+      <a:accent5>
+        <a:srgbClr val="4472C4"/>
+      </a:accent5>
+      <a:accent6>
+        <a:srgbClr val="70AD47"/>
+      </a:accent6>
+      <a:hlink>
+        <a:srgbClr val="0563C1"/>
+      </a:hlink>
+      <a:folHlink>
+        <a:srgbClr val="954F72"/>
+      </a:folHlink>
+    </a:clrScheme>
+    <a:fontScheme name="Office">
+      <a:majorFont>
+        <a:latin typeface="Calibri Light" panose="020F0302020204030204"/>
+        <a:ea typeface=""/>
+        <a:cs typeface=""/>
+        <a:font script="Jpan" typeface="ＭＳ Ｐゴシック"/>
+        <a:font script="Hang" typeface="맑은 고딕"/>
+        <a:font script="Hans" typeface="宋体"/>
+        <a:font script="Hant" typeface="新細明體"/>
+        <a:font script="Arab" typeface="Times New Roman"/>
+        <a:font script="Hebr" typeface="Times New Roman"/>
+        <a:font script="Thai" typeface="Angsana New"/>
+        <a:font script="Ethi" typeface="Nyala"/>
+        <a:font script="Beng" typeface="Vrinda"/>
+        <a:font script="Gujr" typeface="Shruti"/>
+        <a:font script="Khmr" typeface="MoolBoran"/>
+        <a:font script="Knda" typeface="Tunga"/>
+        <a:font script="Guru" typeface="Raavi"/>
+        <a:font script="Cans" typeface="Euphemia"/>
+        <a:font script="Cher" typeface="Plantagenet Cherokee"/>
+        <a:font script="Yiii" typeface="Microsoft Yi Baiti"/>
+        <a:font script="Tibt" typeface="Microsoft Himalaya"/>
+        <a:font script="Thaa" typeface="MV Boli"/>
+        <a:font script="Deva" typeface="Mangal"/>
+        <a:font script="Telu" typeface="Gautami"/>
+        <a:font script="Taml" typeface="Latha"/>
+        <a:font script="Syrc" typeface="Estrangelo Edessa"/>
+        <a:font script="Orya" typeface="Kalinga"/>
+        <a:font script="Mlym" typeface="Kartika"/>
+        <a:font script="Laoo" typeface="DokChampa"/>
+        <a:font script="Sinh" typeface="Iskoola Pota"/>
+        <a:font script="Mong" typeface="Mongolian Baiti"/>
+        <a:font script="Viet" typeface="Times New Roman"/>
+        <a:font script="Uigh" typeface="Microsoft Uighur"/>
+        <a:font script="Geor" typeface="Sylfaen"/>
+      </a:majorFont>
+      <a:minorFont>
+        <a:latin typeface="Calibri" panose="020F0502020204030204"/>
+        <a:ea typeface=""/>
+        <a:cs typeface=""/>
+        <a:font script="Jpan" typeface="ＭＳ Ｐゴシック"/>
+        <a:font script="Hang" typeface="맑은 고딕"/>
+        <a:font script="Hans" typeface="宋体"/>
+        <a:font script="Hant" typeface="新細明體"/>
+        <a:font script="Arab" typeface="Arial"/>
+        <a:font script="Hebr" typeface="Arial"/>
+        <a:font script="Thai" typeface="Cordia New"/>
+        <a:font script="Ethi" typeface="Nyala"/>
+        <a:font script="Beng" typeface="Vrinda"/>
+        <a:font script="Gujr" typeface="Shruti"/>
+        <a:font script="Khmr" typeface="DaunPenh"/>
+        <a:font script="Knda" typeface="Tunga"/>
+        <a:font script="Guru" typeface="Raavi"/>
+        <a:font script="Cans" typeface="Euphemia"/>
+        <a:font script="Cher" typeface="Plantagenet Cherokee"/>
+        <a:font script="Yiii" typeface="Microsoft Yi Baiti"/>
+        <a:font script="Tibt" typeface="Microsoft Himalaya"/>
+        <a:font script="Thaa" typeface="MV Boli"/>
+        <a:font script="Deva" typeface="Mangal"/>
+        <a:font script="Telu" typeface="Gautami"/>
+        <a:font script="Taml" typeface="Latha"/>
+        <a:font script="Syrc" typeface="Estrangelo Edessa"/>
+        <a:font script="Orya" typeface="Kalinga"/>
+        <a:font script="Mlym" typeface="Kartika"/>
+        <a:font script="Laoo" typeface="DokChampa"/>
+        <a:font script="Sinh" typeface="Iskoola Pota"/>
+        <a:font script="Mong" typeface="Mongolian Baiti"/>
+        <a:font script="Viet" typeface="Arial"/>
+        <a:font script="Uigh" typeface="Microsoft Uighur"/>
+        <a:font script="Geor" typeface="Sylfaen"/>
+      </a:minorFont>
+    </a:fontScheme>
+    <a:fmtScheme name="Office">
+      <a:fillStyleLst>
+        <a:solidFill>
+          <a:schemeClr val="phClr"/>
+        </a:solidFill>
+        <a:gradFill rotWithShape="1">
+          <a:gsLst>
+            <a:gs pos="0">
+              <a:schemeClr val="phClr">
+                <a:lumMod val="110000"/>
+                <a:satMod val="105000"/>
+                <a:tint val="67000"/>
+              </a:schemeClr>
+            </a:gs>
+            <a:gs pos="50000">
+              <a:schemeClr val="phClr">
+                <a:lumMod val="105000"/>
+                <a:satMod val="103000"/>
+                <a:tint val="73000"/>
+              </a:schemeClr>
+            </a:gs>
+            <a:gs pos="100000">
+              <a:schemeClr val="phClr">
+                <a:lumMod val="105000"/>
+                <a:satMod val="109000"/>
+                <a:tint val="81000"/>
+              </a:schemeClr>
+            </a:gs>
+          </a:gsLst>
+          <a:lin ang="5400000" scaled="0"/>
+        </a:gradFill>
+        <a:gradFill rotWithShape="1">
+          <a:gsLst>
+            <a:gs pos="0">
+              <a:schemeClr val="phClr">
+                <a:satMod val="103000"/>
+                <a:lumMod val="102000"/>
+                <a:tint val="94000"/>
+              </a:schemeClr>
+            </a:gs>
+            <a:gs pos="50000">
+              <a:schemeClr val="phClr">
+                <a:satMod val="110000"/>
+                <a:lumMod val="100000"/>
+                <a:shade val="100000"/>
+              </a:schemeClr>
+            </a:gs>
+            <a:gs pos="100000">
+              <a:schemeClr val="phClr">
+                <a:lumMod val="99000"/>
+                <a:satMod val="120000"/>
+                <a:shade val="78000"/>
+              </a:schemeClr>
+            </a:gs>
+          </a:gsLst>
+          <a:lin ang="5400000" scaled="0"/>
+        </a:gradFill>
+      </a:fillStyleLst>
+      <a:lnStyleLst>
+        <a:ln w="6350" cap="flat" cmpd="sng" algn="ctr">
+          <a:solidFill>
+            <a:schemeClr val="phClr"/>
+          </a:solidFill>
+          <a:prstDash val="solid"/>
+          <a:miter lim="800000"/>
+        </a:ln>
+        <a:ln w="12700" cap="flat" cmpd="sng" algn="ctr">
+          <a:solidFill>
+            <a:schemeClr val="phClr"/>
+          </a:solidFill>
+          <a:prstDash val="solid"/>
+          <a:miter lim="800000"/>
+        </a:ln>
+        <a:ln w="19050" cap="flat" cmpd="sng" algn="ctr">
+          <a:solidFill>
+            <a:schemeClr val="phClr"/>
+          </a:solidFill>
+          <a:prstDash val="solid"/>
+          <a:miter lim="800000"/>
+        </a:ln>
+      </a:lnStyleLst>
+      <a:effectStyleLst>
+        <a:effectStyle>
+          <a:effectLst/>
+        </a:effectStyle>
+        <a:effectStyle>
+          <a:effectLst/>
+        </a:effectStyle>
+        <a:effectStyle>
+          <a:effectLst>
+            <a:outerShdw blurRad="57150" dist="19050" dir="5400000" algn="ctr" rotWithShape="0">
+              <a:srgbClr val="000000">
+                <a:alpha val="63000"/>
+              </a:srgbClr>
+            </a:outerShdw>
+          </a:effectLst>
+        </a:effectStyle>
+      </a:effectStyleLst>
+      <a:bgFillStyleLst>
+        <a:solidFill>
+          <a:schemeClr val="phClr"/>
+        </a:solidFill>
+        <a:solidFill>
+          <a:schemeClr val="phClr">
+            <a:tint val="95000"/>
+            <a:satMod val="170000"/>
+          </a:schemeClr>
+        </a:solidFill>
+        <a:gradFill rotWithShape="1">
+          <a:gsLst>
+            <a:gs pos="0">
+              <a:schemeClr val="phClr">
+                <a:tint val="93000"/>
+                <a:satMod val="150000"/>
+                <a:shade val="98000"/>
+                <a:lumMod val="102000"/>
+              </a:schemeClr>
+            </a:gs>
+            <a:gs pos="50000">
+              <a:schemeClr val="phClr">
+                <a:tint val="98000"/>
+                <a:satMod val="130000"/>
+                <a:shade val="90000"/>
+                <a:lumMod val="103000"/>
+              </a:schemeClr>
+            </a:gs>
+            <a:gs pos="100000">
+              <a:schemeClr val="phClr">
+                <a:shade val="63000"/>
+                <a:satMod val="120000"/>
+              </a:schemeClr>
+            </a:gs>
+          </a:gsLst>
+          <a:lin ang="5400000" scaled="0"/>
+        </a:gradFill>
+      </a:bgFillStyleLst>
+    </a:fmtScheme>
+  </a:themeElements>
+  <a:objectDefaults/>
+  <a:extraClrSchemeLst/>
+  <a:extLst>
+    <a:ext uri="{05A4C25C-085E-4340-85A3-A5531E510DB2}">
+      <thm15:themeFamily xmlns:thm15="http://schemas.microsoft.com/office/thememl/2012/main" name="Office Theme" id="{62F939B6-93AF-4DB8-9C6B-D6C7DFDC589F}" vid="{4A3C46E8-61CC-4603-A589-7422A47A8E4A}"/>
+    </a:ext>
+  </a:extLst>
+</a:theme>
 </file>
--- a/doc/export/readme-slides-plus.pptx
+++ b/doc/export/readme-slides-plus.pptx
@@ -4099,7 +4099,7 @@
               <a:rPr>
                 <a:hlinkClick r:id="rId2"/>
               </a:rPr>
-              <a:t>https://github.com/asanzdiego/markdownslides/archive/5.0.zip</a:t>
+              <a:t>https://github.com/asanzdiego/markdownslides/archive/6.0.zip</a:t>
             </a:r>
           </a:p>
         </p:txBody>
@@ -8298,7 +8298,7 @@
             </a:pPr>
             <a:r>
               <a:rPr/>
-              <a:t>Version</a:t>
+              <a:t>Relese</a:t>
             </a:r>
             <a:r>
               <a:rPr/>

--- a/doc/export/readme-slides-plus.pptx
+++ b/doc/export/readme-slides-plus.pptx
@@ -6865,7 +6865,7 @@
             </a:pPr>
             <a:r>
               <a:rPr/>
-              <a:t>Relese</a:t>
+              <a:t>Release</a:t>
             </a:r>
             <a:r>
               <a:rPr/>
@@ -6979,7 +6979,7 @@
             </a:pPr>
             <a:r>
               <a:rPr/>
-              <a:t>Relese</a:t>
+              <a:t>Release</a:t>
             </a:r>
             <a:r>
               <a:rPr/>
@@ -7093,7 +7093,7 @@
             </a:pPr>
             <a:r>
               <a:rPr/>
-              <a:t>Relese</a:t>
+              <a:t>Release</a:t>
             </a:r>
             <a:r>
               <a:rPr/>
@@ -7193,7 +7193,7 @@
             </a:pPr>
             <a:r>
               <a:rPr/>
-              <a:t>Relese</a:t>
+              <a:t>Release</a:t>
             </a:r>
             <a:r>
               <a:rPr/>
@@ -7300,7 +7300,7 @@
             </a:pPr>
             <a:r>
               <a:rPr/>
-              <a:t>Relese</a:t>
+              <a:t>Release</a:t>
             </a:r>
             <a:r>
               <a:rPr/>
@@ -7407,7 +7407,7 @@
             </a:pPr>
             <a:r>
               <a:rPr/>
-              <a:t>Relese</a:t>
+              <a:t>Release</a:t>
             </a:r>
             <a:r>
               <a:rPr/>
@@ -7521,7 +7521,7 @@
             </a:pPr>
             <a:r>
               <a:rPr/>
-              <a:t>Relese</a:t>
+              <a:t>Release</a:t>
             </a:r>
             <a:r>
               <a:rPr/>
@@ -7771,7 +7771,7 @@
             </a:pPr>
             <a:r>
               <a:rPr/>
-              <a:t>Relese</a:t>
+              <a:t>Release</a:t>
             </a:r>
             <a:r>
               <a:rPr/>
@@ -7899,7 +7899,7 @@
             </a:pPr>
             <a:r>
               <a:rPr/>
-              <a:t>Relese</a:t>
+              <a:t>Release</a:t>
             </a:r>
             <a:r>
               <a:rPr/>
@@ -8039,7 +8039,7 @@
             </a:pPr>
             <a:r>
               <a:rPr/>
-              <a:t>Relese</a:t>
+              <a:t>Release</a:t>
             </a:r>
             <a:r>
               <a:rPr/>
@@ -8158,7 +8158,7 @@
             </a:pPr>
             <a:r>
               <a:rPr/>
-              <a:t>Relese</a:t>
+              <a:t>Release</a:t>
             </a:r>
             <a:r>
               <a:rPr/>
@@ -8298,7 +8298,7 @@
             </a:pPr>
             <a:r>
               <a:rPr/>
-              <a:t>Relese</a:t>
+              <a:t>Release</a:t>
             </a:r>
             <a:r>
               <a:rPr/>

--- a/doc/export/readme-slides-plus.pptx
+++ b/doc/export/readme-slides-plus.pptx
@@ -5,7 +5,7 @@
     <p:sldMasterId id="2147483648" r:id="rId1"/>
   </p:sldMasterIdLst>
   <p:notesMasterIdLst>
-    <p:NotesMasterId r:id="rId50"/>
+    <p:NotesMasterId r:id="rId51"/>
   </p:notesMasterIdLst>
   <p:sldIdLst>
     <p:sldId id="256" r:id="rId2"/>
@@ -56,6 +56,7 @@
     <p:sldId id="301" r:id="rId47"/>
     <p:sldId id="302" r:id="rId48"/>
     <p:sldId id="303" r:id="rId49"/>
+    <p:sldId id="304" r:id="rId50"/>
   </p:sldIdLst>
   <p:sldSz cx="9144000" cy="6858000" type="screen4x3"/>
   <p:notesSz cx="6858000" cy="9144000"/>
@@ -4099,7 +4100,7 @@
               <a:rPr>
                 <a:hlinkClick r:id="rId2"/>
               </a:rPr>
-              <a:t>https://github.com/asanzdiego/markdownslides/archive/6.0.zip</a:t>
+              <a:t>https://github.com/asanzdiego/markdownslides/archive/6.1.zip</a:t>
             </a:r>
           </a:p>
         </p:txBody>
@@ -7715,8 +7716,8 @@
         </p:blipFill>
         <p:spPr bwMode="auto">
           <a:xfrm>
-            <a:off x="876300" y="1600200"/>
-            <a:ext cx="7404100" cy="4521200"/>
+            <a:off x="457200" y="1803400"/>
+            <a:ext cx="8229600" cy="4114800"/>
           </a:xfrm>
           <a:prstGeom prst="rect">
             <a:avLst/>
@@ -8387,12 +8388,7 @@
             <p:ph type="title"/>
           </p:nvPr>
         </p:nvSpPr>
-        <p:spPr>
-          <a:xfrm>
-            <a:off x="722313" y="4406900"/>
-            <a:ext cx="7772400" cy="1362075"/>
-          </a:xfrm>
-        </p:spPr>
+        <p:spPr/>
         <p:txBody>
           <a:bodyPr/>
           <a:lstStyle/>
@@ -8402,7 +8398,7 @@
             </a:pPr>
             <a:r>
               <a:rPr/>
-              <a:t>Adolfo</a:t>
+              <a:t>Release</a:t>
             </a:r>
             <a:r>
               <a:rPr/>
@@ -8410,31 +8406,37 @@
             </a:r>
             <a:r>
               <a:rPr/>
-              <a:t>Sanz</a:t>
-            </a:r>
-            <a:r>
-              <a:rPr/>
-              <a:t> </a:t>
-            </a:r>
-            <a:r>
-              <a:rPr/>
-              <a:t>De</a:t>
-            </a:r>
-            <a:r>
-              <a:rPr/>
-              <a:t> </a:t>
-            </a:r>
-            <a:r>
-              <a:rPr/>
-              <a:t>Diego</a:t>
-            </a:r>
-            <a:r>
-              <a:rPr/>
-              <a:t> </a:t>
-            </a:r>
-            <a:r>
-              <a:rPr/>
-              <a:t>Author</a:t>
+              <a:t>6.1</a:t>
+            </a:r>
+          </a:p>
+        </p:txBody>
+      </p:sp>
+      <p:sp>
+        <p:nvSpPr>
+          <p:cNvPr id="3" name="Content Placeholder 2"/>
+          <p:cNvSpPr>
+            <a:spLocks noGrp="1"/>
+          </p:cNvSpPr>
+          <p:nvPr>
+            <p:ph idx="1"/>
+          </p:nvPr>
+        </p:nvSpPr>
+        <p:spPr/>
+        <p:txBody>
+          <a:bodyPr/>
+          <a:lstStyle/>
+          <a:p>
+            <a:pPr lvl="1"/>
+            <a:r>
+              <a:rPr/>
+              <a:t>New image of MarkdownSlides.</a:t>
+            </a:r>
+          </a:p>
+          <a:p>
+            <a:pPr lvl="1"/>
+            <a:r>
+              <a:rPr/>
+              <a:t>Added Bootstrap to the html template.</a:t>
             </a:r>
           </a:p>
         </p:txBody>
@@ -8471,7 +8473,12 @@
             <p:ph type="title"/>
           </p:nvPr>
         </p:nvSpPr>
-        <p:spPr/>
+        <p:spPr>
+          <a:xfrm>
+            <a:off x="722313" y="4406900"/>
+            <a:ext cx="7772400" cy="1362075"/>
+          </a:xfrm>
+        </p:spPr>
         <p:txBody>
           <a:bodyPr/>
           <a:lstStyle/>
@@ -8507,62 +8514,13 @@
               <a:rPr/>
               <a:t>Diego</a:t>
             </a:r>
-          </a:p>
-        </p:txBody>
-      </p:sp>
-      <p:sp>
-        <p:nvSpPr>
-          <p:cNvPr id="3" name="Content Placeholder 2"/>
-          <p:cNvSpPr>
-            <a:spLocks noGrp="1"/>
-          </p:cNvSpPr>
-          <p:nvPr>
-            <p:ph idx="1"/>
-          </p:nvPr>
-        </p:nvSpPr>
-        <p:spPr/>
-        <p:txBody>
-          <a:bodyPr/>
-          <a:lstStyle/>
-          <a:p>
-            <a:pPr lvl="1"/>
-            <a:r>
-              <a:rPr b="1"/>
-              <a:t>Old JEE web developer</a:t>
-            </a:r>
-            <a:r>
-              <a:rPr/>
-              <a:t>.</a:t>
-            </a:r>
-          </a:p>
-          <a:p>
-            <a:pPr lvl="1"/>
-            <a:r>
-              <a:rPr/>
-              <a:t>Now I’m </a:t>
-            </a:r>
-            <a:r>
-              <a:rPr b="1"/>
-              <a:t>Tecnical Teacher Advaisor</a:t>
-            </a:r>
-            <a:r>
-              <a:rPr/>
-              <a:t> in the TIC service of the General Direction of Infrastructure and Services of the Ministry of Education and Youth of the Community of Madrid.</a:t>
-            </a:r>
-          </a:p>
-          <a:p>
-            <a:pPr lvl="1"/>
-            <a:r>
-              <a:rPr/>
-              <a:t>In addition I work as </a:t>
-            </a:r>
-            <a:r>
-              <a:rPr b="1"/>
-              <a:t>trainer specialized in development technologies</a:t>
-            </a:r>
-            <a:r>
-              <a:rPr/>
-              <a:t>.</a:t>
+            <a:r>
+              <a:rPr/>
+              <a:t> </a:t>
+            </a:r>
+            <a:r>
+              <a:rPr/>
+              <a:t>Author</a:t>
             </a:r>
           </a:p>
         </p:txBody>
@@ -8609,7 +8567,7 @@
             </a:pPr>
             <a:r>
               <a:rPr/>
-              <a:t>Some</a:t>
+              <a:t>Adolfo</a:t>
             </a:r>
             <a:r>
               <a:rPr/>
@@ -8617,7 +8575,23 @@
             </a:r>
             <a:r>
               <a:rPr/>
-              <a:t>projects</a:t>
+              <a:t>Sanz</a:t>
+            </a:r>
+            <a:r>
+              <a:rPr/>
+              <a:t> </a:t>
+            </a:r>
+            <a:r>
+              <a:rPr/>
+              <a:t>De</a:t>
+            </a:r>
+            <a:r>
+              <a:rPr/>
+              <a:t> </a:t>
+            </a:r>
+            <a:r>
+              <a:rPr/>
+              <a:t>Diego</a:t>
             </a:r>
           </a:p>
         </p:txBody>
@@ -8639,44 +8613,42 @@
           <a:p>
             <a:pPr lvl="1"/>
             <a:r>
-              <a:rPr/>
-              <a:t>Hackathon Lovers </a:t>
-            </a:r>
-            <a:r>
-              <a:rPr>
-                <a:hlinkClick r:id="rId2"/>
-              </a:rPr>
-              <a:t>Hackathon Lovers</a:t>
-            </a:r>
-            <a:r>
-              <a:rPr/>
-              <a:t>: a group created for entrepreneurs and developers who loves hackathons.</a:t>
-            </a:r>
-          </a:p>
-          <a:p>
-            <a:pPr lvl="1"/>
-            <a:r>
-              <a:rPr>
-                <a:hlinkClick r:id="rId3"/>
-              </a:rPr>
-              <a:t>Password Manager Generator</a:t>
-            </a:r>
-            <a:r>
-              <a:rPr/>
-              <a:t>: an online password manager.</a:t>
-            </a:r>
-          </a:p>
-          <a:p>
-            <a:pPr lvl="1"/>
-            <a:r>
-              <a:rPr>
-                <a:hlinkClick r:id="rId4"/>
-              </a:rPr>
-              <a:t>MarkdownSlides</a:t>
-            </a:r>
-            <a:r>
-              <a:rPr/>
-              <a:t>: a script to create slides from MD files.</a:t>
+              <a:rPr b="1"/>
+              <a:t>Old JEE web developer</a:t>
+            </a:r>
+            <a:r>
+              <a:rPr/>
+              <a:t>.</a:t>
+            </a:r>
+          </a:p>
+          <a:p>
+            <a:pPr lvl="1"/>
+            <a:r>
+              <a:rPr/>
+              <a:t>Now I’m </a:t>
+            </a:r>
+            <a:r>
+              <a:rPr b="1"/>
+              <a:t>Tecnical Teacher Advaisor</a:t>
+            </a:r>
+            <a:r>
+              <a:rPr/>
+              <a:t> in the TIC service of the General Direction of Infrastructure and Services of the Ministry of Education and Youth of the Community of Madrid.</a:t>
+            </a:r>
+          </a:p>
+          <a:p>
+            <a:pPr lvl="1"/>
+            <a:r>
+              <a:rPr/>
+              <a:t>In addition I work as </a:t>
+            </a:r>
+            <a:r>
+              <a:rPr b="1"/>
+              <a:t>trainer specialized in development technologies</a:t>
+            </a:r>
+            <a:r>
+              <a:rPr/>
+              <a:t>.</a:t>
             </a:r>
           </a:p>
         </p:txBody>
@@ -8687,6 +8659,120 @@
 </file>
 
 <file path=ppt/slides/slide48.xml><?xml version="1.0" encoding="utf-8"?>
+<p:sld xmlns:a="http://schemas.openxmlformats.org/drawingml/2006/main" xmlns:r="http://schemas.openxmlformats.org/officeDocument/2006/relationships" xmlns:p="http://schemas.openxmlformats.org/presentationml/2006/main">
+  <p:cSld>
+    <p:spTree>
+      <p:nvGrpSpPr>
+        <p:cNvPr id="1" name=""/>
+        <p:cNvGrpSpPr/>
+        <p:nvPr/>
+      </p:nvGrpSpPr>
+      <p:grpSpPr>
+        <a:xfrm>
+          <a:off x="0" y="0"/>
+          <a:ext cx="0" cy="0"/>
+          <a:chOff x="0" y="0"/>
+          <a:chExt cx="0" cy="0"/>
+        </a:xfrm>
+      </p:grpSpPr>
+      <p:sp>
+        <p:nvSpPr>
+          <p:cNvPr id="2" name="Title 1"/>
+          <p:cNvSpPr>
+            <a:spLocks noGrp="1"/>
+          </p:cNvSpPr>
+          <p:nvPr>
+            <p:ph type="title"/>
+          </p:nvPr>
+        </p:nvSpPr>
+        <p:spPr/>
+        <p:txBody>
+          <a:bodyPr/>
+          <a:lstStyle/>
+          <a:p>
+            <a:pPr lvl="0" marL="0" indent="0">
+              <a:buNone/>
+            </a:pPr>
+            <a:r>
+              <a:rPr/>
+              <a:t>Some</a:t>
+            </a:r>
+            <a:r>
+              <a:rPr/>
+              <a:t> </a:t>
+            </a:r>
+            <a:r>
+              <a:rPr/>
+              <a:t>projects</a:t>
+            </a:r>
+          </a:p>
+        </p:txBody>
+      </p:sp>
+      <p:sp>
+        <p:nvSpPr>
+          <p:cNvPr id="3" name="Content Placeholder 2"/>
+          <p:cNvSpPr>
+            <a:spLocks noGrp="1"/>
+          </p:cNvSpPr>
+          <p:nvPr>
+            <p:ph idx="1"/>
+          </p:nvPr>
+        </p:nvSpPr>
+        <p:spPr/>
+        <p:txBody>
+          <a:bodyPr/>
+          <a:lstStyle/>
+          <a:p>
+            <a:pPr lvl="1"/>
+            <a:r>
+              <a:rPr/>
+              <a:t>Hackathon Lovers </a:t>
+            </a:r>
+            <a:r>
+              <a:rPr>
+                <a:hlinkClick r:id="rId2"/>
+              </a:rPr>
+              <a:t>Hackathon Lovers</a:t>
+            </a:r>
+            <a:r>
+              <a:rPr/>
+              <a:t>: a group created for entrepreneurs and developers who loves hackathons.</a:t>
+            </a:r>
+          </a:p>
+          <a:p>
+            <a:pPr lvl="1"/>
+            <a:r>
+              <a:rPr>
+                <a:hlinkClick r:id="rId3"/>
+              </a:rPr>
+              <a:t>Password Manager Generator</a:t>
+            </a:r>
+            <a:r>
+              <a:rPr/>
+              <a:t>: an online password manager.</a:t>
+            </a:r>
+          </a:p>
+          <a:p>
+            <a:pPr lvl="1"/>
+            <a:r>
+              <a:rPr>
+                <a:hlinkClick r:id="rId4"/>
+              </a:rPr>
+              <a:t>MarkdownSlides</a:t>
+            </a:r>
+            <a:r>
+              <a:rPr/>
+              <a:t>: a script to create slides from MD files.</a:t>
+            </a:r>
+          </a:p>
+        </p:txBody>
+      </p:sp>
+    </p:spTree>
+  </p:cSld>
+</p:sld>
+</file>
+
+<file path=ppt/slides/slide49.xml><?xml version="1.0" encoding="utf-8"?>
 <p:sld xmlns:a="http://schemas.openxmlformats.org/drawingml/2006/main" xmlns:r="http://schemas.openxmlformats.org/officeDocument/2006/relationships" xmlns:p="http://schemas.openxmlformats.org/presentationml/2006/main">
   <p:cSld>
     <p:spTree>

--- a/doc/export/readme-slides-plus.pptx
+++ b/doc/export/readme-slides-plus.pptx
@@ -5,7 +5,7 @@
     <p:sldMasterId id="2147483648" r:id="rId1"/>
   </p:sldMasterIdLst>
   <p:notesMasterIdLst>
-    <p:NotesMasterId r:id="rId51"/>
+    <p:NotesMasterId r:id="rId52"/>
   </p:notesMasterIdLst>
   <p:sldIdLst>
     <p:sldId id="256" r:id="rId2"/>
@@ -57,6 +57,7 @@
     <p:sldId id="302" r:id="rId48"/>
     <p:sldId id="303" r:id="rId49"/>
     <p:sldId id="304" r:id="rId50"/>
+    <p:sldId id="305" r:id="rId51"/>
   </p:sldIdLst>
   <p:sldSz cx="9144000" cy="6858000" type="screen4x3"/>
   <p:notesSz cx="6858000" cy="9144000"/>
@@ -4100,7 +4101,7 @@
               <a:rPr>
                 <a:hlinkClick r:id="rId2"/>
               </a:rPr>
-              <a:t>https://github.com/asanzdiego/markdownslides/archive/6.1.zip</a:t>
+              <a:t>https://github.com/asanzdiego/markdownslides/archive/6.2.zip</a:t>
             </a:r>
           </a:p>
         </p:txBody>
@@ -5909,16 +5910,6 @@
               <a:buNone/>
             </a:pPr>
             <a:r>
-              <a:rPr i="1">
-                <a:solidFill>
-                  <a:srgbClr val="60A0B0"/>
-                </a:solidFill>
-                <a:latin typeface="Courier"/>
-              </a:rPr>
-              <a:t>#GENERATION_MODE='min|med|max'</a:t>
-            </a:r>
-            <a:br/>
-            <a:r>
               <a:rPr>
                 <a:solidFill>
                   <a:srgbClr val="19177C"/>
@@ -5937,7 +5928,6 @@
               <a:t>'min'</a:t>
             </a:r>
             <a:br/>
-            <a:br/>
             <a:r>
               <a:rPr>
                 <a:solidFill>
@@ -5955,6 +5945,25 @@
                 <a:latin typeface="Courier"/>
               </a:rPr>
               <a:t>'yes'</a:t>
+            </a:r>
+            <a:br/>
+            <a:r>
+              <a:rPr>
+                <a:solidFill>
+                  <a:srgbClr val="19177C"/>
+                </a:solidFill>
+                <a:latin typeface="Courier"/>
+              </a:rPr>
+              <a:t>DEFAULT_BUILD=</a:t>
+            </a:r>
+            <a:r>
+              <a:rPr>
+                <a:solidFill>
+                  <a:srgbClr val="4070A0"/>
+                </a:solidFill>
+                <a:latin typeface="Courier"/>
+              </a:rPr>
+              <a:t>'REVEAL_SLIDES_PDF'</a:t>
             </a:r>
             <a:br/>
             <a:br/>
@@ -8473,12 +8482,7 @@
             <p:ph type="title"/>
           </p:nvPr>
         </p:nvSpPr>
-        <p:spPr>
-          <a:xfrm>
-            <a:off x="722313" y="4406900"/>
-            <a:ext cx="7772400" cy="1362075"/>
-          </a:xfrm>
-        </p:spPr>
+        <p:spPr/>
         <p:txBody>
           <a:bodyPr/>
           <a:lstStyle/>
@@ -8488,7 +8492,7 @@
             </a:pPr>
             <a:r>
               <a:rPr/>
-              <a:t>Adolfo</a:t>
+              <a:t>Release</a:t>
             </a:r>
             <a:r>
               <a:rPr/>
@@ -8496,31 +8500,30 @@
             </a:r>
             <a:r>
               <a:rPr/>
-              <a:t>Sanz</a:t>
-            </a:r>
-            <a:r>
-              <a:rPr/>
-              <a:t> </a:t>
-            </a:r>
-            <a:r>
-              <a:rPr/>
-              <a:t>De</a:t>
-            </a:r>
-            <a:r>
-              <a:rPr/>
-              <a:t> </a:t>
-            </a:r>
-            <a:r>
-              <a:rPr/>
-              <a:t>Diego</a:t>
-            </a:r>
-            <a:r>
-              <a:rPr/>
-              <a:t> </a:t>
-            </a:r>
-            <a:r>
-              <a:rPr/>
-              <a:t>Author</a:t>
+              <a:t>6.2</a:t>
+            </a:r>
+          </a:p>
+        </p:txBody>
+      </p:sp>
+      <p:sp>
+        <p:nvSpPr>
+          <p:cNvPr id="3" name="Content Placeholder 2"/>
+          <p:cNvSpPr>
+            <a:spLocks noGrp="1"/>
+          </p:cNvSpPr>
+          <p:nvPr>
+            <p:ph idx="1"/>
+          </p:nvPr>
+        </p:nvSpPr>
+        <p:spPr/>
+        <p:txBody>
+          <a:bodyPr/>
+          <a:lstStyle/>
+          <a:p>
+            <a:pPr lvl="1"/>
+            <a:r>
+              <a:rPr/>
+              <a:t>Added the DEFAULT_BUILD property.</a:t>
             </a:r>
           </a:p>
         </p:txBody>
@@ -8557,7 +8560,12 @@
             <p:ph type="title"/>
           </p:nvPr>
         </p:nvSpPr>
-        <p:spPr/>
+        <p:spPr>
+          <a:xfrm>
+            <a:off x="722313" y="4406900"/>
+            <a:ext cx="7772400" cy="1362075"/>
+          </a:xfrm>
+        </p:spPr>
         <p:txBody>
           <a:bodyPr/>
           <a:lstStyle/>
@@ -8593,62 +8601,13 @@
               <a:rPr/>
               <a:t>Diego</a:t>
             </a:r>
-          </a:p>
-        </p:txBody>
-      </p:sp>
-      <p:sp>
-        <p:nvSpPr>
-          <p:cNvPr id="3" name="Content Placeholder 2"/>
-          <p:cNvSpPr>
-            <a:spLocks noGrp="1"/>
-          </p:cNvSpPr>
-          <p:nvPr>
-            <p:ph idx="1"/>
-          </p:nvPr>
-        </p:nvSpPr>
-        <p:spPr/>
-        <p:txBody>
-          <a:bodyPr/>
-          <a:lstStyle/>
-          <a:p>
-            <a:pPr lvl="1"/>
-            <a:r>
-              <a:rPr b="1"/>
-              <a:t>Old JEE web developer</a:t>
-            </a:r>
-            <a:r>
-              <a:rPr/>
-              <a:t>.</a:t>
-            </a:r>
-          </a:p>
-          <a:p>
-            <a:pPr lvl="1"/>
-            <a:r>
-              <a:rPr/>
-              <a:t>Now I’m </a:t>
-            </a:r>
-            <a:r>
-              <a:rPr b="1"/>
-              <a:t>Tecnical Teacher Advaisor</a:t>
-            </a:r>
-            <a:r>
-              <a:rPr/>
-              <a:t> in the TIC service of the General Direction of Infrastructure and Services of the Ministry of Education and Youth of the Community of Madrid.</a:t>
-            </a:r>
-          </a:p>
-          <a:p>
-            <a:pPr lvl="1"/>
-            <a:r>
-              <a:rPr/>
-              <a:t>In addition I work as </a:t>
-            </a:r>
-            <a:r>
-              <a:rPr b="1"/>
-              <a:t>trainer specialized in development technologies</a:t>
-            </a:r>
-            <a:r>
-              <a:rPr/>
-              <a:t>.</a:t>
+            <a:r>
+              <a:rPr/>
+              <a:t> </a:t>
+            </a:r>
+            <a:r>
+              <a:rPr/>
+              <a:t>Author</a:t>
             </a:r>
           </a:p>
         </p:txBody>
@@ -8695,7 +8654,7 @@
             </a:pPr>
             <a:r>
               <a:rPr/>
-              <a:t>Some</a:t>
+              <a:t>Adolfo</a:t>
             </a:r>
             <a:r>
               <a:rPr/>
@@ -8703,7 +8662,23 @@
             </a:r>
             <a:r>
               <a:rPr/>
-              <a:t>projects</a:t>
+              <a:t>Sanz</a:t>
+            </a:r>
+            <a:r>
+              <a:rPr/>
+              <a:t> </a:t>
+            </a:r>
+            <a:r>
+              <a:rPr/>
+              <a:t>De</a:t>
+            </a:r>
+            <a:r>
+              <a:rPr/>
+              <a:t> </a:t>
+            </a:r>
+            <a:r>
+              <a:rPr/>
+              <a:t>Diego</a:t>
             </a:r>
           </a:p>
         </p:txBody>
@@ -8725,44 +8700,42 @@
           <a:p>
             <a:pPr lvl="1"/>
             <a:r>
-              <a:rPr/>
-              <a:t>Hackathon Lovers </a:t>
-            </a:r>
-            <a:r>
-              <a:rPr>
-                <a:hlinkClick r:id="rId2"/>
-              </a:rPr>
-              <a:t>Hackathon Lovers</a:t>
-            </a:r>
-            <a:r>
-              <a:rPr/>
-              <a:t>: a group created for entrepreneurs and developers who loves hackathons.</a:t>
-            </a:r>
-          </a:p>
-          <a:p>
-            <a:pPr lvl="1"/>
-            <a:r>
-              <a:rPr>
-                <a:hlinkClick r:id="rId3"/>
-              </a:rPr>
-              <a:t>Password Manager Generator</a:t>
-            </a:r>
-            <a:r>
-              <a:rPr/>
-              <a:t>: an online password manager.</a:t>
-            </a:r>
-          </a:p>
-          <a:p>
-            <a:pPr lvl="1"/>
-            <a:r>
-              <a:rPr>
-                <a:hlinkClick r:id="rId4"/>
-              </a:rPr>
-              <a:t>MarkdownSlides</a:t>
-            </a:r>
-            <a:r>
-              <a:rPr/>
-              <a:t>: a script to create slides from MD files.</a:t>
+              <a:rPr b="1"/>
+              <a:t>Old JEE web developer</a:t>
+            </a:r>
+            <a:r>
+              <a:rPr/>
+              <a:t>.</a:t>
+            </a:r>
+          </a:p>
+          <a:p>
+            <a:pPr lvl="1"/>
+            <a:r>
+              <a:rPr/>
+              <a:t>Now I’m </a:t>
+            </a:r>
+            <a:r>
+              <a:rPr b="1"/>
+              <a:t>Tecnical Teacher Advaisor</a:t>
+            </a:r>
+            <a:r>
+              <a:rPr/>
+              <a:t> in the TIC service of the General Direction of Infrastructure and Services of the Ministry of Education and Youth of the Community of Madrid.</a:t>
+            </a:r>
+          </a:p>
+          <a:p>
+            <a:pPr lvl="1"/>
+            <a:r>
+              <a:rPr/>
+              <a:t>In addition I work as </a:t>
+            </a:r>
+            <a:r>
+              <a:rPr b="1"/>
+              <a:t>trainer specialized in development technologies</a:t>
+            </a:r>
+            <a:r>
+              <a:rPr/>
+              <a:t>.</a:t>
             </a:r>
           </a:p>
         </p:txBody>
@@ -8809,7 +8782,7 @@
             </a:pPr>
             <a:r>
               <a:rPr/>
-              <a:t>Where</a:t>
+              <a:t>Some</a:t>
             </a:r>
             <a:r>
               <a:rPr/>
@@ -8817,23 +8790,7 @@
             </a:r>
             <a:r>
               <a:rPr/>
-              <a:t>to</a:t>
-            </a:r>
-            <a:r>
-              <a:rPr/>
-              <a:t> </a:t>
-            </a:r>
-            <a:r>
-              <a:rPr/>
-              <a:t>find</a:t>
-            </a:r>
-            <a:r>
-              <a:rPr/>
-              <a:t> </a:t>
-            </a:r>
-            <a:r>
-              <a:rPr/>
-              <a:t>me?</a:t>
+              <a:t>projects</a:t>
             </a:r>
           </a:p>
         </p:txBody>
@@ -8856,76 +8813,43 @@
             <a:pPr lvl="1"/>
             <a:r>
               <a:rPr/>
-              <a:t>My nick: </a:t>
-            </a:r>
-            <a:r>
-              <a:rPr b="1"/>
-              <a:t>asanzdiego</a:t>
-            </a:r>
-          </a:p>
-          <a:p>
-            <a:pPr lvl="2"/>
-            <a:r>
-              <a:rPr/>
-              <a:t>Blog: </a:t>
+              <a:t>Hackathon Lovers </a:t>
             </a:r>
             <a:r>
               <a:rPr>
                 <a:hlinkClick r:id="rId2"/>
               </a:rPr>
-              <a:t>asanzdiego.com</a:t>
-            </a:r>
-          </a:p>
-          <a:p>
-            <a:pPr lvl="2"/>
-            <a:r>
-              <a:rPr/>
-              <a:t>GitHub: </a:t>
-            </a:r>
+              <a:t>Hackathon Lovers</a:t>
+            </a:r>
+            <a:r>
+              <a:rPr/>
+              <a:t>: a group created for entrepreneurs and developers who loves hackathons.</a:t>
+            </a:r>
+          </a:p>
+          <a:p>
+            <a:pPr lvl="1"/>
             <a:r>
               <a:rPr>
                 <a:hlinkClick r:id="rId3"/>
               </a:rPr>
-              <a:t>github.com/asanzdiego</a:t>
-            </a:r>
-          </a:p>
-          <a:p>
-            <a:pPr lvl="2"/>
-            <a:r>
-              <a:rPr/>
-              <a:t>Twitter: </a:t>
-            </a:r>
+              <a:t>Password Manager Generator</a:t>
+            </a:r>
+            <a:r>
+              <a:rPr/>
+              <a:t>: an online password manager.</a:t>
+            </a:r>
+          </a:p>
+          <a:p>
+            <a:pPr lvl="1"/>
             <a:r>
               <a:rPr>
                 <a:hlinkClick r:id="rId4"/>
               </a:rPr>
-              <a:t>twitter.com/asanzdiego</a:t>
-            </a:r>
-          </a:p>
-          <a:p>
-            <a:pPr lvl="2"/>
-            <a:r>
-              <a:rPr/>
-              <a:t>LinkedIn: </a:t>
-            </a:r>
-            <a:r>
-              <a:rPr>
-                <a:hlinkClick r:id="rId5"/>
-              </a:rPr>
-              <a:t>linkedin.com/in/asanzdiego</a:t>
-            </a:r>
-          </a:p>
-          <a:p>
-            <a:pPr lvl="2"/>
-            <a:r>
-              <a:rPr/>
-              <a:t>SlideShare: </a:t>
-            </a:r>
-            <a:r>
-              <a:rPr>
-                <a:hlinkClick r:id="rId6"/>
-              </a:rPr>
-              <a:t>slideshare.net/asanzdiego</a:t>
+              <a:t>MarkdownSlides</a:t>
+            </a:r>
+            <a:r>
+              <a:rPr/>
+              <a:t>: a script to create slides from MD files.</a:t>
             </a:r>
           </a:p>
         </p:txBody>
@@ -9068,6 +8992,169 @@
                 <a:hlinkClick r:id="rId8"/>
               </a:rPr>
               <a:t>pdf-book</a:t>
+            </a:r>
+          </a:p>
+        </p:txBody>
+      </p:sp>
+    </p:spTree>
+  </p:cSld>
+</p:sld>
+</file>
+
+<file path=ppt/slides/slide50.xml><?xml version="1.0" encoding="utf-8"?>
+<p:sld xmlns:a="http://schemas.openxmlformats.org/drawingml/2006/main" xmlns:r="http://schemas.openxmlformats.org/officeDocument/2006/relationships" xmlns:p="http://schemas.openxmlformats.org/presentationml/2006/main">
+  <p:cSld>
+    <p:spTree>
+      <p:nvGrpSpPr>
+        <p:cNvPr id="1" name=""/>
+        <p:cNvGrpSpPr/>
+        <p:nvPr/>
+      </p:nvGrpSpPr>
+      <p:grpSpPr>
+        <a:xfrm>
+          <a:off x="0" y="0"/>
+          <a:ext cx="0" cy="0"/>
+          <a:chOff x="0" y="0"/>
+          <a:chExt cx="0" cy="0"/>
+        </a:xfrm>
+      </p:grpSpPr>
+      <p:sp>
+        <p:nvSpPr>
+          <p:cNvPr id="2" name="Title 1"/>
+          <p:cNvSpPr>
+            <a:spLocks noGrp="1"/>
+          </p:cNvSpPr>
+          <p:nvPr>
+            <p:ph type="title"/>
+          </p:nvPr>
+        </p:nvSpPr>
+        <p:spPr/>
+        <p:txBody>
+          <a:bodyPr/>
+          <a:lstStyle/>
+          <a:p>
+            <a:pPr lvl="0" marL="0" indent="0">
+              <a:buNone/>
+            </a:pPr>
+            <a:r>
+              <a:rPr/>
+              <a:t>Where</a:t>
+            </a:r>
+            <a:r>
+              <a:rPr/>
+              <a:t> </a:t>
+            </a:r>
+            <a:r>
+              <a:rPr/>
+              <a:t>to</a:t>
+            </a:r>
+            <a:r>
+              <a:rPr/>
+              <a:t> </a:t>
+            </a:r>
+            <a:r>
+              <a:rPr/>
+              <a:t>find</a:t>
+            </a:r>
+            <a:r>
+              <a:rPr/>
+              <a:t> </a:t>
+            </a:r>
+            <a:r>
+              <a:rPr/>
+              <a:t>me?</a:t>
+            </a:r>
+          </a:p>
+        </p:txBody>
+      </p:sp>
+      <p:sp>
+        <p:nvSpPr>
+          <p:cNvPr id="3" name="Content Placeholder 2"/>
+          <p:cNvSpPr>
+            <a:spLocks noGrp="1"/>
+          </p:cNvSpPr>
+          <p:nvPr>
+            <p:ph idx="1"/>
+          </p:nvPr>
+        </p:nvSpPr>
+        <p:spPr/>
+        <p:txBody>
+          <a:bodyPr/>
+          <a:lstStyle/>
+          <a:p>
+            <a:pPr lvl="1"/>
+            <a:r>
+              <a:rPr/>
+              <a:t>My nick: </a:t>
+            </a:r>
+            <a:r>
+              <a:rPr b="1"/>
+              <a:t>asanzdiego</a:t>
+            </a:r>
+          </a:p>
+          <a:p>
+            <a:pPr lvl="2"/>
+            <a:r>
+              <a:rPr/>
+              <a:t>Blog: </a:t>
+            </a:r>
+            <a:r>
+              <a:rPr>
+                <a:hlinkClick r:id="rId2"/>
+              </a:rPr>
+              <a:t>asanzdiego.com</a:t>
+            </a:r>
+          </a:p>
+          <a:p>
+            <a:pPr lvl="2"/>
+            <a:r>
+              <a:rPr/>
+              <a:t>GitHub: </a:t>
+            </a:r>
+            <a:r>
+              <a:rPr>
+                <a:hlinkClick r:id="rId3"/>
+              </a:rPr>
+              <a:t>github.com/asanzdiego</a:t>
+            </a:r>
+          </a:p>
+          <a:p>
+            <a:pPr lvl="2"/>
+            <a:r>
+              <a:rPr/>
+              <a:t>Twitter: </a:t>
+            </a:r>
+            <a:r>
+              <a:rPr>
+                <a:hlinkClick r:id="rId4"/>
+              </a:rPr>
+              <a:t>twitter.com/asanzdiego</a:t>
+            </a:r>
+          </a:p>
+          <a:p>
+            <a:pPr lvl="2"/>
+            <a:r>
+              <a:rPr/>
+              <a:t>LinkedIn: </a:t>
+            </a:r>
+            <a:r>
+              <a:rPr>
+                <a:hlinkClick r:id="rId5"/>
+              </a:rPr>
+              <a:t>linkedin.com/in/asanzdiego</a:t>
+            </a:r>
+          </a:p>
+          <a:p>
+            <a:pPr lvl="2"/>
+            <a:r>
+              <a:rPr/>
+              <a:t>SlideShare: </a:t>
+            </a:r>
+            <a:r>
+              <a:rPr>
+                <a:hlinkClick r:id="rId6"/>
+              </a:rPr>
+              <a:t>slideshare.net/asanzdiego</a:t>
             </a:r>
           </a:p>
         </p:txBody>

--- a/doc/export/readme-slides-plus.pptx
+++ b/doc/export/readme-slides-plus.pptx
@@ -5,7 +5,7 @@
     <p:sldMasterId id="2147483648" r:id="rId1"/>
   </p:sldMasterIdLst>
   <p:notesMasterIdLst>
-    <p:NotesMasterId r:id="rId52"/>
+    <p:NotesMasterId r:id="rId53"/>
   </p:notesMasterIdLst>
   <p:sldIdLst>
     <p:sldId id="256" r:id="rId2"/>
@@ -58,6 +58,7 @@
     <p:sldId id="303" r:id="rId49"/>
     <p:sldId id="304" r:id="rId50"/>
     <p:sldId id="305" r:id="rId51"/>
+    <p:sldId id="306" r:id="rId52"/>
   </p:sldIdLst>
   <p:sldSz cx="9144000" cy="6858000" type="screen4x3"/>
   <p:notesSz cx="6858000" cy="9144000"/>
@@ -4101,7 +4102,7 @@
               <a:rPr>
                 <a:hlinkClick r:id="rId2"/>
               </a:rPr>
-              <a:t>https://github.com/asanzdiego/markdownslides/archive/6.2.zip</a:t>
+              <a:t>https://github.com/asanzdiego/markdownslides/archive/6.3.zip</a:t>
             </a:r>
           </a:p>
         </p:txBody>
@@ -8560,12 +8561,7 @@
             <p:ph type="title"/>
           </p:nvPr>
         </p:nvSpPr>
-        <p:spPr>
-          <a:xfrm>
-            <a:off x="722313" y="4406900"/>
-            <a:ext cx="7772400" cy="1362075"/>
-          </a:xfrm>
-        </p:spPr>
+        <p:spPr/>
         <p:txBody>
           <a:bodyPr/>
           <a:lstStyle/>
@@ -8575,7 +8571,7 @@
             </a:pPr>
             <a:r>
               <a:rPr/>
-              <a:t>Adolfo</a:t>
+              <a:t>Release</a:t>
             </a:r>
             <a:r>
               <a:rPr/>
@@ -8583,31 +8579,30 @@
             </a:r>
             <a:r>
               <a:rPr/>
-              <a:t>Sanz</a:t>
-            </a:r>
-            <a:r>
-              <a:rPr/>
-              <a:t> </a:t>
-            </a:r>
-            <a:r>
-              <a:rPr/>
-              <a:t>De</a:t>
-            </a:r>
-            <a:r>
-              <a:rPr/>
-              <a:t> </a:t>
-            </a:r>
-            <a:r>
-              <a:rPr/>
-              <a:t>Diego</a:t>
-            </a:r>
-            <a:r>
-              <a:rPr/>
-              <a:t> </a:t>
-            </a:r>
-            <a:r>
-              <a:rPr/>
-              <a:t>Author</a:t>
+              <a:t>6.3</a:t>
+            </a:r>
+          </a:p>
+        </p:txBody>
+      </p:sp>
+      <p:sp>
+        <p:nvSpPr>
+          <p:cNvPr id="3" name="Content Placeholder 2"/>
+          <p:cNvSpPr>
+            <a:spLocks noGrp="1"/>
+          </p:cNvSpPr>
+          <p:nvPr>
+            <p:ph idx="1"/>
+          </p:nvPr>
+        </p:nvSpPr>
+        <p:spPr/>
+        <p:txBody>
+          <a:bodyPr/>
+          <a:lstStyle/>
+          <a:p>
+            <a:pPr lvl="1"/>
+            <a:r>
+              <a:rPr/>
+              <a:t>Minor change.</a:t>
             </a:r>
           </a:p>
         </p:txBody>
@@ -8644,7 +8639,12 @@
             <p:ph type="title"/>
           </p:nvPr>
         </p:nvSpPr>
-        <p:spPr/>
+        <p:spPr>
+          <a:xfrm>
+            <a:off x="722313" y="4406900"/>
+            <a:ext cx="7772400" cy="1362075"/>
+          </a:xfrm>
+        </p:spPr>
         <p:txBody>
           <a:bodyPr/>
           <a:lstStyle/>
@@ -8680,62 +8680,13 @@
               <a:rPr/>
               <a:t>Diego</a:t>
             </a:r>
-          </a:p>
-        </p:txBody>
-      </p:sp>
-      <p:sp>
-        <p:nvSpPr>
-          <p:cNvPr id="3" name="Content Placeholder 2"/>
-          <p:cNvSpPr>
-            <a:spLocks noGrp="1"/>
-          </p:cNvSpPr>
-          <p:nvPr>
-            <p:ph idx="1"/>
-          </p:nvPr>
-        </p:nvSpPr>
-        <p:spPr/>
-        <p:txBody>
-          <a:bodyPr/>
-          <a:lstStyle/>
-          <a:p>
-            <a:pPr lvl="1"/>
-            <a:r>
-              <a:rPr b="1"/>
-              <a:t>Old JEE web developer</a:t>
-            </a:r>
-            <a:r>
-              <a:rPr/>
-              <a:t>.</a:t>
-            </a:r>
-          </a:p>
-          <a:p>
-            <a:pPr lvl="1"/>
-            <a:r>
-              <a:rPr/>
-              <a:t>Now I’m </a:t>
-            </a:r>
-            <a:r>
-              <a:rPr b="1"/>
-              <a:t>Tecnical Teacher Advaisor</a:t>
-            </a:r>
-            <a:r>
-              <a:rPr/>
-              <a:t> in the TIC service of the General Direction of Infrastructure and Services of the Ministry of Education and Youth of the Community of Madrid.</a:t>
-            </a:r>
-          </a:p>
-          <a:p>
-            <a:pPr lvl="1"/>
-            <a:r>
-              <a:rPr/>
-              <a:t>In addition I work as </a:t>
-            </a:r>
-            <a:r>
-              <a:rPr b="1"/>
-              <a:t>trainer specialized in development technologies</a:t>
-            </a:r>
-            <a:r>
-              <a:rPr/>
-              <a:t>.</a:t>
+            <a:r>
+              <a:rPr/>
+              <a:t> </a:t>
+            </a:r>
+            <a:r>
+              <a:rPr/>
+              <a:t>Author</a:t>
             </a:r>
           </a:p>
         </p:txBody>
@@ -8782,7 +8733,7 @@
             </a:pPr>
             <a:r>
               <a:rPr/>
-              <a:t>Some</a:t>
+              <a:t>Adolfo</a:t>
             </a:r>
             <a:r>
               <a:rPr/>
@@ -8790,7 +8741,23 @@
             </a:r>
             <a:r>
               <a:rPr/>
-              <a:t>projects</a:t>
+              <a:t>Sanz</a:t>
+            </a:r>
+            <a:r>
+              <a:rPr/>
+              <a:t> </a:t>
+            </a:r>
+            <a:r>
+              <a:rPr/>
+              <a:t>De</a:t>
+            </a:r>
+            <a:r>
+              <a:rPr/>
+              <a:t> </a:t>
+            </a:r>
+            <a:r>
+              <a:rPr/>
+              <a:t>Diego</a:t>
             </a:r>
           </a:p>
         </p:txBody>
@@ -8812,44 +8779,42 @@
           <a:p>
             <a:pPr lvl="1"/>
             <a:r>
-              <a:rPr/>
-              <a:t>Hackathon Lovers </a:t>
-            </a:r>
-            <a:r>
-              <a:rPr>
-                <a:hlinkClick r:id="rId2"/>
-              </a:rPr>
-              <a:t>Hackathon Lovers</a:t>
-            </a:r>
-            <a:r>
-              <a:rPr/>
-              <a:t>: a group created for entrepreneurs and developers who loves hackathons.</a:t>
-            </a:r>
-          </a:p>
-          <a:p>
-            <a:pPr lvl="1"/>
-            <a:r>
-              <a:rPr>
-                <a:hlinkClick r:id="rId3"/>
-              </a:rPr>
-              <a:t>Password Manager Generator</a:t>
-            </a:r>
-            <a:r>
-              <a:rPr/>
-              <a:t>: an online password manager.</a:t>
-            </a:r>
-          </a:p>
-          <a:p>
-            <a:pPr lvl="1"/>
-            <a:r>
-              <a:rPr>
-                <a:hlinkClick r:id="rId4"/>
-              </a:rPr>
-              <a:t>MarkdownSlides</a:t>
-            </a:r>
-            <a:r>
-              <a:rPr/>
-              <a:t>: a script to create slides from MD files.</a:t>
+              <a:rPr b="1"/>
+              <a:t>Old JEE web developer</a:t>
+            </a:r>
+            <a:r>
+              <a:rPr/>
+              <a:t>.</a:t>
+            </a:r>
+          </a:p>
+          <a:p>
+            <a:pPr lvl="1"/>
+            <a:r>
+              <a:rPr/>
+              <a:t>Now I’m </a:t>
+            </a:r>
+            <a:r>
+              <a:rPr b="1"/>
+              <a:t>Tecnical Teacher Advaisor</a:t>
+            </a:r>
+            <a:r>
+              <a:rPr/>
+              <a:t> in the TIC service of the General Direction of Infrastructure and Services of the Ministry of Education and Youth of the Community of Madrid.</a:t>
+            </a:r>
+          </a:p>
+          <a:p>
+            <a:pPr lvl="1"/>
+            <a:r>
+              <a:rPr/>
+              <a:t>In addition I work as </a:t>
+            </a:r>
+            <a:r>
+              <a:rPr b="1"/>
+              <a:t>trainer specialized in development technologies</a:t>
+            </a:r>
+            <a:r>
+              <a:rPr/>
+              <a:t>.</a:t>
             </a:r>
           </a:p>
         </p:txBody>
@@ -9002,6 +8967,120 @@
 </file>
 
 <file path=ppt/slides/slide50.xml><?xml version="1.0" encoding="utf-8"?>
+<p:sld xmlns:a="http://schemas.openxmlformats.org/drawingml/2006/main" xmlns:r="http://schemas.openxmlformats.org/officeDocument/2006/relationships" xmlns:p="http://schemas.openxmlformats.org/presentationml/2006/main">
+  <p:cSld>
+    <p:spTree>
+      <p:nvGrpSpPr>
+        <p:cNvPr id="1" name=""/>
+        <p:cNvGrpSpPr/>
+        <p:nvPr/>
+      </p:nvGrpSpPr>
+      <p:grpSpPr>
+        <a:xfrm>
+          <a:off x="0" y="0"/>
+          <a:ext cx="0" cy="0"/>
+          <a:chOff x="0" y="0"/>
+          <a:chExt cx="0" cy="0"/>
+        </a:xfrm>
+      </p:grpSpPr>
+      <p:sp>
+        <p:nvSpPr>
+          <p:cNvPr id="2" name="Title 1"/>
+          <p:cNvSpPr>
+            <a:spLocks noGrp="1"/>
+          </p:cNvSpPr>
+          <p:nvPr>
+            <p:ph type="title"/>
+          </p:nvPr>
+        </p:nvSpPr>
+        <p:spPr/>
+        <p:txBody>
+          <a:bodyPr/>
+          <a:lstStyle/>
+          <a:p>
+            <a:pPr lvl="0" marL="0" indent="0">
+              <a:buNone/>
+            </a:pPr>
+            <a:r>
+              <a:rPr/>
+              <a:t>Some</a:t>
+            </a:r>
+            <a:r>
+              <a:rPr/>
+              <a:t> </a:t>
+            </a:r>
+            <a:r>
+              <a:rPr/>
+              <a:t>projects</a:t>
+            </a:r>
+          </a:p>
+        </p:txBody>
+      </p:sp>
+      <p:sp>
+        <p:nvSpPr>
+          <p:cNvPr id="3" name="Content Placeholder 2"/>
+          <p:cNvSpPr>
+            <a:spLocks noGrp="1"/>
+          </p:cNvSpPr>
+          <p:nvPr>
+            <p:ph idx="1"/>
+          </p:nvPr>
+        </p:nvSpPr>
+        <p:spPr/>
+        <p:txBody>
+          <a:bodyPr/>
+          <a:lstStyle/>
+          <a:p>
+            <a:pPr lvl="1"/>
+            <a:r>
+              <a:rPr/>
+              <a:t>Hackathon Lovers </a:t>
+            </a:r>
+            <a:r>
+              <a:rPr>
+                <a:hlinkClick r:id="rId2"/>
+              </a:rPr>
+              <a:t>Hackathon Lovers</a:t>
+            </a:r>
+            <a:r>
+              <a:rPr/>
+              <a:t>: a group created for entrepreneurs and developers who loves hackathons.</a:t>
+            </a:r>
+          </a:p>
+          <a:p>
+            <a:pPr lvl="1"/>
+            <a:r>
+              <a:rPr>
+                <a:hlinkClick r:id="rId3"/>
+              </a:rPr>
+              <a:t>Password Manager Generator</a:t>
+            </a:r>
+            <a:r>
+              <a:rPr/>
+              <a:t>: an online password manager.</a:t>
+            </a:r>
+          </a:p>
+          <a:p>
+            <a:pPr lvl="1"/>
+            <a:r>
+              <a:rPr>
+                <a:hlinkClick r:id="rId4"/>
+              </a:rPr>
+              <a:t>MarkdownSlides</a:t>
+            </a:r>
+            <a:r>
+              <a:rPr/>
+              <a:t>: a script to create slides from MD files.</a:t>
+            </a:r>
+          </a:p>
+        </p:txBody>
+      </p:sp>
+    </p:spTree>
+  </p:cSld>
+</p:sld>
+</file>
+
+<file path=ppt/slides/slide51.xml><?xml version="1.0" encoding="utf-8"?>
 <p:sld xmlns:a="http://schemas.openxmlformats.org/drawingml/2006/main" xmlns:r="http://schemas.openxmlformats.org/officeDocument/2006/relationships" xmlns:p="http://schemas.openxmlformats.org/presentationml/2006/main">
   <p:cSld>
     <p:spTree>

--- a/doc/export/readme-slides-plus.pptx
+++ b/doc/export/readme-slides-plus.pptx
@@ -5,7 +5,7 @@
     <p:sldMasterId id="2147483648" r:id="rId1"/>
   </p:sldMasterIdLst>
   <p:notesMasterIdLst>
-    <p:NotesMasterId r:id="rId53"/>
+    <p:NotesMasterId r:id="rId51"/>
   </p:notesMasterIdLst>
   <p:sldIdLst>
     <p:sldId id="256" r:id="rId2"/>
@@ -57,8 +57,6 @@
     <p:sldId id="302" r:id="rId48"/>
     <p:sldId id="303" r:id="rId49"/>
     <p:sldId id="304" r:id="rId50"/>
-    <p:sldId id="305" r:id="rId51"/>
-    <p:sldId id="306" r:id="rId52"/>
   </p:sldIdLst>
   <p:sldSz cx="9144000" cy="6858000" type="screen4x3"/>
   <p:notesSz cx="6858000" cy="9144000"/>
@@ -4102,7 +4100,7 @@
               <a:rPr>
                 <a:hlinkClick r:id="rId2"/>
               </a:rPr>
-              <a:t>https://github.com/asanzdiego/markdownslides/archive/6.3.zip</a:t>
+              <a:t>https://github.com/asanzdiego/markdownslides/releases</a:t>
             </a:r>
           </a:p>
         </p:txBody>
@@ -8416,7 +8414,7 @@
             </a:r>
             <a:r>
               <a:rPr/>
-              <a:t>6.1</a:t>
+              <a:t>6.*</a:t>
             </a:r>
           </a:p>
         </p:txBody>
@@ -8447,6 +8445,20 @@
             <a:r>
               <a:rPr/>
               <a:t>Added Bootstrap to the html template.</a:t>
+            </a:r>
+          </a:p>
+          <a:p>
+            <a:pPr lvl="1"/>
+            <a:r>
+              <a:rPr/>
+              <a:t>Added the DEFAULT_BUILD property.</a:t>
+            </a:r>
+          </a:p>
+          <a:p>
+            <a:pPr lvl="1"/>
+            <a:r>
+              <a:rPr/>
+              <a:t>Minor changes.</a:t>
             </a:r>
           </a:p>
         </p:txBody>
@@ -8483,7 +8495,12 @@
             <p:ph type="title"/>
           </p:nvPr>
         </p:nvSpPr>
-        <p:spPr/>
+        <p:spPr>
+          <a:xfrm>
+            <a:off x="722313" y="4406900"/>
+            <a:ext cx="7772400" cy="1362075"/>
+          </a:xfrm>
+        </p:spPr>
         <p:txBody>
           <a:bodyPr/>
           <a:lstStyle/>
@@ -8493,7 +8510,7 @@
             </a:pPr>
             <a:r>
               <a:rPr/>
-              <a:t>Release</a:t>
+              <a:t>Adolfo</a:t>
             </a:r>
             <a:r>
               <a:rPr/>
@@ -8501,30 +8518,31 @@
             </a:r>
             <a:r>
               <a:rPr/>
-              <a:t>6.2</a:t>
-            </a:r>
-          </a:p>
-        </p:txBody>
-      </p:sp>
-      <p:sp>
-        <p:nvSpPr>
-          <p:cNvPr id="3" name="Content Placeholder 2"/>
-          <p:cNvSpPr>
-            <a:spLocks noGrp="1"/>
-          </p:cNvSpPr>
-          <p:nvPr>
-            <p:ph idx="1"/>
-          </p:nvPr>
-        </p:nvSpPr>
-        <p:spPr/>
-        <p:txBody>
-          <a:bodyPr/>
-          <a:lstStyle/>
-          <a:p>
-            <a:pPr lvl="1"/>
-            <a:r>
-              <a:rPr/>
-              <a:t>Added the DEFAULT_BUILD property.</a:t>
+              <a:t>Sanz</a:t>
+            </a:r>
+            <a:r>
+              <a:rPr/>
+              <a:t> </a:t>
+            </a:r>
+            <a:r>
+              <a:rPr/>
+              <a:t>De</a:t>
+            </a:r>
+            <a:r>
+              <a:rPr/>
+              <a:t> </a:t>
+            </a:r>
+            <a:r>
+              <a:rPr/>
+              <a:t>Diego</a:t>
+            </a:r>
+            <a:r>
+              <a:rPr/>
+              <a:t> </a:t>
+            </a:r>
+            <a:r>
+              <a:rPr/>
+              <a:t>Author</a:t>
             </a:r>
           </a:p>
         </p:txBody>
@@ -8571,7 +8589,7 @@
             </a:pPr>
             <a:r>
               <a:rPr/>
-              <a:t>Release</a:t>
+              <a:t>Adolfo</a:t>
             </a:r>
             <a:r>
               <a:rPr/>
@@ -8579,7 +8597,23 @@
             </a:r>
             <a:r>
               <a:rPr/>
-              <a:t>6.3</a:t>
+              <a:t>Sanz</a:t>
+            </a:r>
+            <a:r>
+              <a:rPr/>
+              <a:t> </a:t>
+            </a:r>
+            <a:r>
+              <a:rPr/>
+              <a:t>De</a:t>
+            </a:r>
+            <a:r>
+              <a:rPr/>
+              <a:t> </a:t>
+            </a:r>
+            <a:r>
+              <a:rPr/>
+              <a:t>Diego</a:t>
             </a:r>
           </a:p>
         </p:txBody>
@@ -8601,8 +8635,42 @@
           <a:p>
             <a:pPr lvl="1"/>
             <a:r>
-              <a:rPr/>
-              <a:t>Minor change.</a:t>
+              <a:rPr b="1"/>
+              <a:t>Old JEE web developer</a:t>
+            </a:r>
+            <a:r>
+              <a:rPr/>
+              <a:t>.</a:t>
+            </a:r>
+          </a:p>
+          <a:p>
+            <a:pPr lvl="1"/>
+            <a:r>
+              <a:rPr/>
+              <a:t>Now I’m </a:t>
+            </a:r>
+            <a:r>
+              <a:rPr b="1"/>
+              <a:t>Tecnical Teacher Advaisor</a:t>
+            </a:r>
+            <a:r>
+              <a:rPr/>
+              <a:t> in the TIC service of the General Direction of Infrastructure and Services of the Ministry of Education and Youth of the Community of Madrid.</a:t>
+            </a:r>
+          </a:p>
+          <a:p>
+            <a:pPr lvl="1"/>
+            <a:r>
+              <a:rPr/>
+              <a:t>In addition I work as </a:t>
+            </a:r>
+            <a:r>
+              <a:rPr b="1"/>
+              <a:t>trainer specialized in development technologies</a:t>
+            </a:r>
+            <a:r>
+              <a:rPr/>
+              <a:t>.</a:t>
             </a:r>
           </a:p>
         </p:txBody>
@@ -8639,12 +8707,7 @@
             <p:ph type="title"/>
           </p:nvPr>
         </p:nvSpPr>
-        <p:spPr>
-          <a:xfrm>
-            <a:off x="722313" y="4406900"/>
-            <a:ext cx="7772400" cy="1362075"/>
-          </a:xfrm>
-        </p:spPr>
+        <p:spPr/>
         <p:txBody>
           <a:bodyPr/>
           <a:lstStyle/>
@@ -8654,7 +8717,7 @@
             </a:pPr>
             <a:r>
               <a:rPr/>
-              <a:t>Adolfo</a:t>
+              <a:t>Some</a:t>
             </a:r>
             <a:r>
               <a:rPr/>
@@ -8662,31 +8725,66 @@
             </a:r>
             <a:r>
               <a:rPr/>
-              <a:t>Sanz</a:t>
-            </a:r>
-            <a:r>
-              <a:rPr/>
-              <a:t> </a:t>
-            </a:r>
-            <a:r>
-              <a:rPr/>
-              <a:t>De</a:t>
-            </a:r>
-            <a:r>
-              <a:rPr/>
-              <a:t> </a:t>
-            </a:r>
-            <a:r>
-              <a:rPr/>
-              <a:t>Diego</a:t>
-            </a:r>
-            <a:r>
-              <a:rPr/>
-              <a:t> </a:t>
-            </a:r>
-            <a:r>
-              <a:rPr/>
-              <a:t>Author</a:t>
+              <a:t>projects</a:t>
+            </a:r>
+          </a:p>
+        </p:txBody>
+      </p:sp>
+      <p:sp>
+        <p:nvSpPr>
+          <p:cNvPr id="3" name="Content Placeholder 2"/>
+          <p:cNvSpPr>
+            <a:spLocks noGrp="1"/>
+          </p:cNvSpPr>
+          <p:nvPr>
+            <p:ph idx="1"/>
+          </p:nvPr>
+        </p:nvSpPr>
+        <p:spPr/>
+        <p:txBody>
+          <a:bodyPr/>
+          <a:lstStyle/>
+          <a:p>
+            <a:pPr lvl="1"/>
+            <a:r>
+              <a:rPr/>
+              <a:t>Hackathon Lovers </a:t>
+            </a:r>
+            <a:r>
+              <a:rPr>
+                <a:hlinkClick r:id="rId2"/>
+              </a:rPr>
+              <a:t>Hackathon Lovers</a:t>
+            </a:r>
+            <a:r>
+              <a:rPr/>
+              <a:t>: a group created for entrepreneurs and developers who loves hackathons.</a:t>
+            </a:r>
+          </a:p>
+          <a:p>
+            <a:pPr lvl="1"/>
+            <a:r>
+              <a:rPr>
+                <a:hlinkClick r:id="rId3"/>
+              </a:rPr>
+              <a:t>Password Manager Generator</a:t>
+            </a:r>
+            <a:r>
+              <a:rPr/>
+              <a:t>: an online password manager.</a:t>
+            </a:r>
+          </a:p>
+          <a:p>
+            <a:pPr lvl="1"/>
+            <a:r>
+              <a:rPr>
+                <a:hlinkClick r:id="rId4"/>
+              </a:rPr>
+              <a:t>MarkdownSlides</a:t>
+            </a:r>
+            <a:r>
+              <a:rPr/>
+              <a:t>: a script to create slides from MD files.</a:t>
             </a:r>
           </a:p>
         </p:txBody>
@@ -8733,7 +8831,7 @@
             </a:pPr>
             <a:r>
               <a:rPr/>
-              <a:t>Adolfo</a:t>
+              <a:t>Where</a:t>
             </a:r>
             <a:r>
               <a:rPr/>
@@ -8741,7 +8839,7 @@
             </a:r>
             <a:r>
               <a:rPr/>
-              <a:t>Sanz</a:t>
+              <a:t>to</a:t>
             </a:r>
             <a:r>
               <a:rPr/>
@@ -8749,7 +8847,7 @@
             </a:r>
             <a:r>
               <a:rPr/>
-              <a:t>De</a:t>
+              <a:t>find</a:t>
             </a:r>
             <a:r>
               <a:rPr/>
@@ -8757,7 +8855,7 @@
             </a:r>
             <a:r>
               <a:rPr/>
-              <a:t>Diego</a:t>
+              <a:t>me?</a:t>
             </a:r>
           </a:p>
         </p:txBody>
@@ -8779,42 +8877,77 @@
           <a:p>
             <a:pPr lvl="1"/>
             <a:r>
+              <a:rPr/>
+              <a:t>My nick: </a:t>
+            </a:r>
+            <a:r>
               <a:rPr b="1"/>
-              <a:t>Old JEE web developer</a:t>
-            </a:r>
-            <a:r>
-              <a:rPr/>
-              <a:t>.</a:t>
-            </a:r>
-          </a:p>
-          <a:p>
-            <a:pPr lvl="1"/>
-            <a:r>
-              <a:rPr/>
-              <a:t>Now I’m </a:t>
-            </a:r>
-            <a:r>
-              <a:rPr b="1"/>
-              <a:t>Tecnical Teacher Advaisor</a:t>
-            </a:r>
-            <a:r>
-              <a:rPr/>
-              <a:t> in the TIC service of the General Direction of Infrastructure and Services of the Ministry of Education and Youth of the Community of Madrid.</a:t>
-            </a:r>
-          </a:p>
-          <a:p>
-            <a:pPr lvl="1"/>
-            <a:r>
-              <a:rPr/>
-              <a:t>In addition I work as </a:t>
-            </a:r>
-            <a:r>
-              <a:rPr b="1"/>
-              <a:t>trainer specialized in development technologies</a:t>
-            </a:r>
-            <a:r>
-              <a:rPr/>
-              <a:t>.</a:t>
+              <a:t>asanzdiego</a:t>
+            </a:r>
+          </a:p>
+          <a:p>
+            <a:pPr lvl="2"/>
+            <a:r>
+              <a:rPr/>
+              <a:t>Blog: </a:t>
+            </a:r>
+            <a:r>
+              <a:rPr>
+                <a:hlinkClick r:id="rId2"/>
+              </a:rPr>
+              <a:t>asanzdiego.com</a:t>
+            </a:r>
+          </a:p>
+          <a:p>
+            <a:pPr lvl="2"/>
+            <a:r>
+              <a:rPr/>
+              <a:t>GitHub: </a:t>
+            </a:r>
+            <a:r>
+              <a:rPr>
+                <a:hlinkClick r:id="rId3"/>
+              </a:rPr>
+              <a:t>github.com/asanzdiego</a:t>
+            </a:r>
+          </a:p>
+          <a:p>
+            <a:pPr lvl="2"/>
+            <a:r>
+              <a:rPr/>
+              <a:t>Twitter: </a:t>
+            </a:r>
+            <a:r>
+              <a:rPr>
+                <a:hlinkClick r:id="rId4"/>
+              </a:rPr>
+              <a:t>twitter.com/asanzdiego</a:t>
+            </a:r>
+          </a:p>
+          <a:p>
+            <a:pPr lvl="2"/>
+            <a:r>
+              <a:rPr/>
+              <a:t>LinkedIn: </a:t>
+            </a:r>
+            <a:r>
+              <a:rPr>
+                <a:hlinkClick r:id="rId5"/>
+              </a:rPr>
+              <a:t>linkedin.com/in/asanzdiego</a:t>
+            </a:r>
+          </a:p>
+          <a:p>
+            <a:pPr lvl="2"/>
+            <a:r>
+              <a:rPr/>
+              <a:t>SlideShare: </a:t>
+            </a:r>
+            <a:r>
+              <a:rPr>
+                <a:hlinkClick r:id="rId6"/>
+              </a:rPr>
+              <a:t>slideshare.net/asanzdiego</a:t>
             </a:r>
           </a:p>
         </p:txBody>
@@ -8957,283 +9090,6 @@
                 <a:hlinkClick r:id="rId8"/>
               </a:rPr>
               <a:t>pdf-book</a:t>
-            </a:r>
-          </a:p>
-        </p:txBody>
-      </p:sp>
-    </p:spTree>
-  </p:cSld>
-</p:sld>
-</file>
-
-<file path=ppt/slides/slide50.xml><?xml version="1.0" encoding="utf-8"?>
-<p:sld xmlns:a="http://schemas.openxmlformats.org/drawingml/2006/main" xmlns:r="http://schemas.openxmlformats.org/officeDocument/2006/relationships" xmlns:p="http://schemas.openxmlformats.org/presentationml/2006/main">
-  <p:cSld>
-    <p:spTree>
-      <p:nvGrpSpPr>
-        <p:cNvPr id="1" name=""/>
-        <p:cNvGrpSpPr/>
-        <p:nvPr/>
-      </p:nvGrpSpPr>
-      <p:grpSpPr>
-        <a:xfrm>
-          <a:off x="0" y="0"/>
-          <a:ext cx="0" cy="0"/>
-          <a:chOff x="0" y="0"/>
-          <a:chExt cx="0" cy="0"/>
-        </a:xfrm>
-      </p:grpSpPr>
-      <p:sp>
-        <p:nvSpPr>
-          <p:cNvPr id="2" name="Title 1"/>
-          <p:cNvSpPr>
-            <a:spLocks noGrp="1"/>
-          </p:cNvSpPr>
-          <p:nvPr>
-            <p:ph type="title"/>
-          </p:nvPr>
-        </p:nvSpPr>
-        <p:spPr/>
-        <p:txBody>
-          <a:bodyPr/>
-          <a:lstStyle/>
-          <a:p>
-            <a:pPr lvl="0" marL="0" indent="0">
-              <a:buNone/>
-            </a:pPr>
-            <a:r>
-              <a:rPr/>
-              <a:t>Some</a:t>
-            </a:r>
-            <a:r>
-              <a:rPr/>
-              <a:t> </a:t>
-            </a:r>
-            <a:r>
-              <a:rPr/>
-              <a:t>projects</a:t>
-            </a:r>
-          </a:p>
-        </p:txBody>
-      </p:sp>
-      <p:sp>
-        <p:nvSpPr>
-          <p:cNvPr id="3" name="Content Placeholder 2"/>
-          <p:cNvSpPr>
-            <a:spLocks noGrp="1"/>
-          </p:cNvSpPr>
-          <p:nvPr>
-            <p:ph idx="1"/>
-          </p:nvPr>
-        </p:nvSpPr>
-        <p:spPr/>
-        <p:txBody>
-          <a:bodyPr/>
-          <a:lstStyle/>
-          <a:p>
-            <a:pPr lvl="1"/>
-            <a:r>
-              <a:rPr/>
-              <a:t>Hackathon Lovers </a:t>
-            </a:r>
-            <a:r>
-              <a:rPr>
-                <a:hlinkClick r:id="rId2"/>
-              </a:rPr>
-              <a:t>Hackathon Lovers</a:t>
-            </a:r>
-            <a:r>
-              <a:rPr/>
-              <a:t>: a group created for entrepreneurs and developers who loves hackathons.</a:t>
-            </a:r>
-          </a:p>
-          <a:p>
-            <a:pPr lvl="1"/>
-            <a:r>
-              <a:rPr>
-                <a:hlinkClick r:id="rId3"/>
-              </a:rPr>
-              <a:t>Password Manager Generator</a:t>
-            </a:r>
-            <a:r>
-              <a:rPr/>
-              <a:t>: an online password manager.</a:t>
-            </a:r>
-          </a:p>
-          <a:p>
-            <a:pPr lvl="1"/>
-            <a:r>
-              <a:rPr>
-                <a:hlinkClick r:id="rId4"/>
-              </a:rPr>
-              <a:t>MarkdownSlides</a:t>
-            </a:r>
-            <a:r>
-              <a:rPr/>
-              <a:t>: a script to create slides from MD files.</a:t>
-            </a:r>
-          </a:p>
-        </p:txBody>
-      </p:sp>
-    </p:spTree>
-  </p:cSld>
-</p:sld>
-</file>
-
-<file path=ppt/slides/slide51.xml><?xml version="1.0" encoding="utf-8"?>
-<p:sld xmlns:a="http://schemas.openxmlformats.org/drawingml/2006/main" xmlns:r="http://schemas.openxmlformats.org/officeDocument/2006/relationships" xmlns:p="http://schemas.openxmlformats.org/presentationml/2006/main">
-  <p:cSld>
-    <p:spTree>
-      <p:nvGrpSpPr>
-        <p:cNvPr id="1" name=""/>
-        <p:cNvGrpSpPr/>
-        <p:nvPr/>
-      </p:nvGrpSpPr>
-      <p:grpSpPr>
-        <a:xfrm>
-          <a:off x="0" y="0"/>
-          <a:ext cx="0" cy="0"/>
-          <a:chOff x="0" y="0"/>
-          <a:chExt cx="0" cy="0"/>
-        </a:xfrm>
-      </p:grpSpPr>
-      <p:sp>
-        <p:nvSpPr>
-          <p:cNvPr id="2" name="Title 1"/>
-          <p:cNvSpPr>
-            <a:spLocks noGrp="1"/>
-          </p:cNvSpPr>
-          <p:nvPr>
-            <p:ph type="title"/>
-          </p:nvPr>
-        </p:nvSpPr>
-        <p:spPr/>
-        <p:txBody>
-          <a:bodyPr/>
-          <a:lstStyle/>
-          <a:p>
-            <a:pPr lvl="0" marL="0" indent="0">
-              <a:buNone/>
-            </a:pPr>
-            <a:r>
-              <a:rPr/>
-              <a:t>Where</a:t>
-            </a:r>
-            <a:r>
-              <a:rPr/>
-              <a:t> </a:t>
-            </a:r>
-            <a:r>
-              <a:rPr/>
-              <a:t>to</a:t>
-            </a:r>
-            <a:r>
-              <a:rPr/>
-              <a:t> </a:t>
-            </a:r>
-            <a:r>
-              <a:rPr/>
-              <a:t>find</a:t>
-            </a:r>
-            <a:r>
-              <a:rPr/>
-              <a:t> </a:t>
-            </a:r>
-            <a:r>
-              <a:rPr/>
-              <a:t>me?</a:t>
-            </a:r>
-          </a:p>
-        </p:txBody>
-      </p:sp>
-      <p:sp>
-        <p:nvSpPr>
-          <p:cNvPr id="3" name="Content Placeholder 2"/>
-          <p:cNvSpPr>
-            <a:spLocks noGrp="1"/>
-          </p:cNvSpPr>
-          <p:nvPr>
-            <p:ph idx="1"/>
-          </p:nvPr>
-        </p:nvSpPr>
-        <p:spPr/>
-        <p:txBody>
-          <a:bodyPr/>
-          <a:lstStyle/>
-          <a:p>
-            <a:pPr lvl="1"/>
-            <a:r>
-              <a:rPr/>
-              <a:t>My nick: </a:t>
-            </a:r>
-            <a:r>
-              <a:rPr b="1"/>
-              <a:t>asanzdiego</a:t>
-            </a:r>
-          </a:p>
-          <a:p>
-            <a:pPr lvl="2"/>
-            <a:r>
-              <a:rPr/>
-              <a:t>Blog: </a:t>
-            </a:r>
-            <a:r>
-              <a:rPr>
-                <a:hlinkClick r:id="rId2"/>
-              </a:rPr>
-              <a:t>asanzdiego.com</a:t>
-            </a:r>
-          </a:p>
-          <a:p>
-            <a:pPr lvl="2"/>
-            <a:r>
-              <a:rPr/>
-              <a:t>GitHub: </a:t>
-            </a:r>
-            <a:r>
-              <a:rPr>
-                <a:hlinkClick r:id="rId3"/>
-              </a:rPr>
-              <a:t>github.com/asanzdiego</a:t>
-            </a:r>
-          </a:p>
-          <a:p>
-            <a:pPr lvl="2"/>
-            <a:r>
-              <a:rPr/>
-              <a:t>Twitter: </a:t>
-            </a:r>
-            <a:r>
-              <a:rPr>
-                <a:hlinkClick r:id="rId4"/>
-              </a:rPr>
-              <a:t>twitter.com/asanzdiego</a:t>
-            </a:r>
-          </a:p>
-          <a:p>
-            <a:pPr lvl="2"/>
-            <a:r>
-              <a:rPr/>
-              <a:t>LinkedIn: </a:t>
-            </a:r>
-            <a:r>
-              <a:rPr>
-                <a:hlinkClick r:id="rId5"/>
-              </a:rPr>
-              <a:t>linkedin.com/in/asanzdiego</a:t>
-            </a:r>
-          </a:p>
-          <a:p>
-            <a:pPr lvl="2"/>
-            <a:r>
-              <a:rPr/>
-              <a:t>SlideShare: </a:t>
-            </a:r>
-            <a:r>
-              <a:rPr>
-                <a:hlinkClick r:id="rId6"/>
-              </a:rPr>
-              <a:t>slideshare.net/asanzdiego</a:t>
             </a:r>
           </a:p>
         </p:txBody>

--- a/doc/export/readme-slides-plus.pptx
+++ b/doc/export/readme-slides-plus.pptx
@@ -1,11 +1,11 @@
 
 <file path=ppt/presentation.xml><?xml version="1.0" encoding="utf-8"?>
-<p:presentation xmlns:a="http://schemas.openxmlformats.org/drawingml/2006/main" xmlns:r="http://schemas.openxmlformats.org/officeDocument/2006/relationships" xmlns:p="http://schemas.openxmlformats.org/presentationml/2006/main" saveSubsetFonts="1" autoCompressPictures="0">
+<p:presentation xmlns:a="http://schemas.openxmlformats.org/drawingml/2006/main" xmlns:p="http://schemas.openxmlformats.org/presentationml/2006/main" xmlns:r="http://schemas.openxmlformats.org/officeDocument/2006/relationships" autoCompressPictures="0" saveSubsetFonts="1">
   <p:sldMasterIdLst>
     <p:sldMasterId id="2147483648" r:id="rId1"/>
   </p:sldMasterIdLst>
   <p:notesMasterIdLst>
-    <p:NotesMasterId r:id="rId51"/>
+    <p:notesMasterId r:id="rId52"/>
   </p:notesMasterIdLst>
   <p:sldIdLst>
     <p:sldId id="256" r:id="rId2"/>
@@ -57,15 +57,16 @@
     <p:sldId id="302" r:id="rId48"/>
     <p:sldId id="303" r:id="rId49"/>
     <p:sldId id="304" r:id="rId50"/>
+    <p:sldId id="305" r:id="rId51"/>
   </p:sldIdLst>
-  <p:sldSz cx="9144000" cy="6858000" type="screen4x3"/>
+  <p:sldSz cx="9144000" cy="5143500" type="screen16x9"/>
   <p:notesSz cx="6858000" cy="9144000"/>
   <p:defaultTextStyle>
     <a:defPPr>
       <a:defRPr lang="en-US"/>
     </a:defPPr>
-    <a:lvl1pPr marL="0" algn="l" defTabSz="457200" rtl="0" eaLnBrk="1" latinLnBrk="0" hangingPunct="1">
-      <a:defRPr sz="1800" kern="1200">
+    <a:lvl1pPr algn="l" defTabSz="457200" eaLnBrk="1" hangingPunct="1" latinLnBrk="0" marL="0" rtl="0">
+      <a:defRPr kern="1200" sz="1800">
         <a:solidFill>
           <a:schemeClr val="tx1"/>
         </a:solidFill>
@@ -74,8 +75,8 @@
         <a:cs typeface="+mn-cs"/>
       </a:defRPr>
     </a:lvl1pPr>
-    <a:lvl2pPr marL="457200" algn="l" defTabSz="457200" rtl="0" eaLnBrk="1" latinLnBrk="0" hangingPunct="1">
-      <a:defRPr sz="1800" kern="1200">
+    <a:lvl2pPr algn="l" defTabSz="457200" eaLnBrk="1" hangingPunct="1" latinLnBrk="0" marL="457200" rtl="0">
+      <a:defRPr kern="1200" sz="1800">
         <a:solidFill>
           <a:schemeClr val="tx1"/>
         </a:solidFill>
@@ -84,8 +85,8 @@
         <a:cs typeface="+mn-cs"/>
       </a:defRPr>
     </a:lvl2pPr>
-    <a:lvl3pPr marL="914400" algn="l" defTabSz="457200" rtl="0" eaLnBrk="1" latinLnBrk="0" hangingPunct="1">
-      <a:defRPr sz="1800" kern="1200">
+    <a:lvl3pPr algn="l" defTabSz="457200" eaLnBrk="1" hangingPunct="1" latinLnBrk="0" marL="914400" rtl="0">
+      <a:defRPr kern="1200" sz="1800">
         <a:solidFill>
           <a:schemeClr val="tx1"/>
         </a:solidFill>
@@ -94,8 +95,8 @@
         <a:cs typeface="+mn-cs"/>
       </a:defRPr>
     </a:lvl3pPr>
-    <a:lvl4pPr marL="1371600" algn="l" defTabSz="457200" rtl="0" eaLnBrk="1" latinLnBrk="0" hangingPunct="1">
-      <a:defRPr sz="1800" kern="1200">
+    <a:lvl4pPr algn="l" defTabSz="457200" eaLnBrk="1" hangingPunct="1" latinLnBrk="0" marL="1371600" rtl="0">
+      <a:defRPr kern="1200" sz="1800">
         <a:solidFill>
           <a:schemeClr val="tx1"/>
         </a:solidFill>
@@ -104,8 +105,8 @@
         <a:cs typeface="+mn-cs"/>
       </a:defRPr>
     </a:lvl4pPr>
-    <a:lvl5pPr marL="1828800" algn="l" defTabSz="457200" rtl="0" eaLnBrk="1" latinLnBrk="0" hangingPunct="1">
-      <a:defRPr sz="1800" kern="1200">
+    <a:lvl5pPr algn="l" defTabSz="457200" eaLnBrk="1" hangingPunct="1" latinLnBrk="0" marL="1828800" rtl="0">
+      <a:defRPr kern="1200" sz="1800">
         <a:solidFill>
           <a:schemeClr val="tx1"/>
         </a:solidFill>
@@ -114,8 +115,8 @@
         <a:cs typeface="+mn-cs"/>
       </a:defRPr>
     </a:lvl5pPr>
-    <a:lvl6pPr marL="2286000" algn="l" defTabSz="457200" rtl="0" eaLnBrk="1" latinLnBrk="0" hangingPunct="1">
-      <a:defRPr sz="1800" kern="1200">
+    <a:lvl6pPr algn="l" defTabSz="457200" eaLnBrk="1" hangingPunct="1" latinLnBrk="0" marL="2286000" rtl="0">
+      <a:defRPr kern="1200" sz="1800">
         <a:solidFill>
           <a:schemeClr val="tx1"/>
         </a:solidFill>
@@ -124,8 +125,8 @@
         <a:cs typeface="+mn-cs"/>
       </a:defRPr>
     </a:lvl6pPr>
-    <a:lvl7pPr marL="2743200" algn="l" defTabSz="457200" rtl="0" eaLnBrk="1" latinLnBrk="0" hangingPunct="1">
-      <a:defRPr sz="1800" kern="1200">
+    <a:lvl7pPr algn="l" defTabSz="457200" eaLnBrk="1" hangingPunct="1" latinLnBrk="0" marL="2743200" rtl="0">
+      <a:defRPr kern="1200" sz="1800">
         <a:solidFill>
           <a:schemeClr val="tx1"/>
         </a:solidFill>
@@ -134,8 +135,8 @@
         <a:cs typeface="+mn-cs"/>
       </a:defRPr>
     </a:lvl7pPr>
-    <a:lvl8pPr marL="3200400" algn="l" defTabSz="457200" rtl="0" eaLnBrk="1" latinLnBrk="0" hangingPunct="1">
-      <a:defRPr sz="1800" kern="1200">
+    <a:lvl8pPr algn="l" defTabSz="457200" eaLnBrk="1" hangingPunct="1" latinLnBrk="0" marL="3200400" rtl="0">
+      <a:defRPr kern="1200" sz="1800">
         <a:solidFill>
           <a:schemeClr val="tx1"/>
         </a:solidFill>
@@ -144,8 +145,8 @@
         <a:cs typeface="+mn-cs"/>
       </a:defRPr>
     </a:lvl8pPr>
-    <a:lvl9pPr marL="3657600" algn="l" defTabSz="457200" rtl="0" eaLnBrk="1" latinLnBrk="0" hangingPunct="1">
-      <a:defRPr sz="1800" kern="1200">
+    <a:lvl9pPr algn="l" defTabSz="457200" eaLnBrk="1" hangingPunct="1" latinLnBrk="0" marL="3657600" rtl="0">
+      <a:defRPr kern="1200" sz="1800">
         <a:solidFill>
           <a:schemeClr val="tx1"/>
         </a:solidFill>
@@ -158,12 +159,12 @@
   <p:extLst>
     <p:ext uri="{EFAFB233-063F-42B5-8137-9DF3F51BA10A}">
       <p15:sldGuideLst xmlns:p15="http://schemas.microsoft.com/office/powerpoint/2012/main">
-        <p15:guide id="1" orient="horz" pos="2160">
+        <p15:guide id="1" orient="horz" pos="1620" userDrawn="1">
           <p15:clr>
             <a:srgbClr val="A4A3A4"/>
           </p15:clr>
         </p15:guide>
-        <p15:guide id="2" pos="2880">
+        <p15:guide id="2" pos="2880" userDrawn="1">
           <p15:clr>
             <a:srgbClr val="A4A3A4"/>
           </p15:clr>
@@ -256,7 +257,7 @@
           <a:p>
             <a:fld id="{0F9C1CCF-B725-44A7-AA57-5E433BD85C9F}" type="datetimeFigureOut">
               <a:rPr lang="en-US" smtClean="0"/>
-              <a:t>4/5/2019</a:t>
+              <a:t>1/2/22</a:t>
             </a:fld>
             <a:endParaRPr lang="en-US"/>
           </a:p>
@@ -274,8 +275,8 @@
         </p:nvSpPr>
         <p:spPr>
           <a:xfrm>
-            <a:off x="1371600" y="1143000"/>
-            <a:ext cx="4114800" cy="3086100"/>
+            <a:off x="685800" y="1143000"/>
+            <a:ext cx="5486400" cy="3086100"/>
           </a:xfrm>
           <a:prstGeom prst="rect">
             <a:avLst/>
@@ -320,38 +321,37 @@
           <a:p>
             <a:pPr lvl="0"/>
             <a:r>
-              <a:rPr lang="en-US" smtClean="0"/>
+              <a:rPr lang="en-US"/>
               <a:t>Click to edit Master text styles</a:t>
             </a:r>
           </a:p>
           <a:p>
             <a:pPr lvl="1"/>
             <a:r>
-              <a:rPr lang="en-US" smtClean="0"/>
+              <a:rPr lang="en-US"/>
               <a:t>Second level</a:t>
             </a:r>
           </a:p>
           <a:p>
             <a:pPr lvl="2"/>
             <a:r>
-              <a:rPr lang="en-US" smtClean="0"/>
+              <a:rPr lang="en-US"/>
               <a:t>Third level</a:t>
             </a:r>
           </a:p>
           <a:p>
             <a:pPr lvl="3"/>
             <a:r>
-              <a:rPr lang="en-US" smtClean="0"/>
+              <a:rPr lang="en-US"/>
               <a:t>Fourth level</a:t>
             </a:r>
           </a:p>
           <a:p>
             <a:pPr lvl="4"/>
             <a:r>
-              <a:rPr lang="en-US" smtClean="0"/>
+              <a:rPr lang="en-US"/>
               <a:t>Fifth level</a:t>
             </a:r>
-            <a:endParaRPr lang="en-US"/>
           </a:p>
         </p:txBody>
       </p:sp>
@@ -568,132 +568,12 @@
           <a:bodyPr/>
           <a:lstStyle/>
           <a:p>
-            <a:pPr lvl="0" marL="0" indent="0">
+            <a:pPr lvl="0" indent="0" marL="0">
               <a:buNone/>
             </a:pPr>
             <a:r>
               <a:rPr/>
-              <a:t>This</a:t>
-            </a:r>
-            <a:r>
-              <a:rPr/>
-              <a:t> </a:t>
-            </a:r>
-            <a:r>
-              <a:rPr/>
-              <a:t>is</a:t>
-            </a:r>
-            <a:r>
-              <a:rPr/>
-              <a:t> </a:t>
-            </a:r>
-            <a:r>
-              <a:rPr/>
-              <a:t>only</a:t>
-            </a:r>
-            <a:r>
-              <a:rPr/>
-              <a:t> </a:t>
-            </a:r>
-            <a:r>
-              <a:rPr/>
-              <a:t>visible</a:t>
-            </a:r>
-            <a:r>
-              <a:rPr/>
-              <a:t> </a:t>
-            </a:r>
-            <a:r>
-              <a:rPr/>
-              <a:t>in</a:t>
-            </a:r>
-            <a:r>
-              <a:rPr/>
-              <a:t> </a:t>
-            </a:r>
-            <a:r>
-              <a:rPr/>
-              <a:t>book</a:t>
-            </a:r>
-            <a:r>
-              <a:rPr/>
-              <a:t> </a:t>
-            </a:r>
-            <a:r>
-              <a:rPr/>
-              <a:t>mode</a:t>
-            </a:r>
-            <a:r>
-              <a:rPr/>
-              <a:t> </a:t>
-            </a:r>
-            <a:r>
-              <a:rPr/>
-              <a:t>or</a:t>
-            </a:r>
-            <a:r>
-              <a:rPr/>
-              <a:t> </a:t>
-            </a:r>
-            <a:r>
-              <a:rPr/>
-              <a:t>if</a:t>
-            </a:r>
-            <a:r>
-              <a:rPr/>
-              <a:t> </a:t>
-            </a:r>
-            <a:r>
-              <a:rPr/>
-              <a:t>you</a:t>
-            </a:r>
-            <a:r>
-              <a:rPr/>
-              <a:t> </a:t>
-            </a:r>
-            <a:r>
-              <a:rPr/>
-              <a:t>press</a:t>
-            </a:r>
-            <a:r>
-              <a:rPr/>
-              <a:t> </a:t>
-            </a:r>
-            <a:r>
-              <a:rPr/>
-              <a:t>‘</a:t>
-            </a:r>
-            <a:r>
-              <a:rPr/>
-              <a:t>s</a:t>
-            </a:r>
-            <a:r>
-              <a:rPr/>
-              <a:t>’</a:t>
-            </a:r>
-            <a:r>
-              <a:rPr/>
-              <a:t> </a:t>
-            </a:r>
-            <a:r>
-              <a:rPr/>
-              <a:t>on</a:t>
-            </a:r>
-            <a:r>
-              <a:rPr/>
-              <a:t> </a:t>
-            </a:r>
-            <a:r>
-              <a:rPr/>
-              <a:t>the</a:t>
-            </a:r>
-            <a:r>
-              <a:rPr/>
-              <a:t> </a:t>
-            </a:r>
-            <a:r>
-              <a:rPr/>
-              <a:t>slides.</a:t>
+              <a:t>This is only visible in book mode or if you press ‘s’ on the slides.</a:t>
             </a:r>
           </a:p>
         </p:txBody>
@@ -755,8 +635,8 @@
         </p:nvSpPr>
         <p:spPr>
           <a:xfrm>
-            <a:off x="685800" y="2130425"/>
-            <a:ext cx="7772400" cy="1470025"/>
+            <a:off x="685800" y="1597819"/>
+            <a:ext cx="7772400" cy="1102519"/>
           </a:xfrm>
         </p:spPr>
         <p:txBody>
@@ -764,10 +644,9 @@
           <a:lstStyle/>
           <a:p>
             <a:r>
-              <a:rPr lang="en-US" smtClean="0"/>
+              <a:rPr lang="en-US"/>
               <a:t>Click to edit Master title style</a:t>
             </a:r>
-            <a:endParaRPr lang="en-US"/>
           </a:p>
         </p:txBody>
       </p:sp>
@@ -783,8 +662,8 @@
         </p:nvSpPr>
         <p:spPr>
           <a:xfrm>
-            <a:off x="1371600" y="3886200"/>
-            <a:ext cx="6400800" cy="1752600"/>
+            <a:off x="1371600" y="2914650"/>
+            <a:ext cx="6400800" cy="1314450"/>
           </a:xfrm>
         </p:spPr>
         <p:txBody>
@@ -800,7 +679,7 @@
                 </a:solidFill>
               </a:defRPr>
             </a:lvl1pPr>
-            <a:lvl2pPr marL="457200" indent="0" algn="ctr">
+            <a:lvl2pPr marL="342900" indent="0" algn="ctr">
               <a:buNone/>
               <a:defRPr>
                 <a:solidFill>
@@ -810,7 +689,7 @@
                 </a:solidFill>
               </a:defRPr>
             </a:lvl2pPr>
-            <a:lvl3pPr marL="914400" indent="0" algn="ctr">
+            <a:lvl3pPr marL="685800" indent="0" algn="ctr">
               <a:buNone/>
               <a:defRPr>
                 <a:solidFill>
@@ -820,7 +699,7 @@
                 </a:solidFill>
               </a:defRPr>
             </a:lvl3pPr>
-            <a:lvl4pPr marL="1371600" indent="0" algn="ctr">
+            <a:lvl4pPr marL="1028700" indent="0" algn="ctr">
               <a:buNone/>
               <a:defRPr>
                 <a:solidFill>
@@ -830,7 +709,7 @@
                 </a:solidFill>
               </a:defRPr>
             </a:lvl4pPr>
-            <a:lvl5pPr marL="1828800" indent="0" algn="ctr">
+            <a:lvl5pPr marL="1371600" indent="0" algn="ctr">
               <a:buNone/>
               <a:defRPr>
                 <a:solidFill>
@@ -840,7 +719,7 @@
                 </a:solidFill>
               </a:defRPr>
             </a:lvl5pPr>
-            <a:lvl6pPr marL="2286000" indent="0" algn="ctr">
+            <a:lvl6pPr marL="1714500" indent="0" algn="ctr">
               <a:buNone/>
               <a:defRPr>
                 <a:solidFill>
@@ -850,7 +729,7 @@
                 </a:solidFill>
               </a:defRPr>
             </a:lvl6pPr>
-            <a:lvl7pPr marL="2743200" indent="0" algn="ctr">
+            <a:lvl7pPr marL="2057400" indent="0" algn="ctr">
               <a:buNone/>
               <a:defRPr>
                 <a:solidFill>
@@ -860,7 +739,7 @@
                 </a:solidFill>
               </a:defRPr>
             </a:lvl7pPr>
-            <a:lvl8pPr marL="3200400" indent="0" algn="ctr">
+            <a:lvl8pPr marL="2400300" indent="0" algn="ctr">
               <a:buNone/>
               <a:defRPr>
                 <a:solidFill>
@@ -870,7 +749,7 @@
                 </a:solidFill>
               </a:defRPr>
             </a:lvl8pPr>
-            <a:lvl9pPr marL="3657600" indent="0" algn="ctr">
+            <a:lvl9pPr marL="2743200" indent="0" algn="ctr">
               <a:buNone/>
               <a:defRPr>
                 <a:solidFill>
@@ -883,10 +762,9 @@
           </a:lstStyle>
           <a:p>
             <a:r>
-              <a:rPr lang="en-US" smtClean="0"/>
+              <a:rPr lang="en-US"/>
               <a:t>Click to edit Master subtitle style</a:t>
             </a:r>
-            <a:endParaRPr lang="en-US"/>
           </a:p>
         </p:txBody>
       </p:sp>
@@ -907,7 +785,7 @@
           <a:p>
             <a:fld id="{241EB5C9-1307-BA42-ABA2-0BC069CD8E7F}" type="datetimeFigureOut">
               <a:rPr lang="en-US" smtClean="0"/>
-              <a:t>4/5/2019</a:t>
+              <a:t>1/2/22</a:t>
             </a:fld>
             <a:endParaRPr lang="en-US"/>
           </a:p>
@@ -1001,10 +879,9 @@
           <a:lstStyle/>
           <a:p>
             <a:r>
-              <a:rPr lang="en-US" smtClean="0"/>
+              <a:rPr lang="en-US"/>
               <a:t>Click to edit Master title style</a:t>
             </a:r>
-            <a:endParaRPr lang="en-US"/>
           </a:p>
         </p:txBody>
       </p:sp>
@@ -1025,38 +902,37 @@
           <a:p>
             <a:pPr lvl="0"/>
             <a:r>
-              <a:rPr lang="en-US" smtClean="0"/>
+              <a:rPr lang="en-US"/>
               <a:t>Click to edit Master text styles</a:t>
             </a:r>
           </a:p>
           <a:p>
             <a:pPr lvl="1"/>
             <a:r>
-              <a:rPr lang="en-US" smtClean="0"/>
+              <a:rPr lang="en-US"/>
               <a:t>Second level</a:t>
             </a:r>
           </a:p>
           <a:p>
             <a:pPr lvl="2"/>
             <a:r>
-              <a:rPr lang="en-US" smtClean="0"/>
+              <a:rPr lang="en-US"/>
               <a:t>Third level</a:t>
             </a:r>
           </a:p>
           <a:p>
             <a:pPr lvl="3"/>
             <a:r>
-              <a:rPr lang="en-US" smtClean="0"/>
+              <a:rPr lang="en-US"/>
               <a:t>Fourth level</a:t>
             </a:r>
           </a:p>
           <a:p>
             <a:pPr lvl="4"/>
             <a:r>
-              <a:rPr lang="en-US" smtClean="0"/>
+              <a:rPr lang="en-US"/>
               <a:t>Fifth level</a:t>
             </a:r>
-            <a:endParaRPr lang="en-US"/>
           </a:p>
         </p:txBody>
       </p:sp>
@@ -1077,7 +953,7 @@
           <a:p>
             <a:fld id="{241EB5C9-1307-BA42-ABA2-0BC069CD8E7F}" type="datetimeFigureOut">
               <a:rPr lang="en-US" smtClean="0"/>
-              <a:t>4/5/2019</a:t>
+              <a:t>1/2/22</a:t>
             </a:fld>
             <a:endParaRPr lang="en-US"/>
           </a:p>
@@ -1167,8 +1043,8 @@
         </p:nvSpPr>
         <p:spPr>
           <a:xfrm>
-            <a:off x="6629400" y="274638"/>
-            <a:ext cx="2057400" cy="5851525"/>
+            <a:off x="6629400" y="205979"/>
+            <a:ext cx="2057400" cy="4388644"/>
           </a:xfrm>
         </p:spPr>
         <p:txBody>
@@ -1176,10 +1052,9 @@
           <a:lstStyle/>
           <a:p>
             <a:r>
-              <a:rPr lang="en-US" smtClean="0"/>
+              <a:rPr lang="en-US"/>
               <a:t>Click to edit Master title style</a:t>
             </a:r>
-            <a:endParaRPr lang="en-US"/>
           </a:p>
         </p:txBody>
       </p:sp>
@@ -1195,8 +1070,8 @@
         </p:nvSpPr>
         <p:spPr>
           <a:xfrm>
-            <a:off x="457200" y="274638"/>
-            <a:ext cx="6019800" cy="5851525"/>
+            <a:off x="457200" y="205979"/>
+            <a:ext cx="6019800" cy="4388644"/>
           </a:xfrm>
         </p:spPr>
         <p:txBody>
@@ -1205,38 +1080,37 @@
           <a:p>
             <a:pPr lvl="0"/>
             <a:r>
-              <a:rPr lang="en-US" smtClean="0"/>
+              <a:rPr lang="en-US"/>
               <a:t>Click to edit Master text styles</a:t>
             </a:r>
           </a:p>
           <a:p>
             <a:pPr lvl="1"/>
             <a:r>
-              <a:rPr lang="en-US" smtClean="0"/>
+              <a:rPr lang="en-US"/>
               <a:t>Second level</a:t>
             </a:r>
           </a:p>
           <a:p>
             <a:pPr lvl="2"/>
             <a:r>
-              <a:rPr lang="en-US" smtClean="0"/>
+              <a:rPr lang="en-US"/>
               <a:t>Third level</a:t>
             </a:r>
           </a:p>
           <a:p>
             <a:pPr lvl="3"/>
             <a:r>
-              <a:rPr lang="en-US" smtClean="0"/>
+              <a:rPr lang="en-US"/>
               <a:t>Fourth level</a:t>
             </a:r>
           </a:p>
           <a:p>
             <a:pPr lvl="4"/>
             <a:r>
-              <a:rPr lang="en-US" smtClean="0"/>
+              <a:rPr lang="en-US"/>
               <a:t>Fifth level</a:t>
             </a:r>
-            <a:endParaRPr lang="en-US"/>
           </a:p>
         </p:txBody>
       </p:sp>
@@ -1257,7 +1131,7 @@
           <a:p>
             <a:fld id="{241EB5C9-1307-BA42-ABA2-0BC069CD8E7F}" type="datetimeFigureOut">
               <a:rPr lang="en-US" smtClean="0"/>
-              <a:t>4/5/2019</a:t>
+              <a:t>1/2/22</a:t>
             </a:fld>
             <a:endParaRPr lang="en-US"/>
           </a:p>
@@ -1351,10 +1225,9 @@
           <a:lstStyle/>
           <a:p>
             <a:r>
-              <a:rPr lang="en-US" smtClean="0"/>
+              <a:rPr lang="en-US"/>
               <a:t>Click to edit Master title style</a:t>
             </a:r>
-            <a:endParaRPr lang="en-US"/>
           </a:p>
         </p:txBody>
       </p:sp>
@@ -1375,38 +1248,37 @@
           <a:p>
             <a:pPr lvl="0"/>
             <a:r>
-              <a:rPr lang="en-US" smtClean="0"/>
+              <a:rPr lang="en-US"/>
               <a:t>Click to edit Master text styles</a:t>
             </a:r>
           </a:p>
           <a:p>
             <a:pPr lvl="1"/>
             <a:r>
-              <a:rPr lang="en-US" smtClean="0"/>
+              <a:rPr lang="en-US"/>
               <a:t>Second level</a:t>
             </a:r>
           </a:p>
           <a:p>
             <a:pPr lvl="2"/>
             <a:r>
-              <a:rPr lang="en-US" smtClean="0"/>
+              <a:rPr lang="en-US"/>
               <a:t>Third level</a:t>
             </a:r>
           </a:p>
           <a:p>
             <a:pPr lvl="3"/>
             <a:r>
-              <a:rPr lang="en-US" smtClean="0"/>
+              <a:rPr lang="en-US"/>
               <a:t>Fourth level</a:t>
             </a:r>
           </a:p>
           <a:p>
             <a:pPr lvl="4"/>
             <a:r>
-              <a:rPr lang="en-US" smtClean="0"/>
+              <a:rPr lang="en-US"/>
               <a:t>Fifth level</a:t>
             </a:r>
-            <a:endParaRPr lang="en-US"/>
           </a:p>
         </p:txBody>
       </p:sp>
@@ -1427,7 +1299,7 @@
           <a:p>
             <a:fld id="{241EB5C9-1307-BA42-ABA2-0BC069CD8E7F}" type="datetimeFigureOut">
               <a:rPr lang="en-US" smtClean="0"/>
-              <a:t>4/5/2019</a:t>
+              <a:t>1/2/22</a:t>
             </a:fld>
             <a:endParaRPr lang="en-US"/>
           </a:p>
@@ -1517,23 +1389,22 @@
         </p:nvSpPr>
         <p:spPr>
           <a:xfrm>
-            <a:off x="722313" y="4406900"/>
-            <a:ext cx="7772400" cy="1362075"/>
+            <a:off x="722313" y="3305176"/>
+            <a:ext cx="7772400" cy="1021556"/>
           </a:xfrm>
         </p:spPr>
         <p:txBody>
           <a:bodyPr anchor="t"/>
           <a:lstStyle>
             <a:lvl1pPr algn="l">
-              <a:defRPr sz="4000" b="1" cap="all"/>
+              <a:defRPr sz="3000" b="1" cap="all"/>
             </a:lvl1pPr>
           </a:lstStyle>
           <a:p>
             <a:r>
-              <a:rPr lang="en-US" smtClean="0"/>
+              <a:rPr lang="en-US"/>
               <a:t>Click to edit Master title style</a:t>
             </a:r>
-            <a:endParaRPr lang="en-US"/>
           </a:p>
         </p:txBody>
       </p:sp>
@@ -1549,8 +1420,8 @@
         </p:nvSpPr>
         <p:spPr>
           <a:xfrm>
-            <a:off x="722313" y="2906713"/>
-            <a:ext cx="7772400" cy="1500187"/>
+            <a:off x="722313" y="2180035"/>
+            <a:ext cx="7772400" cy="1125140"/>
           </a:xfrm>
         </p:spPr>
         <p:txBody>
@@ -1558,7 +1429,7 @@
           <a:lstStyle>
             <a:lvl1pPr marL="0" indent="0">
               <a:buNone/>
-              <a:defRPr sz="2000">
+              <a:defRPr sz="1500">
                 <a:solidFill>
                   <a:schemeClr val="tx1">
                     <a:tint val="75000"/>
@@ -1566,9 +1437,9 @@
                 </a:solidFill>
               </a:defRPr>
             </a:lvl1pPr>
-            <a:lvl2pPr marL="457200" indent="0">
-              <a:buNone/>
-              <a:defRPr sz="1800">
+            <a:lvl2pPr marL="342900" indent="0">
+              <a:buNone/>
+              <a:defRPr sz="1350">
                 <a:solidFill>
                   <a:schemeClr val="tx1">
                     <a:tint val="75000"/>
@@ -1576,9 +1447,9 @@
                 </a:solidFill>
               </a:defRPr>
             </a:lvl2pPr>
-            <a:lvl3pPr marL="914400" indent="0">
-              <a:buNone/>
-              <a:defRPr sz="1600">
+            <a:lvl3pPr marL="685800" indent="0">
+              <a:buNone/>
+              <a:defRPr sz="1200">
                 <a:solidFill>
                   <a:schemeClr val="tx1">
                     <a:tint val="75000"/>
@@ -1586,9 +1457,9 @@
                 </a:solidFill>
               </a:defRPr>
             </a:lvl3pPr>
-            <a:lvl4pPr marL="1371600" indent="0">
-              <a:buNone/>
-              <a:defRPr sz="1400">
+            <a:lvl4pPr marL="1028700" indent="0">
+              <a:buNone/>
+              <a:defRPr sz="1050">
                 <a:solidFill>
                   <a:schemeClr val="tx1">
                     <a:tint val="75000"/>
@@ -1596,9 +1467,9 @@
                 </a:solidFill>
               </a:defRPr>
             </a:lvl4pPr>
-            <a:lvl5pPr marL="1828800" indent="0">
-              <a:buNone/>
-              <a:defRPr sz="1400">
+            <a:lvl5pPr marL="1371600" indent="0">
+              <a:buNone/>
+              <a:defRPr sz="1050">
                 <a:solidFill>
                   <a:schemeClr val="tx1">
                     <a:tint val="75000"/>
@@ -1606,9 +1477,9 @@
                 </a:solidFill>
               </a:defRPr>
             </a:lvl5pPr>
-            <a:lvl6pPr marL="2286000" indent="0">
-              <a:buNone/>
-              <a:defRPr sz="1400">
+            <a:lvl6pPr marL="1714500" indent="0">
+              <a:buNone/>
+              <a:defRPr sz="1050">
                 <a:solidFill>
                   <a:schemeClr val="tx1">
                     <a:tint val="75000"/>
@@ -1616,9 +1487,9 @@
                 </a:solidFill>
               </a:defRPr>
             </a:lvl6pPr>
-            <a:lvl7pPr marL="2743200" indent="0">
-              <a:buNone/>
-              <a:defRPr sz="1400">
+            <a:lvl7pPr marL="2057400" indent="0">
+              <a:buNone/>
+              <a:defRPr sz="1050">
                 <a:solidFill>
                   <a:schemeClr val="tx1">
                     <a:tint val="75000"/>
@@ -1626,9 +1497,9 @@
                 </a:solidFill>
               </a:defRPr>
             </a:lvl7pPr>
-            <a:lvl8pPr marL="3200400" indent="0">
-              <a:buNone/>
-              <a:defRPr sz="1400">
+            <a:lvl8pPr marL="2400300" indent="0">
+              <a:buNone/>
+              <a:defRPr sz="1050">
                 <a:solidFill>
                   <a:schemeClr val="tx1">
                     <a:tint val="75000"/>
@@ -1636,9 +1507,9 @@
                 </a:solidFill>
               </a:defRPr>
             </a:lvl8pPr>
-            <a:lvl9pPr marL="3657600" indent="0">
-              <a:buNone/>
-              <a:defRPr sz="1400">
+            <a:lvl9pPr marL="2743200" indent="0">
+              <a:buNone/>
+              <a:defRPr sz="1050">
                 <a:solidFill>
                   <a:schemeClr val="tx1">
                     <a:tint val="75000"/>
@@ -1650,7 +1521,7 @@
           <a:p>
             <a:pPr lvl="0"/>
             <a:r>
-              <a:rPr lang="en-US" smtClean="0"/>
+              <a:rPr lang="en-US"/>
               <a:t>Click to edit Master text styles</a:t>
             </a:r>
           </a:p>
@@ -1673,7 +1544,7 @@
           <a:p>
             <a:fld id="{241EB5C9-1307-BA42-ABA2-0BC069CD8E7F}" type="datetimeFigureOut">
               <a:rPr lang="en-US" smtClean="0"/>
-              <a:t>4/5/2019</a:t>
+              <a:t>1/2/22</a:t>
             </a:fld>
             <a:endParaRPr lang="en-US"/>
           </a:p>
@@ -1767,10 +1638,9 @@
           <a:lstStyle/>
           <a:p>
             <a:r>
-              <a:rPr lang="en-US" smtClean="0"/>
+              <a:rPr lang="en-US"/>
               <a:t>Click to edit Master title style</a:t>
             </a:r>
-            <a:endParaRPr lang="en-US"/>
           </a:p>
         </p:txBody>
       </p:sp>
@@ -1786,76 +1656,75 @@
         </p:nvSpPr>
         <p:spPr>
           <a:xfrm>
-            <a:off x="457200" y="1600200"/>
-            <a:ext cx="4038600" cy="4525963"/>
+            <a:off x="457200" y="1200151"/>
+            <a:ext cx="4038600" cy="3394472"/>
           </a:xfrm>
         </p:spPr>
         <p:txBody>
           <a:bodyPr/>
           <a:lstStyle>
             <a:lvl1pPr>
-              <a:defRPr sz="2800"/>
+              <a:defRPr sz="2100"/>
             </a:lvl1pPr>
             <a:lvl2pPr>
-              <a:defRPr sz="2400"/>
+              <a:defRPr sz="1800"/>
             </a:lvl2pPr>
             <a:lvl3pPr>
-              <a:defRPr sz="2000"/>
+              <a:defRPr sz="1500"/>
             </a:lvl3pPr>
             <a:lvl4pPr>
-              <a:defRPr sz="1800"/>
+              <a:defRPr sz="1350"/>
             </a:lvl4pPr>
             <a:lvl5pPr>
-              <a:defRPr sz="1800"/>
+              <a:defRPr sz="1350"/>
             </a:lvl5pPr>
             <a:lvl6pPr>
-              <a:defRPr sz="1800"/>
+              <a:defRPr sz="1350"/>
             </a:lvl6pPr>
             <a:lvl7pPr>
-              <a:defRPr sz="1800"/>
+              <a:defRPr sz="1350"/>
             </a:lvl7pPr>
             <a:lvl8pPr>
-              <a:defRPr sz="1800"/>
+              <a:defRPr sz="1350"/>
             </a:lvl8pPr>
             <a:lvl9pPr>
-              <a:defRPr sz="1800"/>
+              <a:defRPr sz="1350"/>
             </a:lvl9pPr>
           </a:lstStyle>
           <a:p>
             <a:pPr lvl="0"/>
             <a:r>
-              <a:rPr lang="en-US" smtClean="0"/>
+              <a:rPr lang="en-US"/>
               <a:t>Click to edit Master text styles</a:t>
             </a:r>
           </a:p>
           <a:p>
             <a:pPr lvl="1"/>
             <a:r>
-              <a:rPr lang="en-US" smtClean="0"/>
+              <a:rPr lang="en-US"/>
               <a:t>Second level</a:t>
             </a:r>
           </a:p>
           <a:p>
             <a:pPr lvl="2"/>
             <a:r>
-              <a:rPr lang="en-US" smtClean="0"/>
+              <a:rPr lang="en-US"/>
               <a:t>Third level</a:t>
             </a:r>
           </a:p>
           <a:p>
             <a:pPr lvl="3"/>
             <a:r>
-              <a:rPr lang="en-US" smtClean="0"/>
+              <a:rPr lang="en-US"/>
               <a:t>Fourth level</a:t>
             </a:r>
           </a:p>
           <a:p>
             <a:pPr lvl="4"/>
             <a:r>
-              <a:rPr lang="en-US" smtClean="0"/>
+              <a:rPr lang="en-US"/>
               <a:t>Fifth level</a:t>
             </a:r>
-            <a:endParaRPr lang="en-US"/>
           </a:p>
         </p:txBody>
       </p:sp>
@@ -1871,76 +1740,75 @@
         </p:nvSpPr>
         <p:spPr>
           <a:xfrm>
-            <a:off x="4648200" y="1600200"/>
-            <a:ext cx="4038600" cy="4525963"/>
+            <a:off x="4648200" y="1200151"/>
+            <a:ext cx="4038600" cy="3394472"/>
           </a:xfrm>
         </p:spPr>
         <p:txBody>
           <a:bodyPr/>
           <a:lstStyle>
             <a:lvl1pPr>
-              <a:defRPr sz="2800"/>
+              <a:defRPr sz="2100"/>
             </a:lvl1pPr>
             <a:lvl2pPr>
-              <a:defRPr sz="2400"/>
+              <a:defRPr sz="1800"/>
             </a:lvl2pPr>
             <a:lvl3pPr>
-              <a:defRPr sz="2000"/>
+              <a:defRPr sz="1500"/>
             </a:lvl3pPr>
             <a:lvl4pPr>
-              <a:defRPr sz="1800"/>
+              <a:defRPr sz="1350"/>
             </a:lvl4pPr>
             <a:lvl5pPr>
-              <a:defRPr sz="1800"/>
+              <a:defRPr sz="1350"/>
             </a:lvl5pPr>
             <a:lvl6pPr>
-              <a:defRPr sz="1800"/>
+              <a:defRPr sz="1350"/>
             </a:lvl6pPr>
             <a:lvl7pPr>
-              <a:defRPr sz="1800"/>
+              <a:defRPr sz="1350"/>
             </a:lvl7pPr>
             <a:lvl8pPr>
-              <a:defRPr sz="1800"/>
+              <a:defRPr sz="1350"/>
             </a:lvl8pPr>
             <a:lvl9pPr>
-              <a:defRPr sz="1800"/>
+              <a:defRPr sz="1350"/>
             </a:lvl9pPr>
           </a:lstStyle>
           <a:p>
             <a:pPr lvl="0"/>
             <a:r>
-              <a:rPr lang="en-US" smtClean="0"/>
+              <a:rPr lang="en-US"/>
               <a:t>Click to edit Master text styles</a:t>
             </a:r>
           </a:p>
           <a:p>
             <a:pPr lvl="1"/>
             <a:r>
-              <a:rPr lang="en-US" smtClean="0"/>
+              <a:rPr lang="en-US"/>
               <a:t>Second level</a:t>
             </a:r>
           </a:p>
           <a:p>
             <a:pPr lvl="2"/>
             <a:r>
-              <a:rPr lang="en-US" smtClean="0"/>
+              <a:rPr lang="en-US"/>
               <a:t>Third level</a:t>
             </a:r>
           </a:p>
           <a:p>
             <a:pPr lvl="3"/>
             <a:r>
-              <a:rPr lang="en-US" smtClean="0"/>
+              <a:rPr lang="en-US"/>
               <a:t>Fourth level</a:t>
             </a:r>
           </a:p>
           <a:p>
             <a:pPr lvl="4"/>
             <a:r>
-              <a:rPr lang="en-US" smtClean="0"/>
+              <a:rPr lang="en-US"/>
               <a:t>Fifth level</a:t>
             </a:r>
-            <a:endParaRPr lang="en-US"/>
           </a:p>
         </p:txBody>
       </p:sp>
@@ -1961,7 +1829,7 @@
           <a:p>
             <a:fld id="{241EB5C9-1307-BA42-ABA2-0BC069CD8E7F}" type="datetimeFigureOut">
               <a:rPr lang="en-US" smtClean="0"/>
-              <a:t>4/5/2019</a:t>
+              <a:t>1/2/22</a:t>
             </a:fld>
             <a:endParaRPr lang="en-US"/>
           </a:p>
@@ -2059,10 +1927,9 @@
           </a:lstStyle>
           <a:p>
             <a:r>
-              <a:rPr lang="en-US" smtClean="0"/>
+              <a:rPr lang="en-US"/>
               <a:t>Click to edit Master title style</a:t>
             </a:r>
-            <a:endParaRPr lang="en-US"/>
           </a:p>
         </p:txBody>
       </p:sp>
@@ -2078,8 +1945,8 @@
         </p:nvSpPr>
         <p:spPr>
           <a:xfrm>
-            <a:off x="457200" y="1535113"/>
-            <a:ext cx="4040188" cy="639762"/>
+            <a:off x="457200" y="1151335"/>
+            <a:ext cx="4040188" cy="479822"/>
           </a:xfrm>
         </p:spPr>
         <p:txBody>
@@ -2087,45 +1954,45 @@
           <a:lstStyle>
             <a:lvl1pPr marL="0" indent="0">
               <a:buNone/>
-              <a:defRPr sz="2400" b="1"/>
+              <a:defRPr sz="1800" b="1"/>
             </a:lvl1pPr>
-            <a:lvl2pPr marL="457200" indent="0">
-              <a:buNone/>
-              <a:defRPr sz="2000" b="1"/>
+            <a:lvl2pPr marL="342900" indent="0">
+              <a:buNone/>
+              <a:defRPr sz="1500" b="1"/>
             </a:lvl2pPr>
-            <a:lvl3pPr marL="914400" indent="0">
-              <a:buNone/>
-              <a:defRPr sz="1800" b="1"/>
+            <a:lvl3pPr marL="685800" indent="0">
+              <a:buNone/>
+              <a:defRPr sz="1350" b="1"/>
             </a:lvl3pPr>
-            <a:lvl4pPr marL="1371600" indent="0">
-              <a:buNone/>
-              <a:defRPr sz="1600" b="1"/>
+            <a:lvl4pPr marL="1028700" indent="0">
+              <a:buNone/>
+              <a:defRPr sz="1200" b="1"/>
             </a:lvl4pPr>
-            <a:lvl5pPr marL="1828800" indent="0">
-              <a:buNone/>
-              <a:defRPr sz="1600" b="1"/>
+            <a:lvl5pPr marL="1371600" indent="0">
+              <a:buNone/>
+              <a:defRPr sz="1200" b="1"/>
             </a:lvl5pPr>
-            <a:lvl6pPr marL="2286000" indent="0">
-              <a:buNone/>
-              <a:defRPr sz="1600" b="1"/>
+            <a:lvl6pPr marL="1714500" indent="0">
+              <a:buNone/>
+              <a:defRPr sz="1200" b="1"/>
             </a:lvl6pPr>
-            <a:lvl7pPr marL="2743200" indent="0">
-              <a:buNone/>
-              <a:defRPr sz="1600" b="1"/>
+            <a:lvl7pPr marL="2057400" indent="0">
+              <a:buNone/>
+              <a:defRPr sz="1200" b="1"/>
             </a:lvl7pPr>
-            <a:lvl8pPr marL="3200400" indent="0">
-              <a:buNone/>
-              <a:defRPr sz="1600" b="1"/>
+            <a:lvl8pPr marL="2400300" indent="0">
+              <a:buNone/>
+              <a:defRPr sz="1200" b="1"/>
             </a:lvl8pPr>
-            <a:lvl9pPr marL="3657600" indent="0">
-              <a:buNone/>
-              <a:defRPr sz="1600" b="1"/>
+            <a:lvl9pPr marL="2743200" indent="0">
+              <a:buNone/>
+              <a:defRPr sz="1200" b="1"/>
             </a:lvl9pPr>
           </a:lstStyle>
           <a:p>
             <a:pPr lvl="0"/>
             <a:r>
-              <a:rPr lang="en-US" smtClean="0"/>
+              <a:rPr lang="en-US"/>
               <a:t>Click to edit Master text styles</a:t>
             </a:r>
           </a:p>
@@ -2143,76 +2010,75 @@
         </p:nvSpPr>
         <p:spPr>
           <a:xfrm>
-            <a:off x="457200" y="2174875"/>
-            <a:ext cx="4040188" cy="3951288"/>
+            <a:off x="457200" y="1631156"/>
+            <a:ext cx="4040188" cy="2963466"/>
           </a:xfrm>
         </p:spPr>
         <p:txBody>
           <a:bodyPr/>
           <a:lstStyle>
             <a:lvl1pPr>
-              <a:defRPr sz="2400"/>
+              <a:defRPr sz="1800"/>
             </a:lvl1pPr>
             <a:lvl2pPr>
-              <a:defRPr sz="2000"/>
+              <a:defRPr sz="1500"/>
             </a:lvl2pPr>
             <a:lvl3pPr>
-              <a:defRPr sz="1800"/>
+              <a:defRPr sz="1350"/>
             </a:lvl3pPr>
             <a:lvl4pPr>
-              <a:defRPr sz="1600"/>
+              <a:defRPr sz="1200"/>
             </a:lvl4pPr>
             <a:lvl5pPr>
-              <a:defRPr sz="1600"/>
+              <a:defRPr sz="1200"/>
             </a:lvl5pPr>
             <a:lvl6pPr>
-              <a:defRPr sz="1600"/>
+              <a:defRPr sz="1200"/>
             </a:lvl6pPr>
             <a:lvl7pPr>
-              <a:defRPr sz="1600"/>
+              <a:defRPr sz="1200"/>
             </a:lvl7pPr>
             <a:lvl8pPr>
-              <a:defRPr sz="1600"/>
+              <a:defRPr sz="1200"/>
             </a:lvl8pPr>
             <a:lvl9pPr>
-              <a:defRPr sz="1600"/>
+              <a:defRPr sz="1200"/>
             </a:lvl9pPr>
           </a:lstStyle>
           <a:p>
             <a:pPr lvl="0"/>
             <a:r>
-              <a:rPr lang="en-US" smtClean="0"/>
+              <a:rPr lang="en-US"/>
               <a:t>Click to edit Master text styles</a:t>
             </a:r>
           </a:p>
           <a:p>
             <a:pPr lvl="1"/>
             <a:r>
-              <a:rPr lang="en-US" smtClean="0"/>
+              <a:rPr lang="en-US"/>
               <a:t>Second level</a:t>
             </a:r>
           </a:p>
           <a:p>
             <a:pPr lvl="2"/>
             <a:r>
-              <a:rPr lang="en-US" smtClean="0"/>
+              <a:rPr lang="en-US"/>
               <a:t>Third level</a:t>
             </a:r>
           </a:p>
           <a:p>
             <a:pPr lvl="3"/>
             <a:r>
-              <a:rPr lang="en-US" smtClean="0"/>
+              <a:rPr lang="en-US"/>
               <a:t>Fourth level</a:t>
             </a:r>
           </a:p>
           <a:p>
             <a:pPr lvl="4"/>
             <a:r>
-              <a:rPr lang="en-US" smtClean="0"/>
+              <a:rPr lang="en-US"/>
               <a:t>Fifth level</a:t>
             </a:r>
-            <a:endParaRPr lang="en-US"/>
           </a:p>
         </p:txBody>
       </p:sp>
@@ -2228,8 +2094,8 @@
         </p:nvSpPr>
         <p:spPr>
           <a:xfrm>
-            <a:off x="4645025" y="1535113"/>
-            <a:ext cx="4041775" cy="639762"/>
+            <a:off x="4645026" y="1151335"/>
+            <a:ext cx="4041775" cy="479822"/>
           </a:xfrm>
         </p:spPr>
         <p:txBody>
@@ -2237,45 +2103,45 @@
           <a:lstStyle>
             <a:lvl1pPr marL="0" indent="0">
               <a:buNone/>
-              <a:defRPr sz="2400" b="1"/>
+              <a:defRPr sz="1800" b="1"/>
             </a:lvl1pPr>
-            <a:lvl2pPr marL="457200" indent="0">
-              <a:buNone/>
-              <a:defRPr sz="2000" b="1"/>
+            <a:lvl2pPr marL="342900" indent="0">
+              <a:buNone/>
+              <a:defRPr sz="1500" b="1"/>
             </a:lvl2pPr>
-            <a:lvl3pPr marL="914400" indent="0">
-              <a:buNone/>
-              <a:defRPr sz="1800" b="1"/>
+            <a:lvl3pPr marL="685800" indent="0">
+              <a:buNone/>
+              <a:defRPr sz="1350" b="1"/>
             </a:lvl3pPr>
-            <a:lvl4pPr marL="1371600" indent="0">
-              <a:buNone/>
-              <a:defRPr sz="1600" b="1"/>
+            <a:lvl4pPr marL="1028700" indent="0">
+              <a:buNone/>
+              <a:defRPr sz="1200" b="1"/>
             </a:lvl4pPr>
-            <a:lvl5pPr marL="1828800" indent="0">
-              <a:buNone/>
-              <a:defRPr sz="1600" b="1"/>
+            <a:lvl5pPr marL="1371600" indent="0">
+              <a:buNone/>
+              <a:defRPr sz="1200" b="1"/>
             </a:lvl5pPr>
-            <a:lvl6pPr marL="2286000" indent="0">
-              <a:buNone/>
-              <a:defRPr sz="1600" b="1"/>
+            <a:lvl6pPr marL="1714500" indent="0">
+              <a:buNone/>
+              <a:defRPr sz="1200" b="1"/>
             </a:lvl6pPr>
-            <a:lvl7pPr marL="2743200" indent="0">
-              <a:buNone/>
-              <a:defRPr sz="1600" b="1"/>
+            <a:lvl7pPr marL="2057400" indent="0">
+              <a:buNone/>
+              <a:defRPr sz="1200" b="1"/>
             </a:lvl7pPr>
-            <a:lvl8pPr marL="3200400" indent="0">
-              <a:buNone/>
-              <a:defRPr sz="1600" b="1"/>
+            <a:lvl8pPr marL="2400300" indent="0">
+              <a:buNone/>
+              <a:defRPr sz="1200" b="1"/>
             </a:lvl8pPr>
-            <a:lvl9pPr marL="3657600" indent="0">
-              <a:buNone/>
-              <a:defRPr sz="1600" b="1"/>
+            <a:lvl9pPr marL="2743200" indent="0">
+              <a:buNone/>
+              <a:defRPr sz="1200" b="1"/>
             </a:lvl9pPr>
           </a:lstStyle>
           <a:p>
             <a:pPr lvl="0"/>
             <a:r>
-              <a:rPr lang="en-US" smtClean="0"/>
+              <a:rPr lang="en-US"/>
               <a:t>Click to edit Master text styles</a:t>
             </a:r>
           </a:p>
@@ -2293,76 +2159,75 @@
         </p:nvSpPr>
         <p:spPr>
           <a:xfrm>
-            <a:off x="4645025" y="2174875"/>
-            <a:ext cx="4041775" cy="3951288"/>
+            <a:off x="4645026" y="1631156"/>
+            <a:ext cx="4041775" cy="2963466"/>
           </a:xfrm>
         </p:spPr>
         <p:txBody>
           <a:bodyPr/>
           <a:lstStyle>
             <a:lvl1pPr>
-              <a:defRPr sz="2400"/>
+              <a:defRPr sz="1800"/>
             </a:lvl1pPr>
             <a:lvl2pPr>
-              <a:defRPr sz="2000"/>
+              <a:defRPr sz="1500"/>
             </a:lvl2pPr>
             <a:lvl3pPr>
-              <a:defRPr sz="1800"/>
+              <a:defRPr sz="1350"/>
             </a:lvl3pPr>
             <a:lvl4pPr>
-              <a:defRPr sz="1600"/>
+              <a:defRPr sz="1200"/>
             </a:lvl4pPr>
             <a:lvl5pPr>
-              <a:defRPr sz="1600"/>
+              <a:defRPr sz="1200"/>
             </a:lvl5pPr>
             <a:lvl6pPr>
-              <a:defRPr sz="1600"/>
+              <a:defRPr sz="1200"/>
             </a:lvl6pPr>
             <a:lvl7pPr>
-              <a:defRPr sz="1600"/>
+              <a:defRPr sz="1200"/>
             </a:lvl7pPr>
             <a:lvl8pPr>
-              <a:defRPr sz="1600"/>
+              <a:defRPr sz="1200"/>
             </a:lvl8pPr>
             <a:lvl9pPr>
-              <a:defRPr sz="1600"/>
+              <a:defRPr sz="1200"/>
             </a:lvl9pPr>
           </a:lstStyle>
           <a:p>
             <a:pPr lvl="0"/>
             <a:r>
-              <a:rPr lang="en-US" smtClean="0"/>
+              <a:rPr lang="en-US"/>
               <a:t>Click to edit Master text styles</a:t>
             </a:r>
           </a:p>
           <a:p>
             <a:pPr lvl="1"/>
             <a:r>
-              <a:rPr lang="en-US" smtClean="0"/>
+              <a:rPr lang="en-US"/>
               <a:t>Second level</a:t>
             </a:r>
           </a:p>
           <a:p>
             <a:pPr lvl="2"/>
             <a:r>
-              <a:rPr lang="en-US" smtClean="0"/>
+              <a:rPr lang="en-US"/>
               <a:t>Third level</a:t>
             </a:r>
           </a:p>
           <a:p>
             <a:pPr lvl="3"/>
             <a:r>
-              <a:rPr lang="en-US" smtClean="0"/>
+              <a:rPr lang="en-US"/>
               <a:t>Fourth level</a:t>
             </a:r>
           </a:p>
           <a:p>
             <a:pPr lvl="4"/>
             <a:r>
-              <a:rPr lang="en-US" smtClean="0"/>
+              <a:rPr lang="en-US"/>
               <a:t>Fifth level</a:t>
             </a:r>
-            <a:endParaRPr lang="en-US"/>
           </a:p>
         </p:txBody>
       </p:sp>
@@ -2383,7 +2248,7 @@
           <a:p>
             <a:fld id="{241EB5C9-1307-BA42-ABA2-0BC069CD8E7F}" type="datetimeFigureOut">
               <a:rPr lang="en-US" smtClean="0"/>
-              <a:t>4/5/2019</a:t>
+              <a:t>1/2/22</a:t>
             </a:fld>
             <a:endParaRPr lang="en-US"/>
           </a:p>
@@ -2477,10 +2342,9 @@
           <a:lstStyle/>
           <a:p>
             <a:r>
-              <a:rPr lang="en-US" smtClean="0"/>
+              <a:rPr lang="en-US"/>
               <a:t>Click to edit Master title style</a:t>
             </a:r>
-            <a:endParaRPr lang="en-US"/>
           </a:p>
         </p:txBody>
       </p:sp>
@@ -2501,7 +2365,7 @@
           <a:p>
             <a:fld id="{241EB5C9-1307-BA42-ABA2-0BC069CD8E7F}" type="datetimeFigureOut">
               <a:rPr lang="en-US" smtClean="0"/>
-              <a:t>4/5/2019</a:t>
+              <a:t>1/2/22</a:t>
             </a:fld>
             <a:endParaRPr lang="en-US"/>
           </a:p>
@@ -2596,7 +2460,7 @@
           <a:p>
             <a:fld id="{241EB5C9-1307-BA42-ABA2-0BC069CD8E7F}" type="datetimeFigureOut">
               <a:rPr lang="en-US" smtClean="0"/>
-              <a:t>4/5/2019</a:t>
+              <a:t>1/2/22</a:t>
             </a:fld>
             <a:endParaRPr lang="en-US"/>
           </a:p>
@@ -2686,23 +2550,22 @@
         </p:nvSpPr>
         <p:spPr>
           <a:xfrm>
-            <a:off x="457200" y="273050"/>
-            <a:ext cx="3008313" cy="1162050"/>
+            <a:off x="457201" y="204787"/>
+            <a:ext cx="3008313" cy="871538"/>
           </a:xfrm>
         </p:spPr>
         <p:txBody>
           <a:bodyPr anchor="b"/>
           <a:lstStyle>
             <a:lvl1pPr algn="l">
-              <a:defRPr sz="2000" b="1"/>
+              <a:defRPr sz="1500" b="1"/>
             </a:lvl1pPr>
           </a:lstStyle>
           <a:p>
             <a:r>
-              <a:rPr lang="en-US" smtClean="0"/>
+              <a:rPr lang="en-US"/>
               <a:t>Click to edit Master title style</a:t>
             </a:r>
-            <a:endParaRPr lang="en-US"/>
           </a:p>
         </p:txBody>
       </p:sp>
@@ -2718,76 +2581,75 @@
         </p:nvSpPr>
         <p:spPr>
           <a:xfrm>
-            <a:off x="3575050" y="273050"/>
-            <a:ext cx="5111750" cy="5853113"/>
+            <a:off x="3575050" y="204788"/>
+            <a:ext cx="5111750" cy="4389835"/>
           </a:xfrm>
         </p:spPr>
         <p:txBody>
           <a:bodyPr/>
           <a:lstStyle>
             <a:lvl1pPr>
-              <a:defRPr sz="3200"/>
+              <a:defRPr sz="2400"/>
             </a:lvl1pPr>
             <a:lvl2pPr>
-              <a:defRPr sz="2800"/>
+              <a:defRPr sz="2100"/>
             </a:lvl2pPr>
             <a:lvl3pPr>
-              <a:defRPr sz="2400"/>
+              <a:defRPr sz="1800"/>
             </a:lvl3pPr>
             <a:lvl4pPr>
-              <a:defRPr sz="2000"/>
+              <a:defRPr sz="1500"/>
             </a:lvl4pPr>
             <a:lvl5pPr>
-              <a:defRPr sz="2000"/>
+              <a:defRPr sz="1500"/>
             </a:lvl5pPr>
             <a:lvl6pPr>
-              <a:defRPr sz="2000"/>
+              <a:defRPr sz="1500"/>
             </a:lvl6pPr>
             <a:lvl7pPr>
-              <a:defRPr sz="2000"/>
+              <a:defRPr sz="1500"/>
             </a:lvl7pPr>
             <a:lvl8pPr>
-              <a:defRPr sz="2000"/>
+              <a:defRPr sz="1500"/>
             </a:lvl8pPr>
             <a:lvl9pPr>
-              <a:defRPr sz="2000"/>
+              <a:defRPr sz="1500"/>
             </a:lvl9pPr>
           </a:lstStyle>
           <a:p>
             <a:pPr lvl="0"/>
             <a:r>
-              <a:rPr lang="en-US" smtClean="0"/>
+              <a:rPr lang="en-US"/>
               <a:t>Click to edit Master text styles</a:t>
             </a:r>
           </a:p>
           <a:p>
             <a:pPr lvl="1"/>
             <a:r>
-              <a:rPr lang="en-US" smtClean="0"/>
+              <a:rPr lang="en-US"/>
               <a:t>Second level</a:t>
             </a:r>
           </a:p>
           <a:p>
             <a:pPr lvl="2"/>
             <a:r>
-              <a:rPr lang="en-US" smtClean="0"/>
+              <a:rPr lang="en-US"/>
               <a:t>Third level</a:t>
             </a:r>
           </a:p>
           <a:p>
             <a:pPr lvl="3"/>
             <a:r>
-              <a:rPr lang="en-US" smtClean="0"/>
+              <a:rPr lang="en-US"/>
               <a:t>Fourth level</a:t>
             </a:r>
           </a:p>
           <a:p>
             <a:pPr lvl="4"/>
             <a:r>
-              <a:rPr lang="en-US" smtClean="0"/>
+              <a:rPr lang="en-US"/>
               <a:t>Fifth level</a:t>
             </a:r>
-            <a:endParaRPr lang="en-US"/>
           </a:p>
         </p:txBody>
       </p:sp>
@@ -2803,8 +2665,8 @@
         </p:nvSpPr>
         <p:spPr>
           <a:xfrm>
-            <a:off x="457200" y="1435100"/>
-            <a:ext cx="3008313" cy="4691063"/>
+            <a:off x="457201" y="1076326"/>
+            <a:ext cx="3008313" cy="3518297"/>
           </a:xfrm>
         </p:spPr>
         <p:txBody>
@@ -2812,45 +2674,45 @@
           <a:lstStyle>
             <a:lvl1pPr marL="0" indent="0">
               <a:buNone/>
-              <a:defRPr sz="1400"/>
+              <a:defRPr sz="1050"/>
             </a:lvl1pPr>
-            <a:lvl2pPr marL="457200" indent="0">
-              <a:buNone/>
-              <a:defRPr sz="1200"/>
+            <a:lvl2pPr marL="342900" indent="0">
+              <a:buNone/>
+              <a:defRPr sz="900"/>
             </a:lvl2pPr>
-            <a:lvl3pPr marL="914400" indent="0">
-              <a:buNone/>
-              <a:defRPr sz="1000"/>
+            <a:lvl3pPr marL="685800" indent="0">
+              <a:buNone/>
+              <a:defRPr sz="750"/>
             </a:lvl3pPr>
-            <a:lvl4pPr marL="1371600" indent="0">
-              <a:buNone/>
-              <a:defRPr sz="900"/>
+            <a:lvl4pPr marL="1028700" indent="0">
+              <a:buNone/>
+              <a:defRPr sz="675"/>
             </a:lvl4pPr>
-            <a:lvl5pPr marL="1828800" indent="0">
-              <a:buNone/>
-              <a:defRPr sz="900"/>
+            <a:lvl5pPr marL="1371600" indent="0">
+              <a:buNone/>
+              <a:defRPr sz="675"/>
             </a:lvl5pPr>
-            <a:lvl6pPr marL="2286000" indent="0">
-              <a:buNone/>
-              <a:defRPr sz="900"/>
+            <a:lvl6pPr marL="1714500" indent="0">
+              <a:buNone/>
+              <a:defRPr sz="675"/>
             </a:lvl6pPr>
-            <a:lvl7pPr marL="2743200" indent="0">
-              <a:buNone/>
-              <a:defRPr sz="900"/>
+            <a:lvl7pPr marL="2057400" indent="0">
+              <a:buNone/>
+              <a:defRPr sz="675"/>
             </a:lvl7pPr>
-            <a:lvl8pPr marL="3200400" indent="0">
-              <a:buNone/>
-              <a:defRPr sz="900"/>
+            <a:lvl8pPr marL="2400300" indent="0">
+              <a:buNone/>
+              <a:defRPr sz="675"/>
             </a:lvl8pPr>
-            <a:lvl9pPr marL="3657600" indent="0">
-              <a:buNone/>
-              <a:defRPr sz="900"/>
+            <a:lvl9pPr marL="2743200" indent="0">
+              <a:buNone/>
+              <a:defRPr sz="675"/>
             </a:lvl9pPr>
           </a:lstStyle>
           <a:p>
             <a:pPr lvl="0"/>
             <a:r>
-              <a:rPr lang="en-US" smtClean="0"/>
+              <a:rPr lang="en-US"/>
               <a:t>Click to edit Master text styles</a:t>
             </a:r>
           </a:p>
@@ -2873,7 +2735,7 @@
           <a:p>
             <a:fld id="{241EB5C9-1307-BA42-ABA2-0BC069CD8E7F}" type="datetimeFigureOut">
               <a:rPr lang="en-US" smtClean="0"/>
-              <a:t>4/5/2019</a:t>
+              <a:t>1/2/22</a:t>
             </a:fld>
             <a:endParaRPr lang="en-US"/>
           </a:p>
@@ -2963,23 +2825,22 @@
         </p:nvSpPr>
         <p:spPr>
           <a:xfrm>
-            <a:off x="1792288" y="4800600"/>
-            <a:ext cx="5486400" cy="566738"/>
+            <a:off x="1792288" y="3600450"/>
+            <a:ext cx="5486400" cy="425054"/>
           </a:xfrm>
         </p:spPr>
         <p:txBody>
           <a:bodyPr anchor="b"/>
           <a:lstStyle>
             <a:lvl1pPr algn="l">
-              <a:defRPr sz="2000" b="1"/>
+              <a:defRPr sz="1500" b="1"/>
             </a:lvl1pPr>
           </a:lstStyle>
           <a:p>
             <a:r>
-              <a:rPr lang="en-US" smtClean="0"/>
+              <a:rPr lang="en-US"/>
               <a:t>Click to edit Master title style</a:t>
             </a:r>
-            <a:endParaRPr lang="en-US"/>
           </a:p>
         </p:txBody>
       </p:sp>
@@ -2995,8 +2856,8 @@
         </p:nvSpPr>
         <p:spPr>
           <a:xfrm>
-            <a:off x="1792288" y="612775"/>
-            <a:ext cx="5486400" cy="4114800"/>
+            <a:off x="1792288" y="459581"/>
+            <a:ext cx="5486400" cy="3086100"/>
           </a:xfrm>
         </p:spPr>
         <p:txBody>
@@ -3004,39 +2865,39 @@
           <a:lstStyle>
             <a:lvl1pPr marL="0" indent="0">
               <a:buNone/>
-              <a:defRPr sz="3200"/>
+              <a:defRPr sz="2400"/>
             </a:lvl1pPr>
-            <a:lvl2pPr marL="457200" indent="0">
-              <a:buNone/>
-              <a:defRPr sz="2800"/>
+            <a:lvl2pPr marL="342900" indent="0">
+              <a:buNone/>
+              <a:defRPr sz="2100"/>
             </a:lvl2pPr>
-            <a:lvl3pPr marL="914400" indent="0">
-              <a:buNone/>
-              <a:defRPr sz="2400"/>
+            <a:lvl3pPr marL="685800" indent="0">
+              <a:buNone/>
+              <a:defRPr sz="1800"/>
             </a:lvl3pPr>
-            <a:lvl4pPr marL="1371600" indent="0">
-              <a:buNone/>
-              <a:defRPr sz="2000"/>
+            <a:lvl4pPr marL="1028700" indent="0">
+              <a:buNone/>
+              <a:defRPr sz="1500"/>
             </a:lvl4pPr>
-            <a:lvl5pPr marL="1828800" indent="0">
-              <a:buNone/>
-              <a:defRPr sz="2000"/>
+            <a:lvl5pPr marL="1371600" indent="0">
+              <a:buNone/>
+              <a:defRPr sz="1500"/>
             </a:lvl5pPr>
-            <a:lvl6pPr marL="2286000" indent="0">
-              <a:buNone/>
-              <a:defRPr sz="2000"/>
+            <a:lvl6pPr marL="1714500" indent="0">
+              <a:buNone/>
+              <a:defRPr sz="1500"/>
             </a:lvl6pPr>
-            <a:lvl7pPr marL="2743200" indent="0">
-              <a:buNone/>
-              <a:defRPr sz="2000"/>
+            <a:lvl7pPr marL="2057400" indent="0">
+              <a:buNone/>
+              <a:defRPr sz="1500"/>
             </a:lvl7pPr>
-            <a:lvl8pPr marL="3200400" indent="0">
-              <a:buNone/>
-              <a:defRPr sz="2000"/>
+            <a:lvl8pPr marL="2400300" indent="0">
+              <a:buNone/>
+              <a:defRPr sz="1500"/>
             </a:lvl8pPr>
-            <a:lvl9pPr marL="3657600" indent="0">
-              <a:buNone/>
-              <a:defRPr sz="2000"/>
+            <a:lvl9pPr marL="2743200" indent="0">
+              <a:buNone/>
+              <a:defRPr sz="1500"/>
             </a:lvl9pPr>
           </a:lstStyle>
           <a:p>
@@ -3056,8 +2917,8 @@
         </p:nvSpPr>
         <p:spPr>
           <a:xfrm>
-            <a:off x="1792288" y="5367338"/>
-            <a:ext cx="5486400" cy="804862"/>
+            <a:off x="1792288" y="4025503"/>
+            <a:ext cx="5486400" cy="603647"/>
           </a:xfrm>
         </p:spPr>
         <p:txBody>
@@ -3065,45 +2926,45 @@
           <a:lstStyle>
             <a:lvl1pPr marL="0" indent="0">
               <a:buNone/>
-              <a:defRPr sz="1400"/>
+              <a:defRPr sz="1050"/>
             </a:lvl1pPr>
-            <a:lvl2pPr marL="457200" indent="0">
-              <a:buNone/>
-              <a:defRPr sz="1200"/>
+            <a:lvl2pPr marL="342900" indent="0">
+              <a:buNone/>
+              <a:defRPr sz="900"/>
             </a:lvl2pPr>
-            <a:lvl3pPr marL="914400" indent="0">
-              <a:buNone/>
-              <a:defRPr sz="1000"/>
+            <a:lvl3pPr marL="685800" indent="0">
+              <a:buNone/>
+              <a:defRPr sz="750"/>
             </a:lvl3pPr>
-            <a:lvl4pPr marL="1371600" indent="0">
-              <a:buNone/>
-              <a:defRPr sz="900"/>
+            <a:lvl4pPr marL="1028700" indent="0">
+              <a:buNone/>
+              <a:defRPr sz="675"/>
             </a:lvl4pPr>
-            <a:lvl5pPr marL="1828800" indent="0">
-              <a:buNone/>
-              <a:defRPr sz="900"/>
+            <a:lvl5pPr marL="1371600" indent="0">
+              <a:buNone/>
+              <a:defRPr sz="675"/>
             </a:lvl5pPr>
-            <a:lvl6pPr marL="2286000" indent="0">
-              <a:buNone/>
-              <a:defRPr sz="900"/>
+            <a:lvl6pPr marL="1714500" indent="0">
+              <a:buNone/>
+              <a:defRPr sz="675"/>
             </a:lvl6pPr>
-            <a:lvl7pPr marL="2743200" indent="0">
-              <a:buNone/>
-              <a:defRPr sz="900"/>
+            <a:lvl7pPr marL="2057400" indent="0">
+              <a:buNone/>
+              <a:defRPr sz="675"/>
             </a:lvl7pPr>
-            <a:lvl8pPr marL="3200400" indent="0">
-              <a:buNone/>
-              <a:defRPr sz="900"/>
+            <a:lvl8pPr marL="2400300" indent="0">
+              <a:buNone/>
+              <a:defRPr sz="675"/>
             </a:lvl8pPr>
-            <a:lvl9pPr marL="3657600" indent="0">
-              <a:buNone/>
-              <a:defRPr sz="900"/>
+            <a:lvl9pPr marL="2743200" indent="0">
+              <a:buNone/>
+              <a:defRPr sz="675"/>
             </a:lvl9pPr>
           </a:lstStyle>
           <a:p>
             <a:pPr lvl="0"/>
             <a:r>
-              <a:rPr lang="en-US" smtClean="0"/>
+              <a:rPr lang="en-US"/>
               <a:t>Click to edit Master text styles</a:t>
             </a:r>
           </a:p>
@@ -3126,7 +2987,7 @@
           <a:p>
             <a:fld id="{241EB5C9-1307-BA42-ABA2-0BC069CD8E7F}" type="datetimeFigureOut">
               <a:rPr lang="en-US" smtClean="0"/>
-              <a:t>4/5/2019</a:t>
+              <a:t>1/2/22</a:t>
             </a:fld>
             <a:endParaRPr lang="en-US"/>
           </a:p>
@@ -3188,7 +3049,7 @@
 </file>
 
 <file path=ppt/slideMasters/slideMaster1.xml><?xml version="1.0" encoding="utf-8"?>
-<p:sldMaster xmlns:a="http://schemas.openxmlformats.org/drawingml/2006/main" xmlns:r="http://schemas.openxmlformats.org/officeDocument/2006/relationships" xmlns:p="http://schemas.openxmlformats.org/presentationml/2006/main">
+<p:sldMaster xmlns:a="http://schemas.openxmlformats.org/drawingml/2006/main" xmlns:p="http://schemas.openxmlformats.org/presentationml/2006/main" xmlns:r="http://schemas.openxmlformats.org/officeDocument/2006/relationships">
   <p:cSld>
     <p:bg>
       <p:bgRef idx="1001">
@@ -3221,24 +3082,23 @@
         </p:nvSpPr>
         <p:spPr>
           <a:xfrm>
-            <a:off x="457200" y="274638"/>
-            <a:ext cx="8229600" cy="1143000"/>
+            <a:off x="457200" y="205979"/>
+            <a:ext cx="8229600" cy="857250"/>
           </a:xfrm>
           <a:prstGeom prst="rect">
             <a:avLst/>
           </a:prstGeom>
         </p:spPr>
         <p:txBody>
-          <a:bodyPr vert="horz" lIns="91440" tIns="45720" rIns="91440" bIns="45720" rtlCol="0" anchor="ctr">
+          <a:bodyPr anchor="ctr" bIns="45720" lIns="91440" rIns="91440" rtlCol="0" tIns="45720" vert="horz">
             <a:normAutofit/>
           </a:bodyPr>
           <a:lstStyle/>
           <a:p>
             <a:r>
-              <a:rPr lang="en-US" smtClean="0"/>
+              <a:rPr lang="en-US"/>
               <a:t>Click to edit Master title style</a:t>
             </a:r>
-            <a:endParaRPr lang="en-US"/>
           </a:p>
         </p:txBody>
       </p:sp>
@@ -3249,58 +3109,57 @@
             <a:spLocks noGrp="1"/>
           </p:cNvSpPr>
           <p:nvPr>
-            <p:ph type="body" idx="1"/>
+            <p:ph idx="1" type="body"/>
           </p:nvPr>
         </p:nvSpPr>
         <p:spPr>
           <a:xfrm>
-            <a:off x="457200" y="1600200"/>
-            <a:ext cx="8229600" cy="4525963"/>
+            <a:off x="457200" y="1200151"/>
+            <a:ext cx="8229600" cy="3394472"/>
           </a:xfrm>
           <a:prstGeom prst="rect">
             <a:avLst/>
           </a:prstGeom>
         </p:spPr>
         <p:txBody>
-          <a:bodyPr vert="horz" lIns="91440" tIns="45720" rIns="91440" bIns="45720" rtlCol="0">
+          <a:bodyPr bIns="45720" lIns="91440" rIns="91440" rtlCol="0" tIns="45720" vert="horz">
             <a:normAutofit/>
           </a:bodyPr>
           <a:lstStyle/>
           <a:p>
             <a:pPr lvl="0"/>
             <a:r>
-              <a:rPr lang="en-US" smtClean="0"/>
+              <a:rPr lang="en-US"/>
               <a:t>Click to edit Master text styles</a:t>
             </a:r>
           </a:p>
           <a:p>
             <a:pPr lvl="1"/>
             <a:r>
-              <a:rPr lang="en-US" smtClean="0"/>
+              <a:rPr lang="en-US"/>
               <a:t>Second level</a:t>
             </a:r>
           </a:p>
           <a:p>
             <a:pPr lvl="2"/>
             <a:r>
-              <a:rPr lang="en-US" smtClean="0"/>
+              <a:rPr lang="en-US"/>
               <a:t>Third level</a:t>
             </a:r>
           </a:p>
           <a:p>
             <a:pPr lvl="3"/>
             <a:r>
-              <a:rPr lang="en-US" smtClean="0"/>
+              <a:rPr lang="en-US"/>
               <a:t>Fourth level</a:t>
             </a:r>
           </a:p>
           <a:p>
             <a:pPr lvl="4"/>
             <a:r>
-              <a:rPr lang="en-US" smtClean="0"/>
+              <a:rPr lang="en-US"/>
               <a:t>Fifth level</a:t>
             </a:r>
-            <a:endParaRPr lang="en-US"/>
           </a:p>
         </p:txBody>
       </p:sp>
@@ -3311,23 +3170,23 @@
             <a:spLocks noGrp="1"/>
           </p:cNvSpPr>
           <p:nvPr>
-            <p:ph type="dt" sz="half" idx="2"/>
+            <p:ph idx="2" sz="half" type="dt"/>
           </p:nvPr>
         </p:nvSpPr>
         <p:spPr>
           <a:xfrm>
-            <a:off x="457200" y="6356350"/>
-            <a:ext cx="2133600" cy="365125"/>
+            <a:off x="457200" y="4767263"/>
+            <a:ext cx="2133600" cy="273844"/>
           </a:xfrm>
           <a:prstGeom prst="rect">
             <a:avLst/>
           </a:prstGeom>
         </p:spPr>
         <p:txBody>
-          <a:bodyPr vert="horz" lIns="91440" tIns="45720" rIns="91440" bIns="45720" rtlCol="0" anchor="ctr"/>
+          <a:bodyPr anchor="ctr" bIns="45720" lIns="91440" rIns="91440" rtlCol="0" tIns="45720" vert="horz"/>
           <a:lstStyle>
             <a:lvl1pPr algn="l">
-              <a:defRPr sz="1200">
+              <a:defRPr sz="900">
                 <a:solidFill>
                   <a:schemeClr val="tx1">
                     <a:tint val="75000"/>
@@ -3339,7 +3198,7 @@
           <a:p>
             <a:fld id="{241EB5C9-1307-BA42-ABA2-0BC069CD8E7F}" type="datetimeFigureOut">
               <a:rPr lang="en-US" smtClean="0"/>
-              <a:t>4/5/2019</a:t>
+              <a:t>1/2/22</a:t>
             </a:fld>
             <a:endParaRPr lang="en-US"/>
           </a:p>
@@ -3352,23 +3211,23 @@
             <a:spLocks noGrp="1"/>
           </p:cNvSpPr>
           <p:nvPr>
-            <p:ph type="ftr" sz="quarter" idx="3"/>
+            <p:ph idx="3" sz="quarter" type="ftr"/>
           </p:nvPr>
         </p:nvSpPr>
         <p:spPr>
           <a:xfrm>
-            <a:off x="3124200" y="6356350"/>
-            <a:ext cx="2895600" cy="365125"/>
+            <a:off x="3124200" y="4767263"/>
+            <a:ext cx="2895600" cy="273844"/>
           </a:xfrm>
           <a:prstGeom prst="rect">
             <a:avLst/>
           </a:prstGeom>
         </p:spPr>
         <p:txBody>
-          <a:bodyPr vert="horz" lIns="91440" tIns="45720" rIns="91440" bIns="45720" rtlCol="0" anchor="ctr"/>
+          <a:bodyPr anchor="ctr" bIns="45720" lIns="91440" rIns="91440" rtlCol="0" tIns="45720" vert="horz"/>
           <a:lstStyle>
             <a:lvl1pPr algn="ctr">
-              <a:defRPr sz="1200">
+              <a:defRPr sz="900">
                 <a:solidFill>
                   <a:schemeClr val="tx1">
                     <a:tint val="75000"/>
@@ -3389,23 +3248,23 @@
             <a:spLocks noGrp="1"/>
           </p:cNvSpPr>
           <p:nvPr>
-            <p:ph type="sldNum" sz="quarter" idx="4"/>
+            <p:ph idx="4" sz="quarter" type="sldNum"/>
           </p:nvPr>
         </p:nvSpPr>
         <p:spPr>
           <a:xfrm>
-            <a:off x="6553200" y="6356350"/>
-            <a:ext cx="2133600" cy="365125"/>
+            <a:off x="6553200" y="4767263"/>
+            <a:ext cx="2133600" cy="273844"/>
           </a:xfrm>
           <a:prstGeom prst="rect">
             <a:avLst/>
           </a:prstGeom>
         </p:spPr>
         <p:txBody>
-          <a:bodyPr vert="horz" lIns="91440" tIns="45720" rIns="91440" bIns="45720" rtlCol="0" anchor="ctr"/>
+          <a:bodyPr anchor="ctr" bIns="45720" lIns="91440" rIns="91440" rtlCol="0" tIns="45720" vert="horz"/>
           <a:lstStyle>
             <a:lvl1pPr algn="r">
-              <a:defRPr sz="1200">
+              <a:defRPr sz="900">
                 <a:solidFill>
                   <a:schemeClr val="tx1">
                     <a:tint val="75000"/>
@@ -3430,7 +3289,7 @@
       </p:ext>
     </p:extLst>
   </p:cSld>
-  <p:clrMap bg1="lt1" tx1="dk1" bg2="lt2" tx2="dk2" accent1="accent1" accent2="accent2" accent3="accent3" accent4="accent4" accent5="accent5" accent6="accent6" hlink="hlink" folHlink="folHlink"/>
+  <p:clrMap accent1="accent1" accent2="accent2" accent3="accent3" accent4="accent4" accent5="accent5" accent6="accent6" bg1="lt1" bg2="lt2" folHlink="folHlink" hlink="hlink" tx1="dk1" tx2="dk2"/>
   <p:sldLayoutIdLst>
     <p:sldLayoutId id="2147483649" r:id="rId1"/>
     <p:sldLayoutId id="2147483650" r:id="rId2"/>
@@ -3446,12 +3305,12 @@
   </p:sldLayoutIdLst>
   <p:txStyles>
     <p:titleStyle>
-      <a:lvl1pPr algn="ctr" defTabSz="457200" rtl="0" eaLnBrk="1" latinLnBrk="0" hangingPunct="1">
+      <a:lvl1pPr algn="ctr" defTabSz="342900" eaLnBrk="1" hangingPunct="1" latinLnBrk="0" rtl="0">
         <a:spcBef>
           <a:spcPct val="0"/>
         </a:spcBef>
         <a:buNone/>
-        <a:defRPr sz="4400" kern="1200">
+        <a:defRPr kern="1200" sz="3300">
           <a:solidFill>
             <a:schemeClr val="tx1"/>
           </a:solidFill>
@@ -3462,13 +3321,13 @@
       </a:lvl1pPr>
     </p:titleStyle>
     <p:bodyStyle>
-      <a:lvl1pPr marL="342900" indent="-342900" algn="l" defTabSz="457200" rtl="0" eaLnBrk="1" latinLnBrk="0" hangingPunct="1">
+      <a:lvl1pPr algn="l" defTabSz="342900" eaLnBrk="1" hangingPunct="1" indent="-342900" latinLnBrk="0" marL="342900" rtl="0">
         <a:spcBef>
           <a:spcPct val="20000"/>
         </a:spcBef>
         <a:buFont typeface="Arial"/>
         <a:buChar char="•"/>
-        <a:defRPr sz="3200" kern="1200">
+        <a:defRPr kern="1200" sz="2400">
           <a:solidFill>
             <a:schemeClr val="tx1"/>
           </a:solidFill>
@@ -3477,13 +3336,13 @@
           <a:cs typeface="+mn-cs"/>
         </a:defRPr>
       </a:lvl1pPr>
-      <a:lvl2pPr marL="742950" indent="-285750" algn="l" defTabSz="457200" rtl="0" eaLnBrk="1" latinLnBrk="0" hangingPunct="1">
+      <a:lvl2pPr algn="l" defTabSz="342900" eaLnBrk="1" hangingPunct="1" indent="-342900" latinLnBrk="0" marL="685800" rtl="0">
         <a:spcBef>
           <a:spcPct val="20000"/>
         </a:spcBef>
         <a:buFont typeface="Arial"/>
         <a:buChar char="–"/>
-        <a:defRPr sz="2800" kern="1200">
+        <a:defRPr kern="1200" sz="2100">
           <a:solidFill>
             <a:schemeClr val="tx1"/>
           </a:solidFill>
@@ -3492,13 +3351,13 @@
           <a:cs typeface="+mn-cs"/>
         </a:defRPr>
       </a:lvl2pPr>
-      <a:lvl3pPr marL="1143000" indent="-228600" algn="l" defTabSz="457200" rtl="0" eaLnBrk="1" latinLnBrk="0" hangingPunct="1">
+      <a:lvl3pPr algn="l" defTabSz="342900" eaLnBrk="1" hangingPunct="1" indent="-342900" latinLnBrk="0" marL="1028700" rtl="0">
         <a:spcBef>
           <a:spcPct val="20000"/>
         </a:spcBef>
         <a:buFont typeface="Arial"/>
         <a:buChar char="•"/>
-        <a:defRPr sz="2400" kern="1200">
+        <a:defRPr kern="1200" sz="1800">
           <a:solidFill>
             <a:schemeClr val="tx1"/>
           </a:solidFill>
@@ -3507,13 +3366,13 @@
           <a:cs typeface="+mn-cs"/>
         </a:defRPr>
       </a:lvl3pPr>
-      <a:lvl4pPr marL="1600200" indent="-228600" algn="l" defTabSz="457200" rtl="0" eaLnBrk="1" latinLnBrk="0" hangingPunct="1">
+      <a:lvl4pPr algn="l" defTabSz="342900" eaLnBrk="1" hangingPunct="1" indent="-342900" latinLnBrk="0" marL="1371600" rtl="0">
         <a:spcBef>
           <a:spcPct val="20000"/>
         </a:spcBef>
         <a:buFont typeface="Arial"/>
         <a:buChar char="–"/>
-        <a:defRPr sz="2000" kern="1200">
+        <a:defRPr kern="1200" sz="1500">
           <a:solidFill>
             <a:schemeClr val="tx1"/>
           </a:solidFill>
@@ -3522,13 +3381,13 @@
           <a:cs typeface="+mn-cs"/>
         </a:defRPr>
       </a:lvl4pPr>
-      <a:lvl5pPr marL="2057400" indent="-228600" algn="l" defTabSz="457200" rtl="0" eaLnBrk="1" latinLnBrk="0" hangingPunct="1">
+      <a:lvl5pPr algn="l" defTabSz="342900" eaLnBrk="1" hangingPunct="1" indent="-342900" latinLnBrk="0" marL="1714500" rtl="0">
         <a:spcBef>
           <a:spcPct val="20000"/>
         </a:spcBef>
         <a:buFont typeface="Arial"/>
         <a:buChar char="»"/>
-        <a:defRPr sz="2000" kern="1200">
+        <a:defRPr kern="1200" sz="1500">
           <a:solidFill>
             <a:schemeClr val="tx1"/>
           </a:solidFill>
@@ -3537,13 +3396,13 @@
           <a:cs typeface="+mn-cs"/>
         </a:defRPr>
       </a:lvl5pPr>
-      <a:lvl6pPr marL="2514600" indent="-228600" algn="l" defTabSz="457200" rtl="0" eaLnBrk="1" latinLnBrk="0" hangingPunct="1">
+      <a:lvl6pPr algn="l" defTabSz="342900" eaLnBrk="1" hangingPunct="1" indent="-342900" latinLnBrk="0" marL="2057400" rtl="0">
         <a:spcBef>
           <a:spcPct val="20000"/>
         </a:spcBef>
         <a:buFont typeface="Arial"/>
         <a:buChar char="•"/>
-        <a:defRPr sz="2000" kern="1200">
+        <a:defRPr kern="1200" sz="1500">
           <a:solidFill>
             <a:schemeClr val="tx1"/>
           </a:solidFill>
@@ -3552,13 +3411,13 @@
           <a:cs typeface="+mn-cs"/>
         </a:defRPr>
       </a:lvl6pPr>
-      <a:lvl7pPr marL="2971800" indent="-228600" algn="l" defTabSz="457200" rtl="0" eaLnBrk="1" latinLnBrk="0" hangingPunct="1">
+      <a:lvl7pPr algn="l" defTabSz="342900" eaLnBrk="1" hangingPunct="1" indent="-342900" latinLnBrk="0" marL="2400300" rtl="0">
         <a:spcBef>
           <a:spcPct val="20000"/>
         </a:spcBef>
         <a:buFont typeface="Arial"/>
         <a:buChar char="•"/>
-        <a:defRPr sz="2000" kern="1200">
+        <a:defRPr kern="1200" sz="1500">
           <a:solidFill>
             <a:schemeClr val="tx1"/>
           </a:solidFill>
@@ -3567,13 +3426,13 @@
           <a:cs typeface="+mn-cs"/>
         </a:defRPr>
       </a:lvl7pPr>
-      <a:lvl8pPr marL="3429000" indent="-228600" algn="l" defTabSz="457200" rtl="0" eaLnBrk="1" latinLnBrk="0" hangingPunct="1">
+      <a:lvl8pPr algn="l" defTabSz="342900" eaLnBrk="1" hangingPunct="1" indent="-342900" latinLnBrk="0" marL="2743200" rtl="0">
         <a:spcBef>
           <a:spcPct val="20000"/>
         </a:spcBef>
         <a:buFont typeface="Arial"/>
         <a:buChar char="•"/>
-        <a:defRPr sz="2000" kern="1200">
+        <a:defRPr kern="1200" sz="1500">
           <a:solidFill>
             <a:schemeClr val="tx1"/>
           </a:solidFill>
@@ -3582,13 +3441,13 @@
           <a:cs typeface="+mn-cs"/>
         </a:defRPr>
       </a:lvl8pPr>
-      <a:lvl9pPr marL="3886200" indent="-228600" algn="l" defTabSz="457200" rtl="0" eaLnBrk="1" latinLnBrk="0" hangingPunct="1">
+      <a:lvl9pPr algn="l" defTabSz="342900" eaLnBrk="1" hangingPunct="1" indent="-342900" latinLnBrk="0" marL="3086100" rtl="0">
         <a:spcBef>
           <a:spcPct val="20000"/>
         </a:spcBef>
         <a:buFont typeface="Arial"/>
         <a:buChar char="•"/>
-        <a:defRPr sz="2000" kern="1200">
+        <a:defRPr kern="1200" sz="1500">
           <a:solidFill>
             <a:schemeClr val="tx1"/>
           </a:solidFill>
@@ -3602,8 +3461,8 @@
       <a:defPPr>
         <a:defRPr lang="en-US"/>
       </a:defPPr>
-      <a:lvl1pPr marL="0" algn="l" defTabSz="457200" rtl="0" eaLnBrk="1" latinLnBrk="0" hangingPunct="1">
-        <a:defRPr sz="1800" kern="1200">
+      <a:lvl1pPr algn="l" defTabSz="342900" eaLnBrk="1" hangingPunct="1" latinLnBrk="0" marL="0" rtl="0">
+        <a:defRPr kern="1200" sz="1350">
           <a:solidFill>
             <a:schemeClr val="tx1"/>
           </a:solidFill>
@@ -3612,8 +3471,8 @@
           <a:cs typeface="+mn-cs"/>
         </a:defRPr>
       </a:lvl1pPr>
-      <a:lvl2pPr marL="457200" algn="l" defTabSz="457200" rtl="0" eaLnBrk="1" latinLnBrk="0" hangingPunct="1">
-        <a:defRPr sz="1800" kern="1200">
+      <a:lvl2pPr algn="l" defTabSz="342900" eaLnBrk="1" hangingPunct="1" latinLnBrk="0" marL="342900" rtl="0">
+        <a:defRPr kern="1200" sz="1350">
           <a:solidFill>
             <a:schemeClr val="tx1"/>
           </a:solidFill>
@@ -3622,8 +3481,8 @@
           <a:cs typeface="+mn-cs"/>
         </a:defRPr>
       </a:lvl2pPr>
-      <a:lvl3pPr marL="914400" algn="l" defTabSz="457200" rtl="0" eaLnBrk="1" latinLnBrk="0" hangingPunct="1">
-        <a:defRPr sz="1800" kern="1200">
+      <a:lvl3pPr algn="l" defTabSz="342900" eaLnBrk="1" hangingPunct="1" latinLnBrk="0" marL="685800" rtl="0">
+        <a:defRPr kern="1200" sz="1350">
           <a:solidFill>
             <a:schemeClr val="tx1"/>
           </a:solidFill>
@@ -3632,8 +3491,8 @@
           <a:cs typeface="+mn-cs"/>
         </a:defRPr>
       </a:lvl3pPr>
-      <a:lvl4pPr marL="1371600" algn="l" defTabSz="457200" rtl="0" eaLnBrk="1" latinLnBrk="0" hangingPunct="1">
-        <a:defRPr sz="1800" kern="1200">
+      <a:lvl4pPr algn="l" defTabSz="342900" eaLnBrk="1" hangingPunct="1" latinLnBrk="0" marL="1028700" rtl="0">
+        <a:defRPr kern="1200" sz="1350">
           <a:solidFill>
             <a:schemeClr val="tx1"/>
           </a:solidFill>
@@ -3642,8 +3501,8 @@
           <a:cs typeface="+mn-cs"/>
         </a:defRPr>
       </a:lvl4pPr>
-      <a:lvl5pPr marL="1828800" algn="l" defTabSz="457200" rtl="0" eaLnBrk="1" latinLnBrk="0" hangingPunct="1">
-        <a:defRPr sz="1800" kern="1200">
+      <a:lvl5pPr algn="l" defTabSz="342900" eaLnBrk="1" hangingPunct="1" latinLnBrk="0" marL="1371600" rtl="0">
+        <a:defRPr kern="1200" sz="1350">
           <a:solidFill>
             <a:schemeClr val="tx1"/>
           </a:solidFill>
@@ -3652,8 +3511,8 @@
           <a:cs typeface="+mn-cs"/>
         </a:defRPr>
       </a:lvl5pPr>
-      <a:lvl6pPr marL="2286000" algn="l" defTabSz="457200" rtl="0" eaLnBrk="1" latinLnBrk="0" hangingPunct="1">
-        <a:defRPr sz="1800" kern="1200">
+      <a:lvl6pPr algn="l" defTabSz="342900" eaLnBrk="1" hangingPunct="1" latinLnBrk="0" marL="1714500" rtl="0">
+        <a:defRPr kern="1200" sz="1350">
           <a:solidFill>
             <a:schemeClr val="tx1"/>
           </a:solidFill>
@@ -3662,8 +3521,8 @@
           <a:cs typeface="+mn-cs"/>
         </a:defRPr>
       </a:lvl6pPr>
-      <a:lvl7pPr marL="2743200" algn="l" defTabSz="457200" rtl="0" eaLnBrk="1" latinLnBrk="0" hangingPunct="1">
-        <a:defRPr sz="1800" kern="1200">
+      <a:lvl7pPr algn="l" defTabSz="342900" eaLnBrk="1" hangingPunct="1" latinLnBrk="0" marL="2057400" rtl="0">
+        <a:defRPr kern="1200" sz="1350">
           <a:solidFill>
             <a:schemeClr val="tx1"/>
           </a:solidFill>
@@ -3672,8 +3531,8 @@
           <a:cs typeface="+mn-cs"/>
         </a:defRPr>
       </a:lvl7pPr>
-      <a:lvl8pPr marL="3200400" algn="l" defTabSz="457200" rtl="0" eaLnBrk="1" latinLnBrk="0" hangingPunct="1">
-        <a:defRPr sz="1800" kern="1200">
+      <a:lvl8pPr algn="l" defTabSz="342900" eaLnBrk="1" hangingPunct="1" latinLnBrk="0" marL="2400300" rtl="0">
+        <a:defRPr kern="1200" sz="1350">
           <a:solidFill>
             <a:schemeClr val="tx1"/>
           </a:solidFill>
@@ -3682,8 +3541,8 @@
           <a:cs typeface="+mn-cs"/>
         </a:defRPr>
       </a:lvl8pPr>
-      <a:lvl9pPr marL="3657600" algn="l" defTabSz="457200" rtl="0" eaLnBrk="1" latinLnBrk="0" hangingPunct="1">
-        <a:defRPr sz="1800" kern="1200">
+      <a:lvl9pPr algn="l" defTabSz="342900" eaLnBrk="1" hangingPunct="1" latinLnBrk="0" marL="2743200" rtl="0">
+        <a:defRPr kern="1200" sz="1350">
           <a:solidFill>
             <a:schemeClr val="tx1"/>
           </a:solidFill>
@@ -3726,36 +3585,20 @@
         </p:nvSpPr>
         <p:spPr>
           <a:xfrm>
-            <a:off x="685800" y="2130425"/>
-            <a:ext cx="7772400" cy="1470025"/>
+            <a:off x="685800" y="1597819"/>
+            <a:ext cx="7772400" cy="1102519"/>
           </a:xfrm>
         </p:spPr>
         <p:txBody>
           <a:bodyPr/>
           <a:lstStyle/>
           <a:p>
-            <a:pPr lvl="0" marL="0" indent="0">
+            <a:pPr lvl="0" indent="0" marL="0">
               <a:buNone/>
             </a:pPr>
             <a:r>
               <a:rPr/>
-              <a:t>Markdown</a:t>
-            </a:r>
-            <a:r>
-              <a:rPr/>
-              <a:t> </a:t>
-            </a:r>
-            <a:r>
-              <a:rPr/>
-              <a:t>Slides</a:t>
-            </a:r>
-            <a:r>
-              <a:rPr/>
-              <a:t> </a:t>
-            </a:r>
-            <a:r>
-              <a:rPr/>
-              <a:t>[EN]</a:t>
+              <a:t>Markdown Slides [EN]</a:t>
             </a:r>
           </a:p>
         </p:txBody>
@@ -3767,51 +3610,27 @@
             <a:spLocks noGrp="1"/>
           </p:cNvSpPr>
           <p:nvPr>
-            <p:ph type="subTitle" idx="1"/>
+            <p:ph idx="1" type="subTitle"/>
           </p:nvPr>
         </p:nvSpPr>
         <p:spPr>
           <a:xfrm>
-            <a:off x="1371600" y="3886200"/>
-            <a:ext cx="6400800" cy="1752600"/>
+            <a:off x="1371600" y="2914650"/>
+            <a:ext cx="6400800" cy="1314450"/>
           </a:xfrm>
         </p:spPr>
         <p:txBody>
           <a:bodyPr/>
           <a:lstStyle/>
           <a:p>
-            <a:pPr lvl="0" marL="0" indent="0">
+            <a:pPr lvl="0" indent="0" marL="0">
               <a:buNone/>
             </a:pPr>
             <a:br/>
             <a:br/>
             <a:r>
               <a:rPr/>
-              <a:t>Adolfo</a:t>
-            </a:r>
-            <a:r>
-              <a:rPr/>
-              <a:t> </a:t>
-            </a:r>
-            <a:r>
-              <a:rPr/>
-              <a:t>Sanz</a:t>
-            </a:r>
-            <a:r>
-              <a:rPr/>
-              <a:t> </a:t>
-            </a:r>
-            <a:r>
-              <a:rPr/>
-              <a:t>De</a:t>
-            </a:r>
-            <a:r>
-              <a:rPr/>
-              <a:t> </a:t>
-            </a:r>
-            <a:r>
-              <a:rPr/>
-              <a:t>Diego</a:t>
+              <a:t>Adolfo Sanz De Diego</a:t>
             </a:r>
           </a:p>
         </p:txBody>
@@ -3823,15 +3642,15 @@
             <a:spLocks noGrp="1"/>
           </p:cNvSpPr>
           <p:nvPr>
-            <p:ph type="dt" sz="half" idx="10"/>
-          </p:nvPr>
-        </p:nvSpPr>
-        <p:spPr/>
-        <p:txBody>
-          <a:bodyPr/>
-          <a:lstStyle/>
-          <a:p>
-            <a:pPr lvl="0" marL="0" indent="0">
+            <p:ph idx="10" sz="half" type="dt"/>
+          </p:nvPr>
+        </p:nvSpPr>
+        <p:spPr/>
+        <p:txBody>
+          <a:bodyPr/>
+          <a:lstStyle/>
+          <a:p>
+            <a:pPr lvl="0" indent="0" marL="0">
               <a:buNone/>
             </a:pPr>
             <a:r>
@@ -3878,7 +3697,7 @@
           <a:bodyPr/>
           <a:lstStyle/>
           <a:p>
-            <a:pPr lvl="0" marL="0" indent="0">
+            <a:pPr lvl="0" indent="0" marL="0">
               <a:buNone/>
             </a:pPr>
             <a:r>
@@ -3903,15 +3722,15 @@
           <a:bodyPr/>
           <a:lstStyle/>
           <a:p>
+            <a:pPr lvl="0"/>
+            <a:r>
+              <a:rPr/>
+              <a:t>It needs to be installed:</a:t>
+            </a:r>
+          </a:p>
+          <a:p>
             <a:pPr lvl="1"/>
             <a:r>
-              <a:rPr/>
-              <a:t>It needs to be installed:</a:t>
-            </a:r>
-          </a:p>
-          <a:p>
-            <a:pPr lvl="2"/>
-            <a:r>
               <a:rPr>
                 <a:hlinkClick r:id="rId2"/>
               </a:rPr>
@@ -3919,7 +3738,7 @@
             </a:r>
           </a:p>
           <a:p>
-            <a:pPr lvl="2"/>
+            <a:pPr lvl="1"/>
             <a:r>
               <a:rPr>
                 <a:hlinkClick r:id="rId3"/>
@@ -3928,7 +3747,7 @@
             </a:r>
           </a:p>
           <a:p>
-            <a:pPr lvl="2"/>
+            <a:pPr lvl="1"/>
             <a:r>
               <a:rPr>
                 <a:hlinkClick r:id="rId4"/>
@@ -3937,14 +3756,14 @@
             </a:r>
           </a:p>
           <a:p>
+            <a:pPr lvl="0"/>
+            <a:r>
+              <a:rPr/>
+              <a:t>It is automaticaly downloaded:</a:t>
+            </a:r>
+          </a:p>
+          <a:p>
             <a:pPr lvl="1"/>
-            <a:r>
-              <a:rPr/>
-              <a:t>It is automaticaly downloaded:</a:t>
-            </a:r>
-          </a:p>
-          <a:p>
-            <a:pPr lvl="2"/>
             <a:r>
               <a:rPr>
                 <a:hlinkClick r:id="rId5"/>
@@ -3991,7 +3810,7 @@
           <a:bodyPr/>
           <a:lstStyle/>
           <a:p>
-            <a:pPr lvl="0" marL="0" indent="0">
+            <a:pPr lvl="0" indent="0" marL="0">
               <a:buNone/>
             </a:pPr>
             <a:r>
@@ -4016,14 +3835,14 @@
           <a:bodyPr/>
           <a:lstStyle/>
           <a:p>
-            <a:pPr lvl="1"/>
+            <a:pPr lvl="0"/>
             <a:r>
               <a:rPr/>
               <a:t>Now, only works in Linux (may be on MacOS)</a:t>
             </a:r>
           </a:p>
           <a:p>
-            <a:pPr lvl="1"/>
+            <a:pPr lvl="0"/>
             <a:r>
               <a:rPr/>
               <a:t>It can works with Docker, but is in beta.</a:t>
@@ -4068,7 +3887,7 @@
           <a:bodyPr/>
           <a:lstStyle/>
           <a:p>
-            <a:pPr lvl="0" marL="0" indent="0">
+            <a:pPr lvl="0" indent="0" marL="0">
               <a:buNone/>
             </a:pPr>
             <a:r>
@@ -4093,7 +3912,7 @@
           <a:bodyPr/>
           <a:lstStyle/>
           <a:p>
-            <a:pPr lvl="0" marL="0" indent="0">
+            <a:pPr lvl="0" indent="0" marL="0">
               <a:buNone/>
             </a:pPr>
             <a:r>
@@ -4142,7 +3961,7 @@
           <a:bodyPr/>
           <a:lstStyle/>
           <a:p>
-            <a:pPr lvl="0" marL="0" indent="0">
+            <a:pPr lvl="0" indent="0" marL="0">
               <a:buNone/>
             </a:pPr>
             <a:r>
@@ -4167,7 +3986,7 @@
           <a:bodyPr/>
           <a:lstStyle/>
           <a:p>
-            <a:pPr lvl="1"/>
+            <a:pPr lvl="0"/>
             <a:r>
               <a:rPr/>
               <a:t>Your installation with docker is still </a:t>
@@ -4182,7 +4001,7 @@
             </a:r>
           </a:p>
           <a:p>
-            <a:pPr lvl="1"/>
+            <a:pPr lvl="0"/>
             <a:r>
               <a:rPr/>
               <a:t>Any feedback is welcome.</a:t>
@@ -4227,28 +4046,12 @@
           <a:bodyPr/>
           <a:lstStyle/>
           <a:p>
-            <a:pPr lvl="0" marL="0" indent="0">
+            <a:pPr lvl="0" indent="0" marL="0">
               <a:buNone/>
             </a:pPr>
             <a:r>
               <a:rPr/>
-              <a:t>Building</a:t>
-            </a:r>
-            <a:r>
-              <a:rPr/>
-              <a:t> </a:t>
-            </a:r>
-            <a:r>
-              <a:rPr/>
-              <a:t>docker</a:t>
-            </a:r>
-            <a:r>
-              <a:rPr/>
-              <a:t> </a:t>
-            </a:r>
-            <a:r>
-              <a:rPr/>
-              <a:t>image</a:t>
+              <a:t>Building docker image</a:t>
             </a:r>
           </a:p>
         </p:txBody>
@@ -4268,7 +4071,7 @@
           <a:bodyPr/>
           <a:lstStyle/>
           <a:p>
-            <a:pPr lvl="1"/>
+            <a:pPr lvl="0"/>
             <a:r>
               <a:rPr/>
               <a:t>It will be at dockerhub soon:</a:t>
@@ -4324,28 +4127,12 @@
           <a:bodyPr/>
           <a:lstStyle/>
           <a:p>
-            <a:pPr lvl="0" marL="0" indent="0">
+            <a:pPr lvl="0" indent="0" marL="0">
               <a:buNone/>
             </a:pPr>
             <a:r>
               <a:rPr/>
-              <a:t>Launch</a:t>
-            </a:r>
-            <a:r>
-              <a:rPr/>
-              <a:t> </a:t>
-            </a:r>
-            <a:r>
-              <a:rPr/>
-              <a:t>the</a:t>
-            </a:r>
-            <a:r>
-              <a:rPr/>
-              <a:t> </a:t>
-            </a:r>
-            <a:r>
-              <a:rPr/>
-              <a:t>container</a:t>
+              <a:t>Launch the container</a:t>
             </a:r>
           </a:p>
         </p:txBody>
@@ -4365,7 +4152,7 @@
           <a:bodyPr/>
           <a:lstStyle/>
           <a:p>
-            <a:pPr lvl="1"/>
+            <a:pPr lvl="0"/>
             <a:r>
               <a:rPr/>
               <a:t>Launch the container:</a:t>
@@ -4419,36 +4206,20 @@
         </p:nvSpPr>
         <p:spPr>
           <a:xfrm>
-            <a:off x="722313" y="4406900"/>
-            <a:ext cx="7772400" cy="1362075"/>
+            <a:off x="722313" y="3305176"/>
+            <a:ext cx="7772400" cy="1021556"/>
           </a:xfrm>
         </p:spPr>
         <p:txBody>
           <a:bodyPr/>
           <a:lstStyle/>
           <a:p>
-            <a:pPr lvl="0" marL="0" indent="0">
+            <a:pPr lvl="0" indent="0" marL="0">
               <a:buNone/>
             </a:pPr>
             <a:r>
               <a:rPr/>
-              <a:t>How</a:t>
-            </a:r>
-            <a:r>
-              <a:rPr/>
-              <a:t> </a:t>
-            </a:r>
-            <a:r>
-              <a:rPr/>
-              <a:t>to</a:t>
-            </a:r>
-            <a:r>
-              <a:rPr/>
-              <a:t> </a:t>
-            </a:r>
-            <a:r>
-              <a:rPr/>
-              <a:t>use</a:t>
+              <a:t>How to use</a:t>
             </a:r>
           </a:p>
         </p:txBody>
@@ -4490,7 +4261,7 @@
           <a:bodyPr/>
           <a:lstStyle/>
           <a:p>
-            <a:pPr lvl="0" marL="0" indent="0">
+            <a:pPr lvl="0" indent="0" marL="0">
               <a:buNone/>
             </a:pPr>
             <a:r>
@@ -4515,7 +4286,7 @@
           <a:bodyPr/>
           <a:lstStyle/>
           <a:p>
-            <a:pPr lvl="1"/>
+            <a:pPr lvl="0"/>
             <a:r>
               <a:rPr/>
               <a:t>First </a:t>
@@ -4526,11 +4297,11 @@
             </a:r>
             <a:r>
               <a:rPr/>
-              <a:t>. This is not necessary but helps you organize your documents.</a:t>
-            </a:r>
-          </a:p>
-          <a:p>
-            <a:pPr lvl="1"/>
+              <a:t>. It is important to rename it to prevent errors.</a:t>
+            </a:r>
+          </a:p>
+          <a:p>
+            <a:pPr lvl="0"/>
             <a:r>
               <a:rPr b="1"/>
               <a:t>Create the md files</a:t>
@@ -4597,20 +4368,12 @@
           <a:bodyPr/>
           <a:lstStyle/>
           <a:p>
-            <a:pPr lvl="0" marL="0" indent="0">
+            <a:pPr lvl="0" indent="0" marL="0">
               <a:buNone/>
             </a:pPr>
             <a:r>
               <a:rPr/>
-              <a:t>Imports</a:t>
-            </a:r>
-            <a:r>
-              <a:rPr/>
-              <a:t> </a:t>
-            </a:r>
-            <a:r>
-              <a:rPr/>
-              <a:t>(I)</a:t>
+              <a:t>Imports (I)</a:t>
             </a:r>
           </a:p>
         </p:txBody>
@@ -4630,7 +4393,7 @@
           <a:bodyPr/>
           <a:lstStyle/>
           <a:p>
-            <a:pPr lvl="1"/>
+            <a:pPr lvl="0"/>
             <a:r>
               <a:rPr/>
               <a:t>We can add a file with </a:t>
@@ -4641,7 +4404,7 @@
             </a:r>
           </a:p>
           <a:p>
-            <a:pPr lvl="0" marL="0" indent="0">
+            <a:pPr lvl="0" indent="0" marL="0">
               <a:buNone/>
             </a:pPr>
             <a:r>
@@ -4661,28 +4424,28 @@
             </a:r>
           </a:p>
           <a:p>
-            <a:pPr lvl="1"/>
+            <a:pPr lvl="0"/>
             <a:r>
               <a:rPr/>
               <a:t>Line 1 of import-2.md</a:t>
             </a:r>
           </a:p>
           <a:p>
-            <a:pPr lvl="1"/>
+            <a:pPr lvl="0"/>
             <a:r>
               <a:rPr/>
               <a:t>Line 2 of import-2.md</a:t>
             </a:r>
           </a:p>
           <a:p>
-            <a:pPr lvl="1"/>
+            <a:pPr lvl="0"/>
             <a:r>
               <a:rPr/>
               <a:t>Line 3 of import-2.md</a:t>
             </a:r>
           </a:p>
           <a:p>
-            <a:pPr lvl="1"/>
+            <a:pPr lvl="0"/>
             <a:r>
               <a:rPr/>
               <a:t>Line 4 of import-2.md</a:t>
@@ -4727,20 +4490,12 @@
           <a:bodyPr/>
           <a:lstStyle/>
           <a:p>
-            <a:pPr lvl="0" marL="0" indent="0">
+            <a:pPr lvl="0" indent="0" marL="0">
               <a:buNone/>
             </a:pPr>
             <a:r>
               <a:rPr/>
-              <a:t>Imports</a:t>
-            </a:r>
-            <a:r>
-              <a:rPr/>
-              <a:t> </a:t>
-            </a:r>
-            <a:r>
-              <a:rPr/>
-              <a:t>(II)</a:t>
+              <a:t>Imports (II)</a:t>
             </a:r>
           </a:p>
         </p:txBody>
@@ -4760,7 +4515,7 @@
           <a:bodyPr/>
           <a:lstStyle/>
           <a:p>
-            <a:pPr lvl="0" marL="0" indent="0">
+            <a:pPr lvl="0" indent="0" marL="0">
               <a:buNone/>
             </a:pPr>
             <a:r>
@@ -4780,28 +4535,28 @@
             </a:r>
           </a:p>
           <a:p>
-            <a:pPr lvl="1"/>
+            <a:pPr lvl="0"/>
             <a:r>
               <a:rPr/>
               <a:t>Line 1 of import-1.md</a:t>
             </a:r>
           </a:p>
           <a:p>
-            <a:pPr lvl="1"/>
+            <a:pPr lvl="0"/>
             <a:r>
               <a:rPr/>
               <a:t>Line 2 of import-1.md</a:t>
             </a:r>
           </a:p>
           <a:p>
-            <a:pPr lvl="1"/>
+            <a:pPr lvl="0"/>
             <a:r>
               <a:rPr/>
               <a:t>Line 3 of import-1.md</a:t>
             </a:r>
           </a:p>
           <a:p>
-            <a:pPr lvl="1"/>
+            <a:pPr lvl="0"/>
             <a:r>
               <a:rPr/>
               <a:t>Line 4 of import-1.md</a:t>
@@ -4843,15 +4598,15 @@
         </p:nvSpPr>
         <p:spPr>
           <a:xfrm>
-            <a:off x="722313" y="4406900"/>
-            <a:ext cx="7772400" cy="1362075"/>
+            <a:off x="722313" y="3305176"/>
+            <a:ext cx="7772400" cy="1021556"/>
           </a:xfrm>
         </p:spPr>
         <p:txBody>
           <a:bodyPr/>
           <a:lstStyle/>
           <a:p>
-            <a:pPr lvl="0" marL="0" indent="0">
+            <a:pPr lvl="0" indent="0" marL="0">
               <a:buNone/>
             </a:pPr>
             <a:r>
@@ -4898,20 +4653,12 @@
           <a:bodyPr/>
           <a:lstStyle/>
           <a:p>
-            <a:pPr lvl="0" marL="0" indent="0">
+            <a:pPr lvl="0" indent="0" marL="0">
               <a:buNone/>
             </a:pPr>
             <a:r>
               <a:rPr/>
-              <a:t>Imports</a:t>
-            </a:r>
-            <a:r>
-              <a:rPr/>
-              <a:t> </a:t>
-            </a:r>
-            <a:r>
-              <a:rPr/>
-              <a:t>(III)</a:t>
+              <a:t>Imports (III)</a:t>
             </a:r>
           </a:p>
         </p:txBody>
@@ -4931,7 +4678,7 @@
           <a:bodyPr/>
           <a:lstStyle/>
           <a:p>
-            <a:pPr lvl="0" marL="0" indent="0">
+            <a:pPr lvl="0" indent="0" marL="0">
               <a:buNone/>
             </a:pPr>
             <a:r>
@@ -5003,20 +4750,12 @@
           <a:bodyPr/>
           <a:lstStyle/>
           <a:p>
-            <a:pPr lvl="0" marL="0" indent="0">
+            <a:pPr lvl="0" indent="0" marL="0">
               <a:buNone/>
             </a:pPr>
             <a:r>
               <a:rPr/>
-              <a:t>Imports</a:t>
-            </a:r>
-            <a:r>
-              <a:rPr/>
-              <a:t> </a:t>
-            </a:r>
-            <a:r>
-              <a:rPr/>
-              <a:t>(IV)</a:t>
+              <a:t>Imports (IV)</a:t>
             </a:r>
           </a:p>
         </p:txBody>
@@ -5036,7 +4775,7 @@
           <a:bodyPr/>
           <a:lstStyle/>
           <a:p>
-            <a:pPr lvl="0" marL="0" indent="0">
+            <a:pPr lvl="0" indent="0" marL="0">
               <a:buNone/>
             </a:pPr>
             <a:r>
@@ -5106,7 +4845,7 @@
           <a:bodyPr/>
           <a:lstStyle/>
           <a:p>
-            <a:pPr lvl="0" marL="0" indent="0">
+            <a:pPr lvl="0" indent="0" marL="0">
               <a:buNone/>
             </a:pPr>
             <a:r>
@@ -5131,7 +4870,7 @@
           <a:bodyPr/>
           <a:lstStyle/>
           <a:p>
-            <a:pPr lvl="1"/>
+            <a:pPr lvl="0"/>
             <a:r>
               <a:rPr/>
               <a:t>We can add notes that will be visible in book mode or if </a:t>
@@ -5213,20 +4952,12 @@
           <a:bodyPr/>
           <a:lstStyle/>
           <a:p>
-            <a:pPr lvl="0" marL="0" indent="0">
+            <a:pPr lvl="0" indent="0" marL="0">
               <a:buNone/>
             </a:pPr>
             <a:r>
               <a:rPr/>
-              <a:t>Plus</a:t>
-            </a:r>
-            <a:r>
-              <a:rPr/>
-              <a:t> </a:t>
-            </a:r>
-            <a:r>
-              <a:rPr/>
-              <a:t>notes</a:t>
+              <a:t>Plus notes</a:t>
             </a:r>
           </a:p>
         </p:txBody>
@@ -5246,7 +4977,7 @@
           <a:bodyPr/>
           <a:lstStyle/>
           <a:p>
-            <a:pPr lvl="1"/>
+            <a:pPr lvl="0"/>
             <a:r>
               <a:rPr/>
               <a:t>We can create notes with </a:t>
@@ -5277,7 +5008,7 @@
             </a:r>
           </a:p>
           <a:p>
-            <a:pPr lvl="0" marL="0" indent="0">
+            <a:pPr lvl="0" indent="0" marL="0">
               <a:buNone/>
             </a:pPr>
             <a:r>
@@ -5286,28 +5017,28 @@
             </a:r>
           </a:p>
           <a:p>
-            <a:pPr lvl="1"/>
+            <a:pPr lvl="0"/>
             <a:r>
               <a:rPr/>
               <a:t>Line 1 of import-2.md</a:t>
             </a:r>
           </a:p>
           <a:p>
-            <a:pPr lvl="1"/>
+            <a:pPr lvl="0"/>
             <a:r>
               <a:rPr/>
               <a:t>Line 2 of import-2.md</a:t>
             </a:r>
           </a:p>
           <a:p>
-            <a:pPr lvl="1"/>
+            <a:pPr lvl="0"/>
             <a:r>
               <a:rPr/>
               <a:t>Line 3 of import-2.md</a:t>
             </a:r>
           </a:p>
           <a:p>
-            <a:pPr lvl="1"/>
+            <a:pPr lvl="0"/>
             <a:r>
               <a:rPr/>
               <a:t>Line 4 of import-2.md</a:t>
@@ -5352,7 +5083,7 @@
           <a:bodyPr/>
           <a:lstStyle/>
           <a:p>
-            <a:pPr lvl="0" marL="0" indent="0">
+            <a:pPr lvl="0" indent="0" marL="0">
               <a:buNone/>
             </a:pPr>
             <a:r>
@@ -5379,7 +5110,7 @@
               <a:bodyPr/>
               <a:lstStyle/>
               <a:p>
-                <a:pPr lvl="1"/>
+                <a:pPr lvl="0"/>
                 <a:r>
                   <a:rPr/>
                   <a:t>We can use the </a:t>
@@ -5396,7 +5127,7 @@
                 </a:r>
               </a:p>
               <a:p>
-                <a:pPr lvl="0" marL="0" indent="0">
+                <a:pPr lvl="0" indent="0" marL="0">
                   <a:buNone/>
                 </a:pPr>
                 <a:r>
@@ -5416,7 +5147,7 @@
                 </a:r>
               </a:p>
               <a:p>
-                <a:pPr lvl="0" marL="0" indent="0">
+                <a:pPr lvl="0" indent="0" marL="0">
                   <a:buNone/>
                 </a:pPr>
                 <a:r>
@@ -5425,7 +5156,7 @@
                 </a:r>
               </a:p>
               <a:p>
-                <a:pPr lvl="0" marL="0" indent="0">
+                <a:pPr lvl="0" indent="0" marL="0">
                   <a:buNone/>
                 </a:pPr>
                 <a14:m>
@@ -5438,20 +5169,29 @@
                         <m:t>x</m:t>
                       </m:r>
                       <m:r>
+                        <m:rPr>
+                          <m:sty m:val="p"/>
+                        </m:rPr>
                         <m:t>=</m:t>
                       </m:r>
                       <m:r>
+                        <m:rPr>
+                          <m:sty m:val="p"/>
+                        </m:rPr>
                         <m:t>−</m:t>
                       </m:r>
                       <m:r>
                         <m:t>b</m:t>
                       </m:r>
                       <m:r>
+                        <m:rPr>
+                          <m:sty m:val="p"/>
+                        </m:rPr>
                         <m:t>±</m:t>
                       </m:r>
                       <m:rad>
                         <m:radPr>
-                          <m:degHide m:val="1"/>
+                          <m:degHide m:val="on"/>
                         </m:radPr>
                         <m:deg/>
                         <m:e>
@@ -5468,6 +5208,9 @@
                             </m:sup>
                           </m:sSup>
                           <m:r>
+                            <m:rPr>
+                              <m:sty m:val="p"/>
+                            </m:rPr>
                             <m:t>−</m:t>
                           </m:r>
                           <m:r>
@@ -5482,6 +5225,9 @@
                         </m:e>
                       </m:rad>
                       <m:r>
+                        <m:rPr>
+                          <m:sty m:val="p"/>
+                        </m:rPr>
                         <m:t>.</m:t>
                       </m:r>
                     </m:oMath>
@@ -5529,7 +5275,7 @@
           <a:bodyPr/>
           <a:lstStyle/>
           <a:p>
-            <a:pPr lvl="0" marL="0" indent="0">
+            <a:pPr lvl="0" indent="0" marL="0">
               <a:buNone/>
             </a:pPr>
             <a:r>
@@ -5592,7 +5338,22 @@
               <a:rPr>
                 <a:latin typeface="Courier"/>
               </a:rPr>
-              <a:t>    alert(</a:t>
+              <a:t>    </a:t>
+            </a:r>
+            <a:r>
+              <a:rPr>
+                <a:solidFill>
+                  <a:srgbClr val="06287E"/>
+                </a:solidFill>
+                <a:latin typeface="Courier"/>
+              </a:rPr>
+              <a:t>alert</a:t>
+            </a:r>
+            <a:r>
+              <a:rPr>
+                <a:latin typeface="Courier"/>
+              </a:rPr>
+              <a:t>(</a:t>
             </a:r>
             <a:r>
               <a:rPr>
@@ -5665,7 +5426,7 @@
           <a:bodyPr/>
           <a:lstStyle/>
           <a:p>
-            <a:pPr lvl="0" marL="0" indent="0">
+            <a:pPr lvl="0" indent="0" marL="0">
               <a:buNone/>
             </a:pPr>
             <a:r>
@@ -5690,7 +5451,7 @@
           <a:bodyPr/>
           <a:lstStyle/>
           <a:p>
-            <a:pPr lvl="1"/>
+            <a:pPr lvl="0"/>
             <a:r>
               <a:rPr/>
               <a:t>You can have as many levels as you want. Example:</a:t>
@@ -5710,7 +5471,7 @@
             </a:r>
           </a:p>
           <a:p>
-            <a:pPr lvl="0" marL="0" indent="0">
+            <a:pPr lvl="0" indent="0" marL="0">
               <a:buNone/>
             </a:pPr>
             <a:r>
@@ -5757,7 +5518,7 @@
           <a:bodyPr/>
           <a:lstStyle/>
           <a:p>
-            <a:pPr lvl="0" marL="0" indent="0">
+            <a:pPr lvl="0" indent="0" marL="0">
               <a:buNone/>
             </a:pPr>
             <a:r>
@@ -5782,7 +5543,7 @@
           <a:bodyPr/>
           <a:lstStyle/>
           <a:p>
-            <a:pPr lvl="1"/>
+            <a:pPr lvl="0"/>
             <a:r>
               <a:rPr/>
               <a:t>You can name several slides with (I), (II), etc. But only the first one will be exported to the book. Example:</a:t>
@@ -5801,7 +5562,7 @@
             </a:r>
           </a:p>
           <a:p>
-            <a:pPr lvl="0" marL="0" indent="0">
+            <a:pPr lvl="0" indent="0" marL="0">
               <a:buNone/>
             </a:pPr>
             <a:r>
@@ -5859,20 +5620,12 @@
           <a:bodyPr/>
           <a:lstStyle/>
           <a:p>
-            <a:pPr lvl="0" marL="0" indent="0">
+            <a:pPr lvl="0" indent="0" marL="0">
               <a:buNone/>
             </a:pPr>
             <a:r>
               <a:rPr/>
-              <a:t>Configuration</a:t>
-            </a:r>
-            <a:r>
-              <a:rPr/>
-              <a:t> </a:t>
-            </a:r>
-            <a:r>
-              <a:rPr/>
-              <a:t>(I)</a:t>
+              <a:t>Configuration (I)</a:t>
             </a:r>
           </a:p>
         </p:txBody>
@@ -5892,7 +5645,7 @@
           <a:bodyPr/>
           <a:lstStyle/>
           <a:p>
-            <a:pPr lvl="0" marL="0" indent="0">
+            <a:pPr lvl="0" indent="0" marL="0">
               <a:buNone/>
             </a:pPr>
             <a:r>
@@ -5915,7 +5668,16 @@
                 </a:solidFill>
                 <a:latin typeface="Courier"/>
               </a:rPr>
-              <a:t>DEFAULT_GENERATION_MODE=</a:t>
+              <a:t>DEFAULT_GENERATION_MODE</a:t>
+            </a:r>
+            <a:r>
+              <a:rPr>
+                <a:solidFill>
+                  <a:srgbClr val="666666"/>
+                </a:solidFill>
+                <a:latin typeface="Courier"/>
+              </a:rPr>
+              <a:t>=</a:t>
             </a:r>
             <a:r>
               <a:rPr>
@@ -5934,7 +5696,16 @@
                 </a:solidFill>
                 <a:latin typeface="Courier"/>
               </a:rPr>
-              <a:t>GENERATE_PLUS_VERSION=</a:t>
+              <a:t>GENERATE_PLUS_VERSION</a:t>
+            </a:r>
+            <a:r>
+              <a:rPr>
+                <a:solidFill>
+                  <a:srgbClr val="666666"/>
+                </a:solidFill>
+                <a:latin typeface="Courier"/>
+              </a:rPr>
+              <a:t>=</a:t>
             </a:r>
             <a:r>
               <a:rPr>
@@ -5953,7 +5724,16 @@
                 </a:solidFill>
                 <a:latin typeface="Courier"/>
               </a:rPr>
-              <a:t>DEFAULT_BUILD=</a:t>
+              <a:t>DEFAULT_BUILD</a:t>
+            </a:r>
+            <a:r>
+              <a:rPr>
+                <a:solidFill>
+                  <a:srgbClr val="666666"/>
+                </a:solidFill>
+                <a:latin typeface="Courier"/>
+              </a:rPr>
+              <a:t>=</a:t>
             </a:r>
             <a:r>
               <a:rPr>
@@ -5973,7 +5753,16 @@
                 </a:solidFill>
                 <a:latin typeface="Courier"/>
               </a:rPr>
-              <a:t>BUILD_REVEAL_SLIDES=</a:t>
+              <a:t>BUILD_REVEAL_SLIDES</a:t>
+            </a:r>
+            <a:r>
+              <a:rPr>
+                <a:solidFill>
+                  <a:srgbClr val="666666"/>
+                </a:solidFill>
+                <a:latin typeface="Courier"/>
+              </a:rPr>
+              <a:t>=</a:t>
             </a:r>
             <a:r>
               <a:rPr>
@@ -5992,7 +5781,16 @@
                 </a:solidFill>
                 <a:latin typeface="Courier"/>
               </a:rPr>
-              <a:t>BUILD_REVEAL_SLIDES_PDF=</a:t>
+              <a:t>BUILD_REVEAL_SLIDES_PDF</a:t>
+            </a:r>
+            <a:r>
+              <a:rPr>
+                <a:solidFill>
+                  <a:srgbClr val="666666"/>
+                </a:solidFill>
+                <a:latin typeface="Courier"/>
+              </a:rPr>
+              <a:t>=</a:t>
             </a:r>
             <a:r>
               <a:rPr>
@@ -6012,7 +5810,16 @@
                 </a:solidFill>
                 <a:latin typeface="Courier"/>
               </a:rPr>
-              <a:t>BUILD_HTML_BOOK=</a:t>
+              <a:t>BUILD_HTML_BOOK</a:t>
+            </a:r>
+            <a:r>
+              <a:rPr>
+                <a:solidFill>
+                  <a:srgbClr val="666666"/>
+                </a:solidFill>
+                <a:latin typeface="Courier"/>
+              </a:rPr>
+              <a:t>=</a:t>
             </a:r>
             <a:r>
               <a:rPr>
@@ -6031,7 +5838,16 @@
                 </a:solidFill>
                 <a:latin typeface="Courier"/>
               </a:rPr>
-              <a:t>BUILD_PDF_BOOK=</a:t>
+              <a:t>BUILD_PDF_BOOK</a:t>
+            </a:r>
+            <a:r>
+              <a:rPr>
+                <a:solidFill>
+                  <a:srgbClr val="666666"/>
+                </a:solidFill>
+                <a:latin typeface="Courier"/>
+              </a:rPr>
+              <a:t>=</a:t>
             </a:r>
             <a:r>
               <a:rPr>
@@ -6050,7 +5866,16 @@
                 </a:solidFill>
                 <a:latin typeface="Courier"/>
               </a:rPr>
-              <a:t>BUILD_DOCX_BOOK=</a:t>
+              <a:t>BUILD_DOCX_BOOK</a:t>
+            </a:r>
+            <a:r>
+              <a:rPr>
+                <a:solidFill>
+                  <a:srgbClr val="666666"/>
+                </a:solidFill>
+                <a:latin typeface="Courier"/>
+              </a:rPr>
+              <a:t>=</a:t>
             </a:r>
             <a:r>
               <a:rPr>
@@ -6069,7 +5894,16 @@
                 </a:solidFill>
                 <a:latin typeface="Courier"/>
               </a:rPr>
-              <a:t>BUILD_EPUB_BOOK=</a:t>
+              <a:t>BUILD_EPUB_BOOK</a:t>
+            </a:r>
+            <a:r>
+              <a:rPr>
+                <a:solidFill>
+                  <a:srgbClr val="666666"/>
+                </a:solidFill>
+                <a:latin typeface="Courier"/>
+              </a:rPr>
+              <a:t>=</a:t>
             </a:r>
             <a:r>
               <a:rPr>
@@ -6120,20 +5954,12 @@
           <a:bodyPr/>
           <a:lstStyle/>
           <a:p>
-            <a:pPr lvl="0" marL="0" indent="0">
+            <a:pPr lvl="0" indent="0" marL="0">
               <a:buNone/>
             </a:pPr>
             <a:r>
               <a:rPr/>
-              <a:t>Configuration</a:t>
-            </a:r>
-            <a:r>
-              <a:rPr/>
-              <a:t> </a:t>
-            </a:r>
-            <a:r>
-              <a:rPr/>
-              <a:t>(II)</a:t>
+              <a:t>Configuration (II)</a:t>
             </a:r>
           </a:p>
         </p:txBody>
@@ -6153,7 +5979,7 @@
           <a:bodyPr/>
           <a:lstStyle/>
           <a:p>
-            <a:pPr lvl="0" marL="0" indent="0">
+            <a:pPr lvl="0" indent="0" marL="0">
               <a:buNone/>
             </a:pPr>
             <a:r>
@@ -6176,7 +6002,16 @@
                 </a:solidFill>
                 <a:latin typeface="Courier"/>
               </a:rPr>
-              <a:t>CLEAN_LIB_FOLDER=</a:t>
+              <a:t>CLEAN_LIB_FOLDER</a:t>
+            </a:r>
+            <a:r>
+              <a:rPr>
+                <a:solidFill>
+                  <a:srgbClr val="666666"/>
+                </a:solidFill>
+                <a:latin typeface="Courier"/>
+              </a:rPr>
+              <a:t>=</a:t>
             </a:r>
             <a:r>
               <a:rPr>
@@ -6195,7 +6030,16 @@
                 </a:solidFill>
                 <a:latin typeface="Courier"/>
               </a:rPr>
-              <a:t>COPY_IMG_FOLDER=</a:t>
+              <a:t>COPY_IMG_FOLDER</a:t>
+            </a:r>
+            <a:r>
+              <a:rPr>
+                <a:solidFill>
+                  <a:srgbClr val="666666"/>
+                </a:solidFill>
+                <a:latin typeface="Courier"/>
+              </a:rPr>
+              <a:t>=</a:t>
             </a:r>
             <a:r>
               <a:rPr>
@@ -6214,7 +6058,16 @@
                 </a:solidFill>
                 <a:latin typeface="Courier"/>
               </a:rPr>
-              <a:t>ZIP_EXPORT_FOLDER=</a:t>
+              <a:t>ZIP_EXPORT_FOLDER</a:t>
+            </a:r>
+            <a:r>
+              <a:rPr>
+                <a:solidFill>
+                  <a:srgbClr val="666666"/>
+                </a:solidFill>
+                <a:latin typeface="Courier"/>
+              </a:rPr>
+              <a:t>=</a:t>
             </a:r>
             <a:r>
               <a:rPr>
@@ -6233,7 +6086,16 @@
                 </a:solidFill>
                 <a:latin typeface="Courier"/>
               </a:rPr>
-              <a:t>NUMBER_SECTIONS=</a:t>
+              <a:t>NUMBER_SECTIONS</a:t>
+            </a:r>
+            <a:r>
+              <a:rPr>
+                <a:solidFill>
+                  <a:srgbClr val="666666"/>
+                </a:solidFill>
+                <a:latin typeface="Courier"/>
+              </a:rPr>
+              <a:t>=</a:t>
             </a:r>
             <a:r>
               <a:rPr>
@@ -6252,7 +6114,16 @@
                 </a:solidFill>
                 <a:latin typeface="Courier"/>
               </a:rPr>
-              <a:t>NUMBER_OFFSET=</a:t>
+              <a:t>NUMBER_OFFSET</a:t>
+            </a:r>
+            <a:r>
+              <a:rPr>
+                <a:solidFill>
+                  <a:srgbClr val="666666"/>
+                </a:solidFill>
+                <a:latin typeface="Courier"/>
+              </a:rPr>
+              <a:t>=</a:t>
             </a:r>
             <a:r>
               <a:rPr>
@@ -6271,7 +6142,16 @@
                 </a:solidFill>
                 <a:latin typeface="Courier"/>
               </a:rPr>
-              <a:t>CURRENT_NUMBER_OFFSET=</a:t>
+              <a:t>CURRENT_NUMBER_OFFSET</a:t>
+            </a:r>
+            <a:r>
+              <a:rPr>
+                <a:solidFill>
+                  <a:srgbClr val="666666"/>
+                </a:solidFill>
+                <a:latin typeface="Courier"/>
+              </a:rPr>
+              <a:t>=</a:t>
             </a:r>
             <a:r>
               <a:rPr>
@@ -6287,7 +6167,16 @@
                 </a:solidFill>
                 <a:latin typeface="Courier"/>
               </a:rPr>
-              <a:t>REMOVE_GENERATE_MD_FILES=</a:t>
+              <a:t>REMOVE_GENERATE_MD_FILES</a:t>
+            </a:r>
+            <a:r>
+              <a:rPr>
+                <a:solidFill>
+                  <a:srgbClr val="666666"/>
+                </a:solidFill>
+                <a:latin typeface="Courier"/>
+              </a:rPr>
+              <a:t>=</a:t>
             </a:r>
             <a:r>
               <a:rPr>
@@ -6338,28 +6227,12 @@
           <a:bodyPr/>
           <a:lstStyle/>
           <a:p>
-            <a:pPr lvl="0" marL="0" indent="0">
+            <a:pPr lvl="0" indent="0" marL="0">
               <a:buNone/>
             </a:pPr>
             <a:r>
               <a:rPr/>
-              <a:t>What</a:t>
-            </a:r>
-            <a:r>
-              <a:rPr/>
-              <a:t> </a:t>
-            </a:r>
-            <a:r>
-              <a:rPr/>
-              <a:t>is</a:t>
-            </a:r>
-            <a:r>
-              <a:rPr/>
-              <a:t> </a:t>
-            </a:r>
-            <a:r>
-              <a:rPr/>
-              <a:t>it?</a:t>
+              <a:t>What is it?</a:t>
             </a:r>
           </a:p>
         </p:txBody>
@@ -6379,7 +6252,7 @@
           <a:bodyPr/>
           <a:lstStyle/>
           <a:p>
-            <a:pPr lvl="1"/>
+            <a:pPr lvl="0"/>
             <a:r>
               <a:rPr b="1"/>
               <a:t>MarkdownSlides</a:t>
@@ -6406,7 +6279,7 @@
             </a:r>
           </a:p>
           <a:p>
-            <a:pPr lvl="1"/>
+            <a:pPr lvl="0"/>
             <a:r>
               <a:rPr/>
               <a:t>The idea is that </a:t>
@@ -6459,20 +6332,12 @@
           <a:bodyPr/>
           <a:lstStyle/>
           <a:p>
-            <a:pPr lvl="0" marL="0" indent="0">
+            <a:pPr lvl="0" indent="0" marL="0">
               <a:buNone/>
             </a:pPr>
             <a:r>
               <a:rPr/>
-              <a:t>Configuración</a:t>
-            </a:r>
-            <a:r>
-              <a:rPr/>
-              <a:t> </a:t>
-            </a:r>
-            <a:r>
-              <a:rPr/>
-              <a:t>(III)</a:t>
+              <a:t>Configuración (III)</a:t>
             </a:r>
           </a:p>
         </p:txBody>
@@ -6492,7 +6357,7 @@
           <a:bodyPr/>
           <a:lstStyle/>
           <a:p>
-            <a:pPr lvl="0" marL="0" indent="0">
+            <a:pPr lvl="0" indent="0" marL="0">
               <a:buNone/>
             </a:pPr>
             <a:r>
@@ -6525,7 +6390,16 @@
                 </a:solidFill>
                 <a:latin typeface="Courier"/>
               </a:rPr>
-              <a:t>REVEAL_JS_THEME=</a:t>
+              <a:t>REVEAL_JS_THEME</a:t>
+            </a:r>
+            <a:r>
+              <a:rPr>
+                <a:solidFill>
+                  <a:srgbClr val="666666"/>
+                </a:solidFill>
+                <a:latin typeface="Courier"/>
+              </a:rPr>
+              <a:t>=</a:t>
             </a:r>
             <a:r>
               <a:rPr>
@@ -6544,7 +6418,16 @@
                 </a:solidFill>
                 <a:latin typeface="Courier"/>
               </a:rPr>
-              <a:t>REVEAL_JS_SHOW_TITLE_FOOTER=</a:t>
+              <a:t>REVEAL_JS_SHOW_TITLE_FOOTER</a:t>
+            </a:r>
+            <a:r>
+              <a:rPr>
+                <a:solidFill>
+                  <a:srgbClr val="666666"/>
+                </a:solidFill>
+                <a:latin typeface="Courier"/>
+              </a:rPr>
+              <a:t>=</a:t>
             </a:r>
             <a:r>
               <a:rPr>
@@ -6563,7 +6446,16 @@
                 </a:solidFill>
                 <a:latin typeface="Courier"/>
               </a:rPr>
-              <a:t>REVEAL_JS_DEFAULT_TITLE_FOOTER=</a:t>
+              <a:t>REVEAL_JS_DEFAULT_TITLE_FOOTER</a:t>
+            </a:r>
+            <a:r>
+              <a:rPr>
+                <a:solidFill>
+                  <a:srgbClr val="666666"/>
+                </a:solidFill>
+                <a:latin typeface="Courier"/>
+              </a:rPr>
+              <a:t>=</a:t>
             </a:r>
             <a:r>
               <a:rPr>
@@ -6582,7 +6474,16 @@
                 </a:solidFill>
                 <a:latin typeface="Courier"/>
               </a:rPr>
-              <a:t>REVEAL_JS_TITLE_FOOTER=</a:t>
+              <a:t>REVEAL_JS_TITLE_FOOTER</a:t>
+            </a:r>
+            <a:r>
+              <a:rPr>
+                <a:solidFill>
+                  <a:srgbClr val="666666"/>
+                </a:solidFill>
+                <a:latin typeface="Courier"/>
+              </a:rPr>
+              <a:t>=</a:t>
             </a:r>
             <a:r>
               <a:rPr>
@@ -6601,7 +6502,16 @@
                 </a:solidFill>
                 <a:latin typeface="Courier"/>
               </a:rPr>
-              <a:t>REVEAL_JS_SHOW_MENU=</a:t>
+              <a:t>REVEAL_JS_SHOW_MENU</a:t>
+            </a:r>
+            <a:r>
+              <a:rPr>
+                <a:solidFill>
+                  <a:srgbClr val="666666"/>
+                </a:solidFill>
+                <a:latin typeface="Courier"/>
+              </a:rPr>
+              <a:t>=</a:t>
             </a:r>
             <a:r>
               <a:rPr>
@@ -6620,7 +6530,16 @@
                 </a:solidFill>
                 <a:latin typeface="Courier"/>
               </a:rPr>
-              <a:t>REVEAL_JS_SHOW_CHALKBOARD=</a:t>
+              <a:t>REVEAL_JS_SHOW_CHALKBOARD</a:t>
+            </a:r>
+            <a:r>
+              <a:rPr>
+                <a:solidFill>
+                  <a:srgbClr val="666666"/>
+                </a:solidFill>
+                <a:latin typeface="Courier"/>
+              </a:rPr>
+              <a:t>=</a:t>
             </a:r>
             <a:r>
               <a:rPr>
@@ -6639,7 +6558,16 @@
                 </a:solidFill>
                 <a:latin typeface="Courier"/>
               </a:rPr>
-              <a:t>REVEAL_JS_ONLINE=</a:t>
+              <a:t>REVEAL_JS_ONLINE</a:t>
+            </a:r>
+            <a:r>
+              <a:rPr>
+                <a:solidFill>
+                  <a:srgbClr val="666666"/>
+                </a:solidFill>
+                <a:latin typeface="Courier"/>
+              </a:rPr>
+              <a:t>=</a:t>
             </a:r>
             <a:r>
               <a:rPr>
@@ -6690,7 +6618,7 @@
           <a:bodyPr/>
           <a:lstStyle/>
           <a:p>
-            <a:pPr lvl="0" marL="0" indent="0">
+            <a:pPr lvl="0" indent="0" marL="0">
               <a:buNone/>
             </a:pPr>
             <a:r>
@@ -6715,7 +6643,7 @@
           <a:bodyPr/>
           <a:lstStyle/>
           <a:p>
-            <a:pPr lvl="1"/>
+            <a:pPr lvl="0"/>
             <a:r>
               <a:rPr/>
               <a:t>In the root folder you have to execute:</a:t>
@@ -6729,11 +6657,71 @@
               <a:rPr>
                 <a:latin typeface="Courier"/>
               </a:rPr>
-              <a:t>./build.sh [mode] [folder]</a:t>
-            </a:r>
-          </a:p>
-          <a:p>
-            <a:pPr lvl="1"/>
+              <a:t>./build.sh </a:t>
+            </a:r>
+            <a:r>
+              <a:rPr>
+                <a:solidFill>
+                  <a:srgbClr val="BC7A00"/>
+                </a:solidFill>
+                <a:latin typeface="Courier"/>
+              </a:rPr>
+              <a:t>[</a:t>
+            </a:r>
+            <a:r>
+              <a:rPr>
+                <a:solidFill>
+                  <a:srgbClr val="BB6688"/>
+                </a:solidFill>
+                <a:latin typeface="Courier"/>
+              </a:rPr>
+              <a:t>mode</a:t>
+            </a:r>
+            <a:r>
+              <a:rPr>
+                <a:solidFill>
+                  <a:srgbClr val="BC7A00"/>
+                </a:solidFill>
+                <a:latin typeface="Courier"/>
+              </a:rPr>
+              <a:t>]</a:t>
+            </a:r>
+            <a:r>
+              <a:rPr>
+                <a:latin typeface="Courier"/>
+              </a:rPr>
+              <a:t> </a:t>
+            </a:r>
+            <a:r>
+              <a:rPr>
+                <a:solidFill>
+                  <a:srgbClr val="BC7A00"/>
+                </a:solidFill>
+                <a:latin typeface="Courier"/>
+              </a:rPr>
+              <a:t>[</a:t>
+            </a:r>
+            <a:r>
+              <a:rPr>
+                <a:solidFill>
+                  <a:srgbClr val="BB6688"/>
+                </a:solidFill>
+                <a:latin typeface="Courier"/>
+              </a:rPr>
+              <a:t>folder</a:t>
+            </a:r>
+            <a:r>
+              <a:rPr>
+                <a:solidFill>
+                  <a:srgbClr val="BC7A00"/>
+                </a:solidFill>
+                <a:latin typeface="Courier"/>
+              </a:rPr>
+              <a:t>]</a:t>
+            </a:r>
+          </a:p>
+          <a:p>
+            <a:pPr lvl="0"/>
             <a:r>
               <a:rPr/>
               <a:t>[</a:t>
@@ -6756,7 +6744,7 @@
             </a:r>
           </a:p>
           <a:p>
-            <a:pPr lvl="1"/>
+            <a:pPr lvl="0"/>
             <a:r>
               <a:rPr/>
               <a:t>[</a:t>
@@ -6806,28 +6794,20 @@
         </p:nvSpPr>
         <p:spPr>
           <a:xfrm>
-            <a:off x="722313" y="4406900"/>
-            <a:ext cx="7772400" cy="1362075"/>
+            <a:off x="722313" y="3305176"/>
+            <a:ext cx="7772400" cy="1021556"/>
           </a:xfrm>
         </p:spPr>
         <p:txBody>
           <a:bodyPr/>
           <a:lstStyle/>
           <a:p>
-            <a:pPr lvl="0" marL="0" indent="0">
+            <a:pPr lvl="0" indent="0" marL="0">
               <a:buNone/>
             </a:pPr>
             <a:r>
               <a:rPr/>
-              <a:t>Releases</a:t>
-            </a:r>
-            <a:r>
-              <a:rPr/>
-              <a:t> </a:t>
-            </a:r>
-            <a:r>
-              <a:rPr/>
-              <a:t>notes</a:t>
+              <a:t>Releases notes</a:t>
             </a:r>
           </a:p>
         </p:txBody>
@@ -6869,28 +6849,12 @@
           <a:bodyPr/>
           <a:lstStyle/>
           <a:p>
-            <a:pPr lvl="0" marL="0" indent="0">
+            <a:pPr lvl="0" indent="0" marL="0">
               <a:buNone/>
             </a:pPr>
             <a:r>
               <a:rPr/>
-              <a:t>Release</a:t>
-            </a:r>
-            <a:r>
-              <a:rPr/>
-              <a:t> </a:t>
-            </a:r>
-            <a:r>
-              <a:rPr/>
-              <a:t>1.0</a:t>
-            </a:r>
-            <a:r>
-              <a:rPr/>
-              <a:t> </a:t>
-            </a:r>
-            <a:r>
-              <a:rPr/>
-              <a:t>(I)</a:t>
+              <a:t>Release 1.0 (I)</a:t>
             </a:r>
           </a:p>
         </p:txBody>
@@ -6910,35 +6874,35 @@
           <a:bodyPr/>
           <a:lstStyle/>
           <a:p>
+            <a:pPr lvl="0"/>
+            <a:r>
+              <a:rPr/>
+              <a:t>Export slides to:</a:t>
+            </a:r>
+          </a:p>
+          <a:p>
             <a:pPr lvl="1"/>
             <a:r>
               <a:rPr/>
-              <a:t>Export slides to:</a:t>
-            </a:r>
-          </a:p>
-          <a:p>
-            <a:pPr lvl="2"/>
-            <a:r>
-              <a:rPr/>
               <a:t>reveal-slides</a:t>
             </a:r>
           </a:p>
           <a:p>
-            <a:pPr lvl="2"/>
+            <a:pPr lvl="1"/>
             <a:r>
               <a:rPr/>
               <a:t>reveal-slides-pdf</a:t>
             </a:r>
           </a:p>
           <a:p>
-            <a:pPr lvl="2"/>
+            <a:pPr lvl="1"/>
             <a:r>
               <a:rPr/>
               <a:t>beamer-slides</a:t>
             </a:r>
           </a:p>
           <a:p>
-            <a:pPr lvl="2"/>
+            <a:pPr lvl="1"/>
             <a:r>
               <a:rPr/>
               <a:t>deck-slides</a:t>
@@ -6983,28 +6947,12 @@
           <a:bodyPr/>
           <a:lstStyle/>
           <a:p>
-            <a:pPr lvl="0" marL="0" indent="0">
+            <a:pPr lvl="0" indent="0" marL="0">
               <a:buNone/>
             </a:pPr>
             <a:r>
               <a:rPr/>
-              <a:t>Release</a:t>
-            </a:r>
-            <a:r>
-              <a:rPr/>
-              <a:t> </a:t>
-            </a:r>
-            <a:r>
-              <a:rPr/>
-              <a:t>1.0</a:t>
-            </a:r>
-            <a:r>
-              <a:rPr/>
-              <a:t> </a:t>
-            </a:r>
-            <a:r>
-              <a:rPr/>
-              <a:t>(II)</a:t>
+              <a:t>Release 1.0 (II)</a:t>
             </a:r>
           </a:p>
         </p:txBody>
@@ -7024,35 +6972,35 @@
           <a:bodyPr/>
           <a:lstStyle/>
           <a:p>
+            <a:pPr lvl="0"/>
+            <a:r>
+              <a:rPr/>
+              <a:t>Export books to:</a:t>
+            </a:r>
+          </a:p>
+          <a:p>
             <a:pPr lvl="1"/>
             <a:r>
               <a:rPr/>
-              <a:t>Export books to:</a:t>
-            </a:r>
-          </a:p>
-          <a:p>
-            <a:pPr lvl="2"/>
-            <a:r>
-              <a:rPr/>
               <a:t>html-book</a:t>
             </a:r>
           </a:p>
           <a:p>
-            <a:pPr lvl="2"/>
+            <a:pPr lvl="1"/>
             <a:r>
               <a:rPr/>
               <a:t>docx-book</a:t>
             </a:r>
           </a:p>
           <a:p>
-            <a:pPr lvl="2"/>
+            <a:pPr lvl="1"/>
             <a:r>
               <a:rPr/>
               <a:t>odt-book</a:t>
             </a:r>
           </a:p>
           <a:p>
-            <a:pPr lvl="2"/>
+            <a:pPr lvl="1"/>
             <a:r>
               <a:rPr/>
               <a:t>pdf-book</a:t>
@@ -7097,28 +7045,12 @@
           <a:bodyPr/>
           <a:lstStyle/>
           <a:p>
-            <a:pPr lvl="0" marL="0" indent="0">
+            <a:pPr lvl="0" indent="0" marL="0">
               <a:buNone/>
             </a:pPr>
             <a:r>
               <a:rPr/>
-              <a:t>Release</a:t>
-            </a:r>
-            <a:r>
-              <a:rPr/>
-              <a:t> </a:t>
-            </a:r>
-            <a:r>
-              <a:rPr/>
-              <a:t>1.0</a:t>
-            </a:r>
-            <a:r>
-              <a:rPr/>
-              <a:t> </a:t>
-            </a:r>
-            <a:r>
-              <a:rPr/>
-              <a:t>(III)</a:t>
+              <a:t>Release 1.0 (III)</a:t>
             </a:r>
           </a:p>
         </p:txBody>
@@ -7138,21 +7070,21 @@
           <a:bodyPr/>
           <a:lstStyle/>
           <a:p>
-            <a:pPr lvl="1"/>
+            <a:pPr lvl="0"/>
             <a:r>
               <a:rPr/>
               <a:t>Added generation modes ‘min’, ‘med’ and ‘max’.</a:t>
             </a:r>
           </a:p>
           <a:p>
-            <a:pPr lvl="1"/>
+            <a:pPr lvl="0"/>
             <a:r>
               <a:rPr/>
               <a:t>Automatic download the external libraries.</a:t>
             </a:r>
           </a:p>
           <a:p>
-            <a:pPr lvl="1"/>
+            <a:pPr lvl="0"/>
             <a:r>
               <a:rPr/>
               <a:t>Numbering (I), (II), (III) …</a:t>
@@ -7197,28 +7129,12 @@
           <a:bodyPr/>
           <a:lstStyle/>
           <a:p>
-            <a:pPr lvl="0" marL="0" indent="0">
+            <a:pPr lvl="0" indent="0" marL="0">
               <a:buNone/>
             </a:pPr>
             <a:r>
               <a:rPr/>
-              <a:t>Release</a:t>
-            </a:r>
-            <a:r>
-              <a:rPr/>
-              <a:t> </a:t>
-            </a:r>
-            <a:r>
-              <a:rPr/>
-              <a:t>2.0</a:t>
-            </a:r>
-            <a:r>
-              <a:rPr/>
-              <a:t> </a:t>
-            </a:r>
-            <a:r>
-              <a:rPr/>
-              <a:t>(I)</a:t>
+              <a:t>Release 2.0 (I)</a:t>
             </a:r>
           </a:p>
         </p:txBody>
@@ -7238,28 +7154,28 @@
           <a:bodyPr/>
           <a:lstStyle/>
           <a:p>
+            <a:pPr lvl="0"/>
+            <a:r>
+              <a:rPr/>
+              <a:t>Export slides to:</a:t>
+            </a:r>
+          </a:p>
+          <a:p>
             <a:pPr lvl="1"/>
             <a:r>
               <a:rPr/>
-              <a:t>Export slides to:</a:t>
-            </a:r>
-          </a:p>
-          <a:p>
-            <a:pPr lvl="2"/>
-            <a:r>
-              <a:rPr/>
               <a:t>reveal-slides</a:t>
             </a:r>
           </a:p>
           <a:p>
-            <a:pPr lvl="2"/>
+            <a:pPr lvl="1"/>
             <a:r>
               <a:rPr/>
               <a:t>reveal-slides-pdf</a:t>
             </a:r>
           </a:p>
           <a:p>
-            <a:pPr lvl="2"/>
+            <a:pPr lvl="1"/>
             <a:r>
               <a:rPr/>
               <a:t>reveal-slides-online</a:t>
@@ -7304,28 +7220,12 @@
           <a:bodyPr/>
           <a:lstStyle/>
           <a:p>
-            <a:pPr lvl="0" marL="0" indent="0">
+            <a:pPr lvl="0" indent="0" marL="0">
               <a:buNone/>
             </a:pPr>
             <a:r>
               <a:rPr/>
-              <a:t>Release</a:t>
-            </a:r>
-            <a:r>
-              <a:rPr/>
-              <a:t> </a:t>
-            </a:r>
-            <a:r>
-              <a:rPr/>
-              <a:t>2.0</a:t>
-            </a:r>
-            <a:r>
-              <a:rPr/>
-              <a:t> </a:t>
-            </a:r>
-            <a:r>
-              <a:rPr/>
-              <a:t>(II)</a:t>
+              <a:t>Release 2.0 (II)</a:t>
             </a:r>
           </a:p>
         </p:txBody>
@@ -7345,28 +7245,28 @@
           <a:bodyPr/>
           <a:lstStyle/>
           <a:p>
+            <a:pPr lvl="0"/>
+            <a:r>
+              <a:rPr/>
+              <a:t>Export books to:</a:t>
+            </a:r>
+          </a:p>
+          <a:p>
             <a:pPr lvl="1"/>
             <a:r>
               <a:rPr/>
-              <a:t>Export books to:</a:t>
-            </a:r>
-          </a:p>
-          <a:p>
-            <a:pPr lvl="2"/>
-            <a:r>
-              <a:rPr/>
               <a:t>html-book</a:t>
             </a:r>
           </a:p>
           <a:p>
-            <a:pPr lvl="2"/>
+            <a:pPr lvl="1"/>
             <a:r>
               <a:rPr/>
               <a:t>docx-book</a:t>
             </a:r>
           </a:p>
           <a:p>
-            <a:pPr lvl="2"/>
+            <a:pPr lvl="1"/>
             <a:r>
               <a:rPr/>
               <a:t>epub-book</a:t>
@@ -7411,28 +7311,12 @@
           <a:bodyPr/>
           <a:lstStyle/>
           <a:p>
-            <a:pPr lvl="0" marL="0" indent="0">
+            <a:pPr lvl="0" indent="0" marL="0">
               <a:buNone/>
             </a:pPr>
             <a:r>
               <a:rPr/>
-              <a:t>Release</a:t>
-            </a:r>
-            <a:r>
-              <a:rPr/>
-              <a:t> </a:t>
-            </a:r>
-            <a:r>
-              <a:rPr/>
-              <a:t>2.0</a:t>
-            </a:r>
-            <a:r>
-              <a:rPr/>
-              <a:t> </a:t>
-            </a:r>
-            <a:r>
-              <a:rPr/>
-              <a:t>(III)</a:t>
+              <a:t>Release 2.0 (III)</a:t>
             </a:r>
           </a:p>
         </p:txBody>
@@ -7452,35 +7336,35 @@
           <a:bodyPr/>
           <a:lstStyle/>
           <a:p>
+            <a:pPr lvl="0"/>
+            <a:r>
+              <a:rPr/>
+              <a:t>Deprecated:</a:t>
+            </a:r>
+          </a:p>
+          <a:p>
             <a:pPr lvl="1"/>
             <a:r>
               <a:rPr/>
-              <a:t>Deprecated:</a:t>
-            </a:r>
-          </a:p>
-          <a:p>
-            <a:pPr lvl="2"/>
-            <a:r>
-              <a:rPr/>
               <a:t>beamer-slides</a:t>
             </a:r>
           </a:p>
           <a:p>
-            <a:pPr lvl="2"/>
+            <a:pPr lvl="1"/>
             <a:r>
               <a:rPr/>
               <a:t>deck-slides</a:t>
             </a:r>
           </a:p>
           <a:p>
-            <a:pPr lvl="2"/>
+            <a:pPr lvl="1"/>
             <a:r>
               <a:rPr/>
               <a:t>odt-book</a:t>
             </a:r>
           </a:p>
           <a:p>
-            <a:pPr lvl="2"/>
+            <a:pPr lvl="1"/>
             <a:r>
               <a:rPr/>
               <a:t>pdf-book</a:t>
@@ -7525,28 +7409,12 @@
           <a:bodyPr/>
           <a:lstStyle/>
           <a:p>
-            <a:pPr lvl="0" marL="0" indent="0">
+            <a:pPr lvl="0" indent="0" marL="0">
               <a:buNone/>
             </a:pPr>
             <a:r>
               <a:rPr/>
-              <a:t>Release</a:t>
-            </a:r>
-            <a:r>
-              <a:rPr/>
-              <a:t> </a:t>
-            </a:r>
-            <a:r>
-              <a:rPr/>
-              <a:t>2.0</a:t>
-            </a:r>
-            <a:r>
-              <a:rPr/>
-              <a:t> </a:t>
-            </a:r>
-            <a:r>
-              <a:rPr/>
-              <a:t>(III)</a:t>
+              <a:t>Release 2.0 (III)</a:t>
             </a:r>
           </a:p>
         </p:txBody>
@@ -7566,7 +7434,7 @@
           <a:bodyPr/>
           <a:lstStyle/>
           <a:p>
-            <a:pPr lvl="1"/>
+            <a:pPr lvl="0"/>
             <a:r>
               <a:rPr/>
               <a:t>Added menu thanks to </a:t>
@@ -7583,7 +7451,7 @@
             </a:r>
           </a:p>
           <a:p>
-            <a:pPr lvl="1"/>
+            <a:pPr lvl="0"/>
             <a:r>
               <a:rPr/>
               <a:t>Added dockerfile thanks to </a:t>
@@ -7600,7 +7468,7 @@
             </a:r>
           </a:p>
           <a:p>
-            <a:pPr lvl="1"/>
+            <a:pPr lvl="0"/>
             <a:r>
               <a:rPr/>
               <a:t>Clean zip files from libraries thanks to </a:t>
@@ -7617,7 +7485,7 @@
             </a:r>
           </a:p>
           <a:p>
-            <a:pPr lvl="1"/>
+            <a:pPr lvl="0"/>
             <a:r>
               <a:rPr/>
               <a:t>Added type ‘online’ thanks to </a:t>
@@ -7634,7 +7502,7 @@
             </a:r>
           </a:p>
           <a:p>
-            <a:pPr lvl="1"/>
+            <a:pPr lvl="0"/>
             <a:r>
               <a:rPr/>
               <a:t>Fixed bug HTTPS images thanks to </a:t>
@@ -7651,7 +7519,7 @@
             </a:r>
           </a:p>
           <a:p>
-            <a:pPr lvl="1"/>
+            <a:pPr lvl="0"/>
             <a:r>
               <a:rPr/>
               <a:t>Loading the online libraries with HTTPS thanks to </a:t>
@@ -7668,7 +7536,7 @@
             </a:r>
           </a:p>
           <a:p>
-            <a:pPr lvl="1"/>
+            <a:pPr lvl="0"/>
             <a:r>
               <a:rPr/>
               <a:t>Configuration PDF resolution thanks to </a:t>
@@ -7724,8 +7592,8 @@
         </p:blipFill>
         <p:spPr bwMode="auto">
           <a:xfrm>
-            <a:off x="457200" y="1803400"/>
-            <a:ext cx="8229600" cy="4114800"/>
+            <a:off x="1181100" y="1193800"/>
+            <a:ext cx="6781800" cy="3390900"/>
           </a:xfrm>
           <a:prstGeom prst="rect">
             <a:avLst/>
@@ -7775,28 +7643,12 @@
           <a:bodyPr/>
           <a:lstStyle/>
           <a:p>
-            <a:pPr lvl="0" marL="0" indent="0">
+            <a:pPr lvl="0" indent="0" marL="0">
               <a:buNone/>
             </a:pPr>
             <a:r>
               <a:rPr/>
-              <a:t>Release</a:t>
-            </a:r>
-            <a:r>
-              <a:rPr/>
-              <a:t> </a:t>
-            </a:r>
-            <a:r>
-              <a:rPr/>
-              <a:t>2.0</a:t>
-            </a:r>
-            <a:r>
-              <a:rPr/>
-              <a:t> </a:t>
-            </a:r>
-            <a:r>
-              <a:rPr/>
-              <a:t>(IV)</a:t>
+              <a:t>Release 2.0 (IV)</a:t>
             </a:r>
           </a:p>
         </p:txBody>
@@ -7816,49 +7668,49 @@
           <a:bodyPr/>
           <a:lstStyle/>
           <a:p>
-            <a:pPr lvl="1"/>
+            <a:pPr lvl="0"/>
             <a:r>
               <a:rPr/>
               <a:t>New format ‘epub’.</a:t>
             </a:r>
           </a:p>
           <a:p>
-            <a:pPr lvl="1"/>
+            <a:pPr lvl="0"/>
             <a:r>
               <a:rPr/>
               <a:t>Added ‘bash strict mode’.</a:t>
             </a:r>
           </a:p>
           <a:p>
-            <a:pPr lvl="1"/>
+            <a:pPr lvl="0"/>
             <a:r>
               <a:rPr/>
               <a:t>Added ‘build.properties’ to configure file generation.</a:t>
             </a:r>
           </a:p>
           <a:p>
-            <a:pPr lvl="1"/>
+            <a:pPr lvl="0"/>
             <a:r>
               <a:rPr/>
               <a:t>Added the command ‘clean’ to clean the lib folder.</a:t>
             </a:r>
           </a:p>
           <a:p>
-            <a:pPr lvl="1"/>
+            <a:pPr lvl="0"/>
             <a:r>
               <a:rPr/>
               <a:t>Download a specific version of external library.</a:t>
             </a:r>
           </a:p>
           <a:p>
-            <a:pPr lvl="1"/>
+            <a:pPr lvl="0"/>
             <a:r>
               <a:rPr/>
               <a:t>Added notes only visible in book mode or if you press ‘s’ on the slides.</a:t>
             </a:r>
           </a:p>
           <a:p>
-            <a:pPr lvl="1"/>
+            <a:pPr lvl="0"/>
             <a:r>
               <a:rPr/>
               <a:t>Normalization of images in slides.</a:t>
@@ -7903,20 +7755,12 @@
           <a:bodyPr/>
           <a:lstStyle/>
           <a:p>
-            <a:pPr lvl="0" marL="0" indent="0">
+            <a:pPr lvl="0" indent="0" marL="0">
               <a:buNone/>
             </a:pPr>
             <a:r>
               <a:rPr/>
-              <a:t>Release</a:t>
-            </a:r>
-            <a:r>
-              <a:rPr/>
-              <a:t> </a:t>
-            </a:r>
-            <a:r>
-              <a:rPr/>
-              <a:t>3.0</a:t>
+              <a:t>Release 3.0</a:t>
             </a:r>
           </a:p>
         </p:txBody>
@@ -7936,28 +7780,28 @@
           <a:bodyPr/>
           <a:lstStyle/>
           <a:p>
-            <a:pPr lvl="1"/>
+            <a:pPr lvl="0"/>
             <a:r>
               <a:rPr/>
               <a:t>Clean the code.</a:t>
             </a:r>
           </a:p>
           <a:p>
-            <a:pPr lvl="1"/>
+            <a:pPr lvl="0"/>
             <a:r>
               <a:rPr/>
               <a:t>Remove deprecated exportation files.</a:t>
             </a:r>
           </a:p>
           <a:p>
-            <a:pPr lvl="1"/>
+            <a:pPr lvl="0"/>
             <a:r>
               <a:rPr/>
               <a:t>Improve de configuration in build.properties file.</a:t>
             </a:r>
           </a:p>
           <a:p>
-            <a:pPr lvl="1"/>
+            <a:pPr lvl="0"/>
             <a:r>
               <a:rPr/>
               <a:t>Update </a:t>
@@ -7974,7 +7818,7 @@
             </a:r>
           </a:p>
           <a:p>
-            <a:pPr lvl="1"/>
+            <a:pPr lvl="0"/>
             <a:r>
               <a:rPr/>
               <a:t>Export to PDF with </a:t>
@@ -7991,14 +7835,14 @@
             </a:r>
           </a:p>
           <a:p>
-            <a:pPr lvl="1"/>
+            <a:pPr lvl="0"/>
             <a:r>
               <a:rPr/>
               <a:t>Book creation from some md files with enumeration.</a:t>
             </a:r>
           </a:p>
           <a:p>
-            <a:pPr lvl="1"/>
+            <a:pPr lvl="0"/>
             <a:r>
               <a:rPr/>
               <a:t>Possibility of adding a footer to the slides.</a:t>
@@ -8043,20 +7887,12 @@
           <a:bodyPr/>
           <a:lstStyle/>
           <a:p>
-            <a:pPr lvl="0" marL="0" indent="0">
+            <a:pPr lvl="0" indent="0" marL="0">
               <a:buNone/>
             </a:pPr>
             <a:r>
               <a:rPr/>
-              <a:t>Release</a:t>
-            </a:r>
-            <a:r>
-              <a:rPr/>
-              <a:t> </a:t>
-            </a:r>
-            <a:r>
-              <a:rPr/>
-              <a:t>4.0</a:t>
+              <a:t>Release 4.0</a:t>
             </a:r>
           </a:p>
         </p:txBody>
@@ -8076,28 +7912,28 @@
           <a:bodyPr/>
           <a:lstStyle/>
           <a:p>
-            <a:pPr lvl="1"/>
+            <a:pPr lvl="0"/>
             <a:r>
               <a:rPr/>
               <a:t>Fix some bugs.</a:t>
             </a:r>
           </a:p>
           <a:p>
-            <a:pPr lvl="1"/>
+            <a:pPr lvl="0"/>
             <a:r>
               <a:rPr/>
               <a:t>Add bookmarks to the slides.</a:t>
             </a:r>
           </a:p>
           <a:p>
-            <a:pPr lvl="1"/>
+            <a:pPr lvl="0"/>
             <a:r>
               <a:rPr/>
               <a:t>Improve file names.</a:t>
             </a:r>
           </a:p>
           <a:p>
-            <a:pPr lvl="1"/>
+            <a:pPr lvl="0"/>
             <a:r>
               <a:rPr/>
               <a:t>Add </a:t>
@@ -8162,20 +7998,12 @@
           <a:bodyPr/>
           <a:lstStyle/>
           <a:p>
-            <a:pPr lvl="0" marL="0" indent="0">
+            <a:pPr lvl="0" indent="0" marL="0">
               <a:buNone/>
             </a:pPr>
             <a:r>
               <a:rPr/>
-              <a:t>Release</a:t>
-            </a:r>
-            <a:r>
-              <a:rPr/>
-              <a:t> </a:t>
-            </a:r>
-            <a:r>
-              <a:rPr/>
-              <a:t>5.0</a:t>
+              <a:t>Release 5.0</a:t>
             </a:r>
           </a:p>
         </p:txBody>
@@ -8195,42 +8023,42 @@
           <a:bodyPr/>
           <a:lstStyle/>
           <a:p>
-            <a:pPr lvl="1"/>
+            <a:pPr lvl="0"/>
             <a:r>
               <a:rPr/>
               <a:t>Clean the code.</a:t>
             </a:r>
           </a:p>
           <a:p>
-            <a:pPr lvl="1"/>
+            <a:pPr lvl="0"/>
             <a:r>
               <a:rPr/>
               <a:t>Fixed some bugs.</a:t>
             </a:r>
           </a:p>
           <a:p>
-            <a:pPr lvl="1"/>
+            <a:pPr lvl="0"/>
             <a:r>
               <a:rPr/>
               <a:t>Removed the command ‘clean’ to clean the lib folder because it can be done via properties file.</a:t>
             </a:r>
           </a:p>
           <a:p>
-            <a:pPr lvl="1"/>
+            <a:pPr lvl="0"/>
             <a:r>
               <a:rPr/>
               <a:t>Added again the option to export to PDF in book format.</a:t>
             </a:r>
           </a:p>
           <a:p>
-            <a:pPr lvl="1"/>
+            <a:pPr lvl="0"/>
             <a:r>
               <a:rPr/>
               <a:t>Added the possibility to import files or fragments from an external file.</a:t>
             </a:r>
           </a:p>
           <a:p>
-            <a:pPr lvl="1"/>
+            <a:pPr lvl="0"/>
             <a:r>
               <a:rPr/>
               <a:t>Added the plugin </a:t>
@@ -8257,7 +8085,7 @@
             </a:r>
           </a:p>
           <a:p>
-            <a:pPr lvl="1"/>
+            <a:pPr lvl="0"/>
             <a:r>
               <a:rPr/>
               <a:t>Added the possibility to create a ‘plus’ version with extra information in slides and books.</a:t>
@@ -8302,20 +8130,12 @@
           <a:bodyPr/>
           <a:lstStyle/>
           <a:p>
-            <a:pPr lvl="0" marL="0" indent="0">
+            <a:pPr lvl="0" indent="0" marL="0">
               <a:buNone/>
             </a:pPr>
             <a:r>
               <a:rPr/>
-              <a:t>Release</a:t>
-            </a:r>
-            <a:r>
-              <a:rPr/>
-              <a:t> </a:t>
-            </a:r>
-            <a:r>
-              <a:rPr/>
-              <a:t>6.0</a:t>
+              <a:t>Release 6.0</a:t>
             </a:r>
           </a:p>
         </p:txBody>
@@ -8335,28 +8155,28 @@
           <a:bodyPr/>
           <a:lstStyle/>
           <a:p>
-            <a:pPr lvl="1"/>
+            <a:pPr lvl="0"/>
             <a:r>
               <a:rPr/>
               <a:t>Added the possibility to export to PowerPoint.</a:t>
             </a:r>
           </a:p>
           <a:p>
-            <a:pPr lvl="1"/>
+            <a:pPr lvl="0"/>
             <a:r>
               <a:rPr/>
               <a:t>Updated all the libraries to the latest version.</a:t>
             </a:r>
           </a:p>
           <a:p>
-            <a:pPr lvl="1"/>
+            <a:pPr lvl="0"/>
             <a:r>
               <a:rPr/>
               <a:t>Updated the templates.</a:t>
             </a:r>
           </a:p>
           <a:p>
-            <a:pPr lvl="1"/>
+            <a:pPr lvl="0"/>
             <a:r>
               <a:rPr/>
               <a:t>Updated the Dockerfile.</a:t>
@@ -8401,20 +8221,12 @@
           <a:bodyPr/>
           <a:lstStyle/>
           <a:p>
-            <a:pPr lvl="0" marL="0" indent="0">
+            <a:pPr lvl="0" indent="0" marL="0">
               <a:buNone/>
             </a:pPr>
             <a:r>
               <a:rPr/>
-              <a:t>Release</a:t>
-            </a:r>
-            <a:r>
-              <a:rPr/>
-              <a:t> </a:t>
-            </a:r>
-            <a:r>
-              <a:rPr/>
-              <a:t>6.*</a:t>
+              <a:t>Release 6.*</a:t>
             </a:r>
           </a:p>
         </p:txBody>
@@ -8434,28 +8246,28 @@
           <a:bodyPr/>
           <a:lstStyle/>
           <a:p>
-            <a:pPr lvl="1"/>
+            <a:pPr lvl="0"/>
             <a:r>
               <a:rPr/>
               <a:t>New image of MarkdownSlides.</a:t>
             </a:r>
           </a:p>
           <a:p>
-            <a:pPr lvl="1"/>
+            <a:pPr lvl="0"/>
             <a:r>
               <a:rPr/>
               <a:t>Added Bootstrap to the html template.</a:t>
             </a:r>
           </a:p>
           <a:p>
-            <a:pPr lvl="1"/>
+            <a:pPr lvl="0"/>
             <a:r>
               <a:rPr/>
               <a:t>Added the DEFAULT_BUILD property.</a:t>
             </a:r>
           </a:p>
           <a:p>
-            <a:pPr lvl="1"/>
+            <a:pPr lvl="0"/>
             <a:r>
               <a:rPr/>
               <a:t>Minor changes.</a:t>
@@ -8495,54 +8307,54 @@
             <p:ph type="title"/>
           </p:nvPr>
         </p:nvSpPr>
-        <p:spPr>
-          <a:xfrm>
-            <a:off x="722313" y="4406900"/>
-            <a:ext cx="7772400" cy="1362075"/>
-          </a:xfrm>
-        </p:spPr>
-        <p:txBody>
-          <a:bodyPr/>
-          <a:lstStyle/>
-          <a:p>
-            <a:pPr lvl="0" marL="0" indent="0">
+        <p:spPr/>
+        <p:txBody>
+          <a:bodyPr/>
+          <a:lstStyle/>
+          <a:p>
+            <a:pPr lvl="0" indent="0" marL="0">
               <a:buNone/>
             </a:pPr>
             <a:r>
               <a:rPr/>
-              <a:t>Adolfo</a:t>
-            </a:r>
-            <a:r>
-              <a:rPr/>
-              <a:t> </a:t>
-            </a:r>
-            <a:r>
-              <a:rPr/>
-              <a:t>Sanz</a:t>
-            </a:r>
-            <a:r>
-              <a:rPr/>
-              <a:t> </a:t>
-            </a:r>
-            <a:r>
-              <a:rPr/>
-              <a:t>De</a:t>
-            </a:r>
-            <a:r>
-              <a:rPr/>
-              <a:t> </a:t>
-            </a:r>
-            <a:r>
-              <a:rPr/>
-              <a:t>Diego</a:t>
-            </a:r>
-            <a:r>
-              <a:rPr/>
-              <a:t> </a:t>
-            </a:r>
-            <a:r>
-              <a:rPr/>
-              <a:t>Author</a:t>
+              <a:t>Release 7.0</a:t>
+            </a:r>
+          </a:p>
+        </p:txBody>
+      </p:sp>
+      <p:sp>
+        <p:nvSpPr>
+          <p:cNvPr id="3" name="Content Placeholder 2"/>
+          <p:cNvSpPr>
+            <a:spLocks noGrp="1"/>
+          </p:cNvSpPr>
+          <p:nvPr>
+            <p:ph idx="1"/>
+          </p:nvPr>
+        </p:nvSpPr>
+        <p:spPr/>
+        <p:txBody>
+          <a:bodyPr/>
+          <a:lstStyle/>
+          <a:p>
+            <a:pPr lvl="0"/>
+            <a:r>
+              <a:rPr/>
+              <a:t>Updated all the libraries to the latest version.</a:t>
+            </a:r>
+          </a:p>
+          <a:p>
+            <a:pPr lvl="0"/>
+            <a:r>
+              <a:rPr/>
+              <a:t>Updated the templates.</a:t>
+            </a:r>
+          </a:p>
+          <a:p>
+            <a:pPr lvl="0"/>
+            <a:r>
+              <a:rPr/>
+              <a:t>Updated the Dockerfile.</a:t>
             </a:r>
           </a:p>
         </p:txBody>
@@ -8579,98 +8391,22 @@
             <p:ph type="title"/>
           </p:nvPr>
         </p:nvSpPr>
-        <p:spPr/>
-        <p:txBody>
-          <a:bodyPr/>
-          <a:lstStyle/>
-          <a:p>
-            <a:pPr lvl="0" marL="0" indent="0">
+        <p:spPr>
+          <a:xfrm>
+            <a:off x="722313" y="3305176"/>
+            <a:ext cx="7772400" cy="1021556"/>
+          </a:xfrm>
+        </p:spPr>
+        <p:txBody>
+          <a:bodyPr/>
+          <a:lstStyle/>
+          <a:p>
+            <a:pPr lvl="0" indent="0" marL="0">
               <a:buNone/>
             </a:pPr>
             <a:r>
               <a:rPr/>
-              <a:t>Adolfo</a:t>
-            </a:r>
-            <a:r>
-              <a:rPr/>
-              <a:t> </a:t>
-            </a:r>
-            <a:r>
-              <a:rPr/>
-              <a:t>Sanz</a:t>
-            </a:r>
-            <a:r>
-              <a:rPr/>
-              <a:t> </a:t>
-            </a:r>
-            <a:r>
-              <a:rPr/>
-              <a:t>De</a:t>
-            </a:r>
-            <a:r>
-              <a:rPr/>
-              <a:t> </a:t>
-            </a:r>
-            <a:r>
-              <a:rPr/>
-              <a:t>Diego</a:t>
-            </a:r>
-          </a:p>
-        </p:txBody>
-      </p:sp>
-      <p:sp>
-        <p:nvSpPr>
-          <p:cNvPr id="3" name="Content Placeholder 2"/>
-          <p:cNvSpPr>
-            <a:spLocks noGrp="1"/>
-          </p:cNvSpPr>
-          <p:nvPr>
-            <p:ph idx="1"/>
-          </p:nvPr>
-        </p:nvSpPr>
-        <p:spPr/>
-        <p:txBody>
-          <a:bodyPr/>
-          <a:lstStyle/>
-          <a:p>
-            <a:pPr lvl="1"/>
-            <a:r>
-              <a:rPr b="1"/>
-              <a:t>Old JEE web developer</a:t>
-            </a:r>
-            <a:r>
-              <a:rPr/>
-              <a:t>.</a:t>
-            </a:r>
-          </a:p>
-          <a:p>
-            <a:pPr lvl="1"/>
-            <a:r>
-              <a:rPr/>
-              <a:t>Now I’m </a:t>
-            </a:r>
-            <a:r>
-              <a:rPr b="1"/>
-              <a:t>Tecnical Teacher Advaisor</a:t>
-            </a:r>
-            <a:r>
-              <a:rPr/>
-              <a:t> in the TIC service of the General Direction of Infrastructure and Services of the Ministry of Education and Youth of the Community of Madrid.</a:t>
-            </a:r>
-          </a:p>
-          <a:p>
-            <a:pPr lvl="1"/>
-            <a:r>
-              <a:rPr/>
-              <a:t>In addition I work as </a:t>
-            </a:r>
-            <a:r>
-              <a:rPr b="1"/>
-              <a:t>trainer specialized in development technologies</a:t>
-            </a:r>
-            <a:r>
-              <a:rPr/>
-              <a:t>.</a:t>
+              <a:t>Adolfo Sanz De Diego Author</a:t>
             </a:r>
           </a:p>
         </p:txBody>
@@ -8712,20 +8448,12 @@
           <a:bodyPr/>
           <a:lstStyle/>
           <a:p>
-            <a:pPr lvl="0" marL="0" indent="0">
+            <a:pPr lvl="0" indent="0" marL="0">
               <a:buNone/>
             </a:pPr>
             <a:r>
               <a:rPr/>
-              <a:t>Some</a:t>
-            </a:r>
-            <a:r>
-              <a:rPr/>
-              <a:t> </a:t>
-            </a:r>
-            <a:r>
-              <a:rPr/>
-              <a:t>projects</a:t>
+              <a:t>Adolfo Sanz De Diego</a:t>
             </a:r>
           </a:p>
         </p:txBody>
@@ -8745,46 +8473,62 @@
           <a:bodyPr/>
           <a:lstStyle/>
           <a:p>
-            <a:pPr lvl="1"/>
-            <a:r>
-              <a:rPr/>
-              <a:t>Hackathon Lovers </a:t>
+            <a:pPr lvl="0"/>
+            <a:r>
+              <a:rPr/>
+              <a:t>I started </a:t>
+            </a:r>
+            <a:r>
+              <a:rPr b="1"/>
+              <a:t>developing web applications</a:t>
+            </a:r>
+            <a:r>
+              <a:rPr/>
+              <a:t> until I transitioned into teaching.</a:t>
+            </a:r>
+          </a:p>
+          <a:p>
+            <a:pPr lvl="0"/>
+            <a:r>
+              <a:rPr/>
+              <a:t>Currently, I am the </a:t>
             </a:r>
             <a:r>
               <a:rPr>
                 <a:hlinkClick r:id="rId2"/>
               </a:rPr>
-              <a:t>Hackathon Lovers</a:t>
-            </a:r>
-            <a:r>
-              <a:rPr/>
-              <a:t>: a group created for entrepreneurs and developers who loves hackathons.</a:t>
-            </a:r>
-          </a:p>
-          <a:p>
-            <a:pPr lvl="1"/>
+              <a:t>Head of the Educational Platforms Service at the Digitalization Department of the Community of Madrid</a:t>
+            </a:r>
+            <a:r>
+              <a:rPr/>
+              <a:t>.</a:t>
+            </a:r>
+          </a:p>
+          <a:p>
+            <a:pPr lvl="0"/>
+            <a:r>
+              <a:rPr/>
+              <a:t>I collaborate as a teacher at the </a:t>
+            </a:r>
             <a:r>
               <a:rPr>
                 <a:hlinkClick r:id="rId3"/>
               </a:rPr>
-              <a:t>Password Manager Generator</a:t>
-            </a:r>
-            <a:r>
-              <a:rPr/>
-              <a:t>: an online password manager.</a:t>
-            </a:r>
-          </a:p>
-          <a:p>
-            <a:pPr lvl="1"/>
+              <a:t>University of Alcalá</a:t>
+            </a:r>
+            <a:r>
+              <a:rPr/>
+              <a:t> and as a trainer at </a:t>
+            </a:r>
             <a:r>
               <a:rPr>
                 <a:hlinkClick r:id="rId4"/>
               </a:rPr>
-              <a:t>MarkdownSlides</a:t>
-            </a:r>
-            <a:r>
-              <a:rPr/>
-              <a:t>: a script to create slides from MD files.</a:t>
+              <a:t>Pronoide</a:t>
+            </a:r>
+            <a:r>
+              <a:rPr/>
+              <a:t>.</a:t>
             </a:r>
           </a:p>
         </p:txBody>
@@ -8826,36 +8570,12 @@
           <a:bodyPr/>
           <a:lstStyle/>
           <a:p>
-            <a:pPr lvl="0" marL="0" indent="0">
+            <a:pPr lvl="0" indent="0" marL="0">
               <a:buNone/>
             </a:pPr>
             <a:r>
               <a:rPr/>
-              <a:t>Where</a:t>
-            </a:r>
-            <a:r>
-              <a:rPr/>
-              <a:t> </a:t>
-            </a:r>
-            <a:r>
-              <a:rPr/>
-              <a:t>to</a:t>
-            </a:r>
-            <a:r>
-              <a:rPr/>
-              <a:t> </a:t>
-            </a:r>
-            <a:r>
-              <a:rPr/>
-              <a:t>find</a:t>
-            </a:r>
-            <a:r>
-              <a:rPr/>
-              <a:t> </a:t>
-            </a:r>
-            <a:r>
-              <a:rPr/>
-              <a:t>me?</a:t>
+              <a:t>Some projects</a:t>
             </a:r>
           </a:p>
         </p:txBody>
@@ -8875,79 +8595,59 @@
           <a:bodyPr/>
           <a:lstStyle/>
           <a:p>
-            <a:pPr lvl="1"/>
-            <a:r>
-              <a:rPr/>
-              <a:t>My nick: </a:t>
-            </a:r>
-            <a:r>
-              <a:rPr b="1"/>
-              <a:t>asanzdiego</a:t>
-            </a:r>
-          </a:p>
-          <a:p>
-            <a:pPr lvl="2"/>
-            <a:r>
-              <a:rPr/>
-              <a:t>Blog: </a:t>
+            <a:pPr lvl="0"/>
+            <a:r>
+              <a:rPr/>
+              <a:t>Hackathon Lovers </a:t>
             </a:r>
             <a:r>
               <a:rPr>
                 <a:hlinkClick r:id="rId2"/>
               </a:rPr>
-              <a:t>asanzdiego.com</a:t>
-            </a:r>
-          </a:p>
-          <a:p>
-            <a:pPr lvl="2"/>
-            <a:r>
-              <a:rPr/>
-              <a:t>GitHub: </a:t>
-            </a:r>
+              <a:t>Hackathon Lovers</a:t>
+            </a:r>
+            <a:r>
+              <a:rPr/>
+              <a:t>: a group created for entrepreneurs and developers who loves hackathons.</a:t>
+            </a:r>
+          </a:p>
+          <a:p>
+            <a:pPr lvl="0"/>
             <a:r>
               <a:rPr>
                 <a:hlinkClick r:id="rId3"/>
               </a:rPr>
-              <a:t>github.com/asanzdiego</a:t>
-            </a:r>
-          </a:p>
-          <a:p>
-            <a:pPr lvl="2"/>
-            <a:r>
-              <a:rPr/>
-              <a:t>Twitter: </a:t>
-            </a:r>
+              <a:t>Password Manager Generator</a:t>
+            </a:r>
+            <a:r>
+              <a:rPr/>
+              <a:t>: an online password manager.</a:t>
+            </a:r>
+          </a:p>
+          <a:p>
+            <a:pPr lvl="0"/>
             <a:r>
               <a:rPr>
                 <a:hlinkClick r:id="rId4"/>
               </a:rPr>
-              <a:t>twitter.com/asanzdiego</a:t>
-            </a:r>
-          </a:p>
-          <a:p>
-            <a:pPr lvl="2"/>
-            <a:r>
-              <a:rPr/>
-              <a:t>LinkedIn: </a:t>
-            </a:r>
+              <a:t>Extension of Password Manager Generator</a:t>
+            </a:r>
+            <a:r>
+              <a:rPr/>
+              <a:t>: an extension for browsers of Password Manager Generator.</a:t>
+            </a:r>
+          </a:p>
+          <a:p>
+            <a:pPr lvl="0"/>
             <a:r>
               <a:rPr>
                 <a:hlinkClick r:id="rId5"/>
               </a:rPr>
-              <a:t>linkedin.com/in/asanzdiego</a:t>
-            </a:r>
-          </a:p>
-          <a:p>
-            <a:pPr lvl="2"/>
-            <a:r>
-              <a:rPr/>
-              <a:t>SlideShare: </a:t>
-            </a:r>
-            <a:r>
-              <a:rPr>
-                <a:hlinkClick r:id="rId6"/>
-              </a:rPr>
-              <a:t>slideshare.net/asanzdiego</a:t>
+              <a:t>MarkdownSlides</a:t>
+            </a:r>
+            <a:r>
+              <a:rPr/>
+              <a:t>: a script to create slides from MD files.</a:t>
             </a:r>
           </a:p>
         </p:txBody>
@@ -8989,20 +8689,12 @@
           <a:bodyPr/>
           <a:lstStyle/>
           <a:p>
-            <a:pPr lvl="0" marL="0" indent="0">
+            <a:pPr lvl="0" indent="0" marL="0">
               <a:buNone/>
             </a:pPr>
             <a:r>
               <a:rPr/>
-              <a:t>Samples</a:t>
-            </a:r>
-            <a:r>
-              <a:rPr/>
-              <a:t> </a:t>
-            </a:r>
-            <a:r>
-              <a:rPr/>
-              <a:t>(I)</a:t>
+              <a:t>Samples (I)</a:t>
             </a:r>
           </a:p>
         </p:txBody>
@@ -9022,74 +8714,200 @@
           <a:bodyPr/>
           <a:lstStyle/>
           <a:p>
+            <a:pPr lvl="0"/>
+            <a:r>
+              <a:rPr/>
+              <a:t>From a </a:t>
+            </a:r>
+            <a:r>
+              <a:rPr>
+                <a:hlinkClick r:id="rId2"/>
+              </a:rPr>
+              <a:t>MARKDOWN</a:t>
+            </a:r>
+            <a:r>
+              <a:rPr/>
+              <a:t> file generate:</a:t>
+            </a:r>
+          </a:p>
+          <a:p>
             <a:pPr lvl="1"/>
             <a:r>
-              <a:rPr/>
-              <a:t>From a </a:t>
+              <a:rPr>
+                <a:hlinkClick r:id="rId3"/>
+              </a:rPr>
+              <a:t>reveal-slides</a:t>
+            </a:r>
+          </a:p>
+          <a:p>
+            <a:pPr lvl="1"/>
+            <a:r>
+              <a:rPr>
+                <a:hlinkClick r:id="rId4"/>
+              </a:rPr>
+              <a:t>reveal-slides-pdf</a:t>
+            </a:r>
+          </a:p>
+          <a:p>
+            <a:pPr lvl="1"/>
+            <a:r>
+              <a:rPr>
+                <a:hlinkClick r:id="rId5"/>
+              </a:rPr>
+              <a:t>epub-book</a:t>
+            </a:r>
+          </a:p>
+          <a:p>
+            <a:pPr lvl="1"/>
+            <a:r>
+              <a:rPr>
+                <a:hlinkClick r:id="rId6"/>
+              </a:rPr>
+              <a:t>html-book</a:t>
+            </a:r>
+          </a:p>
+          <a:p>
+            <a:pPr lvl="1"/>
+            <a:r>
+              <a:rPr>
+                <a:hlinkClick r:id="rId7"/>
+              </a:rPr>
+              <a:t>docx-book</a:t>
+            </a:r>
+          </a:p>
+          <a:p>
+            <a:pPr lvl="1"/>
+            <a:r>
+              <a:rPr>
+                <a:hlinkClick r:id="rId8"/>
+              </a:rPr>
+              <a:t>pdf-book</a:t>
+            </a:r>
+          </a:p>
+        </p:txBody>
+      </p:sp>
+    </p:spTree>
+  </p:cSld>
+</p:sld>
+</file>
+
+<file path=ppt/slides/slide50.xml><?xml version="1.0" encoding="utf-8"?>
+<p:sld xmlns:a="http://schemas.openxmlformats.org/drawingml/2006/main" xmlns:r="http://schemas.openxmlformats.org/officeDocument/2006/relationships" xmlns:p="http://schemas.openxmlformats.org/presentationml/2006/main">
+  <p:cSld>
+    <p:spTree>
+      <p:nvGrpSpPr>
+        <p:cNvPr id="1" name=""/>
+        <p:cNvGrpSpPr/>
+        <p:nvPr/>
+      </p:nvGrpSpPr>
+      <p:grpSpPr>
+        <a:xfrm>
+          <a:off x="0" y="0"/>
+          <a:ext cx="0" cy="0"/>
+          <a:chOff x="0" y="0"/>
+          <a:chExt cx="0" cy="0"/>
+        </a:xfrm>
+      </p:grpSpPr>
+      <p:sp>
+        <p:nvSpPr>
+          <p:cNvPr id="2" name="Title 1"/>
+          <p:cNvSpPr>
+            <a:spLocks noGrp="1"/>
+          </p:cNvSpPr>
+          <p:nvPr>
+            <p:ph type="title"/>
+          </p:nvPr>
+        </p:nvSpPr>
+        <p:spPr/>
+        <p:txBody>
+          <a:bodyPr/>
+          <a:lstStyle/>
+          <a:p>
+            <a:pPr lvl="0" indent="0" marL="0">
+              <a:buNone/>
+            </a:pPr>
+            <a:r>
+              <a:rPr/>
+              <a:t>Where to find me?</a:t>
+            </a:r>
+          </a:p>
+        </p:txBody>
+      </p:sp>
+      <p:sp>
+        <p:nvSpPr>
+          <p:cNvPr id="3" name="Content Placeholder 2"/>
+          <p:cNvSpPr>
+            <a:spLocks noGrp="1"/>
+          </p:cNvSpPr>
+          <p:nvPr>
+            <p:ph idx="1"/>
+          </p:nvPr>
+        </p:nvSpPr>
+        <p:spPr/>
+        <p:txBody>
+          <a:bodyPr/>
+          <a:lstStyle/>
+          <a:p>
+            <a:pPr lvl="0"/>
+            <a:r>
+              <a:rPr/>
+              <a:t>My nick: </a:t>
+            </a:r>
+            <a:r>
+              <a:rPr b="1"/>
+              <a:t>asanzdiego</a:t>
+            </a:r>
+          </a:p>
+          <a:p>
+            <a:pPr lvl="1"/>
+            <a:r>
+              <a:rPr/>
+              <a:t>Blog: </a:t>
             </a:r>
             <a:r>
               <a:rPr>
                 <a:hlinkClick r:id="rId2"/>
               </a:rPr>
-              <a:t>MARKDOWN</a:t>
-            </a:r>
-            <a:r>
-              <a:rPr/>
-              <a:t> file generate:</a:t>
-            </a:r>
-          </a:p>
-          <a:p>
-            <a:pPr lvl="2"/>
+              <a:t>asanzdiego.com</a:t>
+            </a:r>
+          </a:p>
+          <a:p>
+            <a:pPr lvl="1"/>
+            <a:r>
+              <a:rPr/>
+              <a:t>GitHub: </a:t>
+            </a:r>
             <a:r>
               <a:rPr>
                 <a:hlinkClick r:id="rId3"/>
               </a:rPr>
-              <a:t>reveal-slides</a:t>
-            </a:r>
-          </a:p>
-          <a:p>
-            <a:pPr lvl="2"/>
+              <a:t>github.com/asanzdiego</a:t>
+            </a:r>
+          </a:p>
+          <a:p>
+            <a:pPr lvl="1"/>
+            <a:r>
+              <a:rPr/>
+              <a:t>Twitter: </a:t>
+            </a:r>
             <a:r>
               <a:rPr>
                 <a:hlinkClick r:id="rId4"/>
               </a:rPr>
-              <a:t>reveal-slides-pdf</a:t>
-            </a:r>
-          </a:p>
-          <a:p>
-            <a:pPr lvl="2"/>
+              <a:t>twitter.com/asanzdiego</a:t>
+            </a:r>
+          </a:p>
+          <a:p>
+            <a:pPr lvl="1"/>
+            <a:r>
+              <a:rPr/>
+              <a:t>LinkedIn: </a:t>
+            </a:r>
             <a:r>
               <a:rPr>
                 <a:hlinkClick r:id="rId5"/>
               </a:rPr>
-              <a:t>epub-book</a:t>
-            </a:r>
-          </a:p>
-          <a:p>
-            <a:pPr lvl="2"/>
-            <a:r>
-              <a:rPr>
-                <a:hlinkClick r:id="rId6"/>
-              </a:rPr>
-              <a:t>html-book</a:t>
-            </a:r>
-          </a:p>
-          <a:p>
-            <a:pPr lvl="2"/>
-            <a:r>
-              <a:rPr>
-                <a:hlinkClick r:id="rId7"/>
-              </a:rPr>
-              <a:t>docx-book</a:t>
-            </a:r>
-          </a:p>
-          <a:p>
-            <a:pPr lvl="2"/>
-            <a:r>
-              <a:rPr>
-                <a:hlinkClick r:id="rId8"/>
-              </a:rPr>
-              <a:t>pdf-book</a:t>
+              <a:t>linkedin.com/in/asanzdiego</a:t>
             </a:r>
           </a:p>
         </p:txBody>
@@ -9131,20 +8949,12 @@
           <a:bodyPr/>
           <a:lstStyle/>
           <a:p>
-            <a:pPr lvl="0" marL="0" indent="0">
+            <a:pPr lvl="0" indent="0" marL="0">
               <a:buNone/>
             </a:pPr>
             <a:r>
               <a:rPr/>
-              <a:t>Samples</a:t>
-            </a:r>
-            <a:r>
-              <a:rPr/>
-              <a:t> </a:t>
-            </a:r>
-            <a:r>
-              <a:rPr/>
-              <a:t>(I)</a:t>
+              <a:t>Samples (I)</a:t>
             </a:r>
           </a:p>
         </p:txBody>
@@ -9164,7 +8974,7 @@
           <a:bodyPr/>
           <a:lstStyle/>
           <a:p>
-            <a:pPr lvl="1"/>
+            <a:pPr lvl="0"/>
             <a:r>
               <a:rPr/>
               <a:t>From this same </a:t>
@@ -9189,7 +8999,7 @@
             </a:r>
           </a:p>
           <a:p>
-            <a:pPr lvl="2"/>
+            <a:pPr lvl="1"/>
             <a:r>
               <a:rPr>
                 <a:hlinkClick r:id="rId3"/>
@@ -9198,7 +9008,7 @@
             </a:r>
           </a:p>
           <a:p>
-            <a:pPr lvl="2"/>
+            <a:pPr lvl="1"/>
             <a:r>
               <a:rPr>
                 <a:hlinkClick r:id="rId4"/>
@@ -9207,7 +9017,7 @@
             </a:r>
           </a:p>
           <a:p>
-            <a:pPr lvl="2"/>
+            <a:pPr lvl="1"/>
             <a:r>
               <a:rPr>
                 <a:hlinkClick r:id="rId5"/>
@@ -9216,7 +9026,7 @@
             </a:r>
           </a:p>
           <a:p>
-            <a:pPr lvl="2"/>
+            <a:pPr lvl="1"/>
             <a:r>
               <a:rPr>
                 <a:hlinkClick r:id="rId6"/>
@@ -9225,7 +9035,7 @@
             </a:r>
           </a:p>
           <a:p>
-            <a:pPr lvl="2"/>
+            <a:pPr lvl="1"/>
             <a:r>
               <a:rPr>
                 <a:hlinkClick r:id="rId7"/>
@@ -9234,7 +9044,7 @@
             </a:r>
           </a:p>
           <a:p>
-            <a:pPr lvl="2"/>
+            <a:pPr lvl="1"/>
             <a:r>
               <a:rPr>
                 <a:hlinkClick r:id="rId8"/>
@@ -9281,7 +9091,7 @@
           <a:bodyPr/>
           <a:lstStyle/>
           <a:p>
-            <a:pPr lvl="0" marL="0" indent="0">
+            <a:pPr lvl="0" indent="0" marL="0">
               <a:buNone/>
             </a:pPr>
             <a:r>
@@ -9306,7 +9116,7 @@
           <a:bodyPr/>
           <a:lstStyle/>
           <a:p>
-            <a:pPr lvl="1"/>
+            <a:pPr lvl="0"/>
             <a:r>
               <a:rPr/>
               <a:t>Cesar Seoane: </a:t>
@@ -9319,7 +9129,7 @@
             </a:r>
           </a:p>
           <a:p>
-            <a:pPr lvl="1"/>
+            <a:pPr lvl="0"/>
             <a:r>
               <a:rPr/>
               <a:t>Rubén Gómez García: </a:t>
@@ -9332,7 +9142,7 @@
             </a:r>
           </a:p>
           <a:p>
-            <a:pPr lvl="1"/>
+            <a:pPr lvl="0"/>
             <a:r>
               <a:rPr/>
               <a:t>Raul Jimenez Ortega: </a:t>
@@ -9345,7 +9155,7 @@
             </a:r>
           </a:p>
           <a:p>
-            <a:pPr lvl="1"/>
+            <a:pPr lvl="0"/>
             <a:r>
               <a:rPr/>
               <a:t>Pablo J. Triviño: </a:t>
@@ -9358,7 +9168,7 @@
             </a:r>
           </a:p>
           <a:p>
-            <a:pPr lvl="1"/>
+            <a:pPr lvl="0"/>
             <a:r>
               <a:rPr/>
               <a:t>Marcos Chavarría: </a:t>
@@ -9409,7 +9219,7 @@
           <a:bodyPr/>
           <a:lstStyle/>
           <a:p>
-            <a:pPr lvl="0" marL="0" indent="0">
+            <a:pPr lvl="0" indent="0" marL="0">
               <a:buNone/>
             </a:pPr>
             <a:r>
@@ -9434,14 +9244,14 @@
           <a:bodyPr/>
           <a:lstStyle/>
           <a:p>
-            <a:pPr lvl="1"/>
+            <a:pPr lvl="0"/>
             <a:r>
               <a:rPr b="1"/>
               <a:t>This work is licensed under a:</a:t>
             </a:r>
           </a:p>
           <a:p>
-            <a:pPr lvl="2"/>
+            <a:pPr lvl="1"/>
             <a:r>
               <a:rPr>
                 <a:hlinkClick r:id="rId2"/>
@@ -9450,14 +9260,14 @@
             </a:r>
           </a:p>
           <a:p>
-            <a:pPr lvl="1"/>
+            <a:pPr lvl="0"/>
             <a:r>
               <a:rPr b="1"/>
               <a:t>The program source code are licensed under a:</a:t>
             </a:r>
           </a:p>
           <a:p>
-            <a:pPr lvl="2"/>
+            <a:pPr lvl="1"/>
             <a:r>
               <a:rPr>
                 <a:hlinkClick r:id="rId3"/>
@@ -9469,6 +9279,235 @@
       </p:sp>
     </p:spTree>
   </p:cSld>
+  <p:timing>
+    <p:tnLst>
+      <p:par>
+        <p:cTn id="1" dur="indefinite" restart="never" nodeType="tmRoot">
+          <p:childTnLst>
+            <p:seq concurrent="1" nextAc="seek">
+              <p:cTn id="2" dur="indefinite" nodeType="mainSeq">
+                <p:childTnLst>
+                  <p:par>
+                    <p:cTn id="3" fill="hold">
+                      <p:stCondLst>
+                        <p:cond delay="indefinite"/>
+                      </p:stCondLst>
+                      <p:childTnLst>
+                        <p:par>
+                          <p:cTn id="4" fill="hold">
+                            <p:stCondLst>
+                              <p:cond delay="0"/>
+                            </p:stCondLst>
+                            <p:childTnLst>
+                              <p:par>
+                                <p:cTn id="5" presetID="1" presetClass="entr" presetSubtype="0" fill="hold" grpId="0" nodeType="clickEffect">
+                                  <p:stCondLst>
+                                    <p:cond delay="0"/>
+                                  </p:stCondLst>
+                                  <p:childTnLst>
+                                    <p:set>
+                                      <p:cBhvr>
+                                        <p:cTn id="6" dur="1" fill="hold">
+                                          <p:stCondLst>
+                                            <p:cond delay="0"/>
+                                          </p:stCondLst>
+                                        </p:cTn>
+                                        <p:tgtEl>
+                                          <p:spTgt spid="3">
+                                            <p:txEl>
+                                              <p:pRg st="0" end="0"/>
+                                            </p:txEl>
+                                          </p:spTgt>
+                                        </p:tgtEl>
+                                        <p:attrNameLst>
+                                          <p:attrName>style.visibility</p:attrName>
+                                        </p:attrNameLst>
+                                      </p:cBhvr>
+                                      <p:to>
+                                        <p:strVal val="visible"/>
+                                      </p:to>
+                                    </p:set>
+                                  </p:childTnLst>
+                                </p:cTn>
+                              </p:par>
+                            </p:childTnLst>
+                          </p:cTn>
+                        </p:par>
+                      </p:childTnLst>
+                    </p:cTn>
+                  </p:par>
+                  <p:par>
+                    <p:cTn id="7" fill="hold">
+                      <p:stCondLst>
+                        <p:cond delay="indefinite"/>
+                      </p:stCondLst>
+                      <p:childTnLst>
+                        <p:par>
+                          <p:cTn id="8" fill="hold">
+                            <p:stCondLst>
+                              <p:cond delay="0"/>
+                            </p:stCondLst>
+                            <p:childTnLst>
+                              <p:par>
+                                <p:cTn id="9" presetID="1" presetClass="entr" presetSubtype="0" fill="hold" grpId="0" nodeType="clickEffect">
+                                  <p:stCondLst>
+                                    <p:cond delay="0"/>
+                                  </p:stCondLst>
+                                  <p:childTnLst>
+                                    <p:set>
+                                      <p:cBhvr>
+                                        <p:cTn id="10" dur="1" fill="hold">
+                                          <p:stCondLst>
+                                            <p:cond delay="0"/>
+                                          </p:stCondLst>
+                                        </p:cTn>
+                                        <p:tgtEl>
+                                          <p:spTgt spid="3">
+                                            <p:txEl>
+                                              <p:pRg st="1" end="1"/>
+                                            </p:txEl>
+                                          </p:spTgt>
+                                        </p:tgtEl>
+                                        <p:attrNameLst>
+                                          <p:attrName>style.visibility</p:attrName>
+                                        </p:attrNameLst>
+                                      </p:cBhvr>
+                                      <p:to>
+                                        <p:strVal val="visible"/>
+                                      </p:to>
+                                    </p:set>
+                                  </p:childTnLst>
+                                </p:cTn>
+                              </p:par>
+                            </p:childTnLst>
+                          </p:cTn>
+                        </p:par>
+                      </p:childTnLst>
+                    </p:cTn>
+                  </p:par>
+                  <p:par>
+                    <p:cTn id="11" fill="hold">
+                      <p:stCondLst>
+                        <p:cond delay="indefinite"/>
+                      </p:stCondLst>
+                      <p:childTnLst>
+                        <p:par>
+                          <p:cTn id="12" fill="hold">
+                            <p:stCondLst>
+                              <p:cond delay="0"/>
+                            </p:stCondLst>
+                            <p:childTnLst>
+                              <p:par>
+                                <p:cTn id="13" presetID="1" presetClass="entr" presetSubtype="0" fill="hold" grpId="0" nodeType="clickEffect">
+                                  <p:stCondLst>
+                                    <p:cond delay="0"/>
+                                  </p:stCondLst>
+                                  <p:childTnLst>
+                                    <p:set>
+                                      <p:cBhvr>
+                                        <p:cTn id="14" dur="1" fill="hold">
+                                          <p:stCondLst>
+                                            <p:cond delay="0"/>
+                                          </p:stCondLst>
+                                        </p:cTn>
+                                        <p:tgtEl>
+                                          <p:spTgt spid="3">
+                                            <p:txEl>
+                                              <p:pRg st="2" end="2"/>
+                                            </p:txEl>
+                                          </p:spTgt>
+                                        </p:tgtEl>
+                                        <p:attrNameLst>
+                                          <p:attrName>style.visibility</p:attrName>
+                                        </p:attrNameLst>
+                                      </p:cBhvr>
+                                      <p:to>
+                                        <p:strVal val="visible"/>
+                                      </p:to>
+                                    </p:set>
+                                  </p:childTnLst>
+                                </p:cTn>
+                              </p:par>
+                            </p:childTnLst>
+                          </p:cTn>
+                        </p:par>
+                      </p:childTnLst>
+                    </p:cTn>
+                  </p:par>
+                  <p:par>
+                    <p:cTn id="15" fill="hold">
+                      <p:stCondLst>
+                        <p:cond delay="indefinite"/>
+                      </p:stCondLst>
+                      <p:childTnLst>
+                        <p:par>
+                          <p:cTn id="16" fill="hold">
+                            <p:stCondLst>
+                              <p:cond delay="0"/>
+                            </p:stCondLst>
+                            <p:childTnLst>
+                              <p:par>
+                                <p:cTn id="17" presetID="1" presetClass="entr" presetSubtype="0" fill="hold" grpId="0" nodeType="clickEffect">
+                                  <p:stCondLst>
+                                    <p:cond delay="0"/>
+                                  </p:stCondLst>
+                                  <p:childTnLst>
+                                    <p:set>
+                                      <p:cBhvr>
+                                        <p:cTn id="18" dur="1" fill="hold">
+                                          <p:stCondLst>
+                                            <p:cond delay="0"/>
+                                          </p:stCondLst>
+                                        </p:cTn>
+                                        <p:tgtEl>
+                                          <p:spTgt spid="3">
+                                            <p:txEl>
+                                              <p:pRg st="3" end="3"/>
+                                            </p:txEl>
+                                          </p:spTgt>
+                                        </p:tgtEl>
+                                        <p:attrNameLst>
+                                          <p:attrName>style.visibility</p:attrName>
+                                        </p:attrNameLst>
+                                      </p:cBhvr>
+                                      <p:to>
+                                        <p:strVal val="visible"/>
+                                      </p:to>
+                                    </p:set>
+                                  </p:childTnLst>
+                                </p:cTn>
+                              </p:par>
+                            </p:childTnLst>
+                          </p:cTn>
+                        </p:par>
+                      </p:childTnLst>
+                    </p:cTn>
+                  </p:par>
+                </p:childTnLst>
+              </p:cTn>
+              <p:prevCondLst>
+                <p:cond evt="onPrev" delay="0">
+                  <p:tgtEl>
+                    <p:sldTgt/>
+                  </p:tgtEl>
+                </p:cond>
+              </p:prevCondLst>
+              <p:nextCondLst>
+                <p:cond evt="onNext" delay="0">
+                  <p:tgtEl>
+                    <p:sldTgt/>
+                  </p:tgtEl>
+                </p:cond>
+              </p:nextCondLst>
+            </p:seq>
+          </p:childTnLst>
+        </p:cTn>
+      </p:par>
+    </p:tnLst>
+    <p:bldLst>
+      <p:bldP spid="3" grpId="0" uiExpand="1" build="p"/>
+    </p:bldLst>
+  </p:timing>
 </p:sld>
 </file>
 
@@ -9501,15 +9540,15 @@
         </p:nvSpPr>
         <p:spPr>
           <a:xfrm>
-            <a:off x="722313" y="4406900"/>
-            <a:ext cx="7772400" cy="1362075"/>
+            <a:off x="722313" y="3305176"/>
+            <a:ext cx="7772400" cy="1021556"/>
           </a:xfrm>
         </p:spPr>
         <p:txBody>
           <a:bodyPr/>
           <a:lstStyle/>
           <a:p>
-            <a:pPr lvl="0" marL="0" indent="0">
+            <a:pPr lvl="0" indent="0" marL="0">
               <a:buNone/>
             </a:pPr>
             <a:r>

--- a/doc/export/readme-slides-plus.pptx
+++ b/doc/export/readme-slides-plus.pptx
@@ -5,7 +5,7 @@
     <p:sldMasterId id="2147483648" r:id="rId1"/>
   </p:sldMasterIdLst>
   <p:notesMasterIdLst>
-    <p:notesMasterId r:id="rId52"/>
+    <p:notesMasterId r:id="rId53"/>
   </p:notesMasterIdLst>
   <p:sldIdLst>
     <p:sldId id="256" r:id="rId2"/>
@@ -58,6 +58,7 @@
     <p:sldId id="303" r:id="rId49"/>
     <p:sldId id="304" r:id="rId50"/>
     <p:sldId id="305" r:id="rId51"/>
+    <p:sldId id="306" r:id="rId52"/>
   </p:sldIdLst>
   <p:sldSz cx="9144000" cy="5143500" type="screen16x9"/>
   <p:notesSz cx="6858000" cy="9144000"/>
@@ -8391,12 +8392,7 @@
             <p:ph type="title"/>
           </p:nvPr>
         </p:nvSpPr>
-        <p:spPr>
-          <a:xfrm>
-            <a:off x="722313" y="3305176"/>
-            <a:ext cx="7772400" cy="1021556"/>
-          </a:xfrm>
-        </p:spPr>
+        <p:spPr/>
         <p:txBody>
           <a:bodyPr/>
           <a:lstStyle/>
@@ -8406,7 +8402,30 @@
             </a:pPr>
             <a:r>
               <a:rPr/>
-              <a:t>Adolfo Sanz De Diego Author</a:t>
+              <a:t>Release 7.*</a:t>
+            </a:r>
+          </a:p>
+        </p:txBody>
+      </p:sp>
+      <p:sp>
+        <p:nvSpPr>
+          <p:cNvPr id="3" name="Content Placeholder 2"/>
+          <p:cNvSpPr>
+            <a:spLocks noGrp="1"/>
+          </p:cNvSpPr>
+          <p:nvPr>
+            <p:ph idx="1"/>
+          </p:nvPr>
+        </p:nvSpPr>
+        <p:spPr/>
+        <p:txBody>
+          <a:bodyPr/>
+          <a:lstStyle/>
+          <a:p>
+            <a:pPr lvl="0"/>
+            <a:r>
+              <a:rPr/>
+              <a:t>Minor changes.</a:t>
             </a:r>
           </a:p>
         </p:txBody>
@@ -8443,7 +8462,12 @@
             <p:ph type="title"/>
           </p:nvPr>
         </p:nvSpPr>
-        <p:spPr/>
+        <p:spPr>
+          <a:xfrm>
+            <a:off x="722313" y="3305176"/>
+            <a:ext cx="7772400" cy="1021556"/>
+          </a:xfrm>
+        </p:spPr>
         <p:txBody>
           <a:bodyPr/>
           <a:lstStyle/>
@@ -8453,82 +8477,7 @@
             </a:pPr>
             <a:r>
               <a:rPr/>
-              <a:t>Adolfo Sanz De Diego</a:t>
-            </a:r>
-          </a:p>
-        </p:txBody>
-      </p:sp>
-      <p:sp>
-        <p:nvSpPr>
-          <p:cNvPr id="3" name="Content Placeholder 2"/>
-          <p:cNvSpPr>
-            <a:spLocks noGrp="1"/>
-          </p:cNvSpPr>
-          <p:nvPr>
-            <p:ph idx="1"/>
-          </p:nvPr>
-        </p:nvSpPr>
-        <p:spPr/>
-        <p:txBody>
-          <a:bodyPr/>
-          <a:lstStyle/>
-          <a:p>
-            <a:pPr lvl="0"/>
-            <a:r>
-              <a:rPr/>
-              <a:t>I started </a:t>
-            </a:r>
-            <a:r>
-              <a:rPr b="1"/>
-              <a:t>developing web applications</a:t>
-            </a:r>
-            <a:r>
-              <a:rPr/>
-              <a:t> until I transitioned into teaching.</a:t>
-            </a:r>
-          </a:p>
-          <a:p>
-            <a:pPr lvl="0"/>
-            <a:r>
-              <a:rPr/>
-              <a:t>Currently, I am the </a:t>
-            </a:r>
-            <a:r>
-              <a:rPr>
-                <a:hlinkClick r:id="rId2"/>
-              </a:rPr>
-              <a:t>Head of the Educational Platforms Service at the Digitalization Department of the Community of Madrid</a:t>
-            </a:r>
-            <a:r>
-              <a:rPr/>
-              <a:t>.</a:t>
-            </a:r>
-          </a:p>
-          <a:p>
-            <a:pPr lvl="0"/>
-            <a:r>
-              <a:rPr/>
-              <a:t>I collaborate as a teacher at the </a:t>
-            </a:r>
-            <a:r>
-              <a:rPr>
-                <a:hlinkClick r:id="rId3"/>
-              </a:rPr>
-              <a:t>University of Alcalá</a:t>
-            </a:r>
-            <a:r>
-              <a:rPr/>
-              <a:t> and as a trainer at </a:t>
-            </a:r>
-            <a:r>
-              <a:rPr>
-                <a:hlinkClick r:id="rId4"/>
-              </a:rPr>
-              <a:t>Pronoide</a:t>
-            </a:r>
-            <a:r>
-              <a:rPr/>
-              <a:t>.</a:t>
+              <a:t>Adolfo Sanz De Diego Author</a:t>
             </a:r>
           </a:p>
         </p:txBody>
@@ -8575,7 +8524,7 @@
             </a:pPr>
             <a:r>
               <a:rPr/>
-              <a:t>Some projects</a:t>
+              <a:t>Adolfo Sanz De Diego</a:t>
             </a:r>
           </a:p>
         </p:txBody>
@@ -8598,56 +8547,59 @@
             <a:pPr lvl="0"/>
             <a:r>
               <a:rPr/>
-              <a:t>Hackathon Lovers </a:t>
+              <a:t>I started </a:t>
+            </a:r>
+            <a:r>
+              <a:rPr b="1"/>
+              <a:t>developing web applications</a:t>
+            </a:r>
+            <a:r>
+              <a:rPr/>
+              <a:t> until I transitioned into teaching.</a:t>
+            </a:r>
+          </a:p>
+          <a:p>
+            <a:pPr lvl="0"/>
+            <a:r>
+              <a:rPr/>
+              <a:t>Currently, I am the </a:t>
             </a:r>
             <a:r>
               <a:rPr>
                 <a:hlinkClick r:id="rId2"/>
               </a:rPr>
-              <a:t>Hackathon Lovers</a:t>
-            </a:r>
-            <a:r>
-              <a:rPr/>
-              <a:t>: a group created for entrepreneurs and developers who loves hackathons.</a:t>
-            </a:r>
-          </a:p>
-          <a:p>
-            <a:pPr lvl="0"/>
+              <a:t>Head of the Educational Platforms Service at the Digitalization Department of the Community of Madrid</a:t>
+            </a:r>
+            <a:r>
+              <a:rPr/>
+              <a:t>.</a:t>
+            </a:r>
+          </a:p>
+          <a:p>
+            <a:pPr lvl="0"/>
+            <a:r>
+              <a:rPr/>
+              <a:t>I collaborate as a teacher at the </a:t>
+            </a:r>
             <a:r>
               <a:rPr>
                 <a:hlinkClick r:id="rId3"/>
               </a:rPr>
-              <a:t>Password Manager Generator</a:t>
-            </a:r>
-            <a:r>
-              <a:rPr/>
-              <a:t>: an online password manager.</a:t>
-            </a:r>
-          </a:p>
-          <a:p>
-            <a:pPr lvl="0"/>
+              <a:t>University of Alcalá</a:t>
+            </a:r>
+            <a:r>
+              <a:rPr/>
+              <a:t> and as a trainer at </a:t>
+            </a:r>
             <a:r>
               <a:rPr>
                 <a:hlinkClick r:id="rId4"/>
               </a:rPr>
-              <a:t>Extension of Password Manager Generator</a:t>
-            </a:r>
-            <a:r>
-              <a:rPr/>
-              <a:t>: an extension for browsers of Password Manager Generator.</a:t>
-            </a:r>
-          </a:p>
-          <a:p>
-            <a:pPr lvl="0"/>
-            <a:r>
-              <a:rPr>
-                <a:hlinkClick r:id="rId5"/>
-              </a:rPr>
-              <a:t>MarkdownSlides</a:t>
-            </a:r>
-            <a:r>
-              <a:rPr/>
-              <a:t>: a script to create slides from MD files.</a:t>
+              <a:t>Pronoide</a:t>
+            </a:r>
+            <a:r>
+              <a:rPr/>
+              <a:t>.</a:t>
             </a:r>
           </a:p>
         </p:txBody>
@@ -8792,6 +8744,125 @@
 </file>
 
 <file path=ppt/slides/slide50.xml><?xml version="1.0" encoding="utf-8"?>
+<p:sld xmlns:a="http://schemas.openxmlformats.org/drawingml/2006/main" xmlns:r="http://schemas.openxmlformats.org/officeDocument/2006/relationships" xmlns:p="http://schemas.openxmlformats.org/presentationml/2006/main">
+  <p:cSld>
+    <p:spTree>
+      <p:nvGrpSpPr>
+        <p:cNvPr id="1" name=""/>
+        <p:cNvGrpSpPr/>
+        <p:nvPr/>
+      </p:nvGrpSpPr>
+      <p:grpSpPr>
+        <a:xfrm>
+          <a:off x="0" y="0"/>
+          <a:ext cx="0" cy="0"/>
+          <a:chOff x="0" y="0"/>
+          <a:chExt cx="0" cy="0"/>
+        </a:xfrm>
+      </p:grpSpPr>
+      <p:sp>
+        <p:nvSpPr>
+          <p:cNvPr id="2" name="Title 1"/>
+          <p:cNvSpPr>
+            <a:spLocks noGrp="1"/>
+          </p:cNvSpPr>
+          <p:nvPr>
+            <p:ph type="title"/>
+          </p:nvPr>
+        </p:nvSpPr>
+        <p:spPr/>
+        <p:txBody>
+          <a:bodyPr/>
+          <a:lstStyle/>
+          <a:p>
+            <a:pPr lvl="0" indent="0" marL="0">
+              <a:buNone/>
+            </a:pPr>
+            <a:r>
+              <a:rPr/>
+              <a:t>Some projects</a:t>
+            </a:r>
+          </a:p>
+        </p:txBody>
+      </p:sp>
+      <p:sp>
+        <p:nvSpPr>
+          <p:cNvPr id="3" name="Content Placeholder 2"/>
+          <p:cNvSpPr>
+            <a:spLocks noGrp="1"/>
+          </p:cNvSpPr>
+          <p:nvPr>
+            <p:ph idx="1"/>
+          </p:nvPr>
+        </p:nvSpPr>
+        <p:spPr/>
+        <p:txBody>
+          <a:bodyPr/>
+          <a:lstStyle/>
+          <a:p>
+            <a:pPr lvl="0"/>
+            <a:r>
+              <a:rPr/>
+              <a:t>Hackathon Lovers </a:t>
+            </a:r>
+            <a:r>
+              <a:rPr>
+                <a:hlinkClick r:id="rId2"/>
+              </a:rPr>
+              <a:t>Hackathon Lovers</a:t>
+            </a:r>
+            <a:r>
+              <a:rPr/>
+              <a:t>: a group created for entrepreneurs and developers who loves hackathons.</a:t>
+            </a:r>
+          </a:p>
+          <a:p>
+            <a:pPr lvl="0"/>
+            <a:r>
+              <a:rPr>
+                <a:hlinkClick r:id="rId3"/>
+              </a:rPr>
+              <a:t>Password Manager Generator</a:t>
+            </a:r>
+            <a:r>
+              <a:rPr/>
+              <a:t>: an online password manager.</a:t>
+            </a:r>
+          </a:p>
+          <a:p>
+            <a:pPr lvl="0"/>
+            <a:r>
+              <a:rPr>
+                <a:hlinkClick r:id="rId4"/>
+              </a:rPr>
+              <a:t>Extension of Password Manager Generator</a:t>
+            </a:r>
+            <a:r>
+              <a:rPr/>
+              <a:t>: an extension for browsers of Password Manager Generator.</a:t>
+            </a:r>
+          </a:p>
+          <a:p>
+            <a:pPr lvl="0"/>
+            <a:r>
+              <a:rPr>
+                <a:hlinkClick r:id="rId5"/>
+              </a:rPr>
+              <a:t>MarkdownSlides</a:t>
+            </a:r>
+            <a:r>
+              <a:rPr/>
+              <a:t>: a script to create slides from MD files.</a:t>
+            </a:r>
+          </a:p>
+        </p:txBody>
+      </p:sp>
+    </p:spTree>
+  </p:cSld>
+</p:sld>
+</file>
+
+<file path=ppt/slides/slide51.xml><?xml version="1.0" encoding="utf-8"?>
 <p:sld xmlns:a="http://schemas.openxmlformats.org/drawingml/2006/main" xmlns:r="http://schemas.openxmlformats.org/officeDocument/2006/relationships" xmlns:p="http://schemas.openxmlformats.org/presentationml/2006/main">
   <p:cSld>
     <p:spTree>
